--- a/Licenta2020MihaiMariusCatalin/Prezentare.pptx
+++ b/Licenta2020MihaiMariusCatalin/Prezentare.pptx
@@ -2,7 +2,7 @@
 <file path=ppt/presentation.xml><?xml version="1.0" encoding="utf-8"?>
 <p:presentation xmlns:a="http://schemas.openxmlformats.org/drawingml/2006/main" xmlns:r="http://schemas.openxmlformats.org/officeDocument/2006/relationships" xmlns:p="http://schemas.openxmlformats.org/presentationml/2006/main" autoCompressPictures="0">
   <p:sldMasterIdLst>
-    <p:sldMasterId id="2147483696" r:id="rId1"/>
+    <p:sldMasterId id="2147483708" r:id="rId1"/>
   </p:sldMasterIdLst>
   <p:sldIdLst>
     <p:sldId id="256" r:id="rId2"/>
@@ -11,7 +11,9 @@
     <p:sldId id="259" r:id="rId5"/>
     <p:sldId id="260" r:id="rId6"/>
     <p:sldId id="261" r:id="rId7"/>
-    <p:sldId id="262" r:id="rId8"/>
+    <p:sldId id="263" r:id="rId8"/>
+    <p:sldId id="264" r:id="rId9"/>
+    <p:sldId id="262" r:id="rId10"/>
   </p:sldIdLst>
   <p:sldSz cx="12192000" cy="6858000"/>
   <p:notesSz cx="6858000" cy="9144000"/>
@@ -110,20 +112,17 @@
       </a:defRPr>
     </a:lvl9pPr>
   </p:defaultTextStyle>
+  <p:extLst>
+    <p:ext uri="{EFAFB233-063F-42B5-8137-9DF3F51BA10A}">
+      <p15:sldGuideLst xmlns:p15="http://schemas.microsoft.com/office/powerpoint/2012/main"/>
+    </p:ext>
+  </p:extLst>
 </p:presentation>
 </file>
 
 <file path=ppt/slideLayouts/slideLayout1.xml><?xml version="1.0" encoding="utf-8"?>
-<p:sldLayout xmlns:a="http://schemas.openxmlformats.org/drawingml/2006/main" xmlns:r="http://schemas.openxmlformats.org/officeDocument/2006/relationships" xmlns:p="http://schemas.openxmlformats.org/presentationml/2006/main" type="title" preserve="1">
+<p:sldLayout xmlns:a="http://schemas.openxmlformats.org/drawingml/2006/main" xmlns:r="http://schemas.openxmlformats.org/officeDocument/2006/relationships" xmlns:p="http://schemas.openxmlformats.org/presentationml/2006/main" showMasterSp="0" type="title" preserve="1">
   <p:cSld name="Title Slide">
-    <p:bg>
-      <p:bgPr>
-        <a:solidFill>
-          <a:schemeClr val="accent2"/>
-        </a:solidFill>
-        <a:effectLst/>
-      </p:bgPr>
-    </p:bg>
     <p:spTree>
       <p:nvGrpSpPr>
         <p:cNvPr id="1" name=""/>
@@ -138,6 +137,536 @@
           <a:chExt cx="0" cy="0"/>
         </a:xfrm>
       </p:grpSpPr>
+      <p:grpSp>
+        <p:nvGrpSpPr>
+          <p:cNvPr id="7" name="Group 6"/>
+          <p:cNvGrpSpPr/>
+          <p:nvPr/>
+        </p:nvGrpSpPr>
+        <p:grpSpPr>
+          <a:xfrm>
+            <a:off x="0" y="-8467"/>
+            <a:ext cx="12192000" cy="6866467"/>
+            <a:chOff x="0" y="-8467"/>
+            <a:chExt cx="12192000" cy="6866467"/>
+          </a:xfrm>
+        </p:grpSpPr>
+        <p:cxnSp>
+          <p:nvCxnSpPr>
+            <p:cNvPr id="32" name="Straight Connector 31"/>
+            <p:cNvCxnSpPr/>
+            <p:nvPr/>
+          </p:nvCxnSpPr>
+          <p:spPr>
+            <a:xfrm>
+              <a:off x="9371012" y="0"/>
+              <a:ext cx="1219200" cy="6858000"/>
+            </a:xfrm>
+            <a:prstGeom prst="line">
+              <a:avLst/>
+            </a:prstGeom>
+            <a:ln w="9525">
+              <a:solidFill>
+                <a:schemeClr val="bg1">
+                  <a:lumMod val="75000"/>
+                </a:schemeClr>
+              </a:solidFill>
+            </a:ln>
+          </p:spPr>
+          <p:style>
+            <a:lnRef idx="2">
+              <a:schemeClr val="accent1"/>
+            </a:lnRef>
+            <a:fillRef idx="0">
+              <a:schemeClr val="accent1"/>
+            </a:fillRef>
+            <a:effectRef idx="1">
+              <a:schemeClr val="accent1"/>
+            </a:effectRef>
+            <a:fontRef idx="minor">
+              <a:schemeClr val="tx1"/>
+            </a:fontRef>
+          </p:style>
+        </p:cxnSp>
+        <p:cxnSp>
+          <p:nvCxnSpPr>
+            <p:cNvPr id="21" name="Straight Connector 20"/>
+            <p:cNvCxnSpPr/>
+            <p:nvPr/>
+          </p:nvCxnSpPr>
+          <p:spPr>
+            <a:xfrm flipH="1">
+              <a:off x="7425267" y="3681413"/>
+              <a:ext cx="4763558" cy="3176587"/>
+            </a:xfrm>
+            <a:prstGeom prst="line">
+              <a:avLst/>
+            </a:prstGeom>
+            <a:ln w="9525">
+              <a:solidFill>
+                <a:schemeClr val="bg1">
+                  <a:lumMod val="85000"/>
+                </a:schemeClr>
+              </a:solidFill>
+            </a:ln>
+          </p:spPr>
+          <p:style>
+            <a:lnRef idx="2">
+              <a:schemeClr val="accent1"/>
+            </a:lnRef>
+            <a:fillRef idx="0">
+              <a:schemeClr val="accent1"/>
+            </a:fillRef>
+            <a:effectRef idx="1">
+              <a:schemeClr val="accent1"/>
+            </a:effectRef>
+            <a:fontRef idx="minor">
+              <a:schemeClr val="tx1"/>
+            </a:fontRef>
+          </p:style>
+        </p:cxnSp>
+        <p:sp>
+          <p:nvSpPr>
+            <p:cNvPr id="24" name="Rectangle 23"/>
+            <p:cNvSpPr/>
+            <p:nvPr/>
+          </p:nvSpPr>
+          <p:spPr>
+            <a:xfrm>
+              <a:off x="9181476" y="-8467"/>
+              <a:ext cx="3007349" cy="6866467"/>
+            </a:xfrm>
+            <a:custGeom>
+              <a:avLst/>
+              <a:gdLst/>
+              <a:ahLst/>
+              <a:cxnLst/>
+              <a:rect l="l" t="t" r="r" b="b"/>
+              <a:pathLst>
+                <a:path w="3007349" h="6866467">
+                  <a:moveTo>
+                    <a:pt x="2045532" y="0"/>
+                  </a:moveTo>
+                  <a:lnTo>
+                    <a:pt x="3007349" y="0"/>
+                  </a:lnTo>
+                  <a:lnTo>
+                    <a:pt x="3007349" y="6866467"/>
+                  </a:lnTo>
+                  <a:lnTo>
+                    <a:pt x="0" y="6866467"/>
+                  </a:lnTo>
+                  <a:lnTo>
+                    <a:pt x="2045532" y="0"/>
+                  </a:lnTo>
+                  <a:close/>
+                </a:path>
+              </a:pathLst>
+            </a:custGeom>
+            <a:solidFill>
+              <a:schemeClr val="accent1">
+                <a:alpha val="30000"/>
+              </a:schemeClr>
+            </a:solidFill>
+            <a:ln>
+              <a:noFill/>
+            </a:ln>
+            <a:effectLst/>
+          </p:spPr>
+          <p:style>
+            <a:lnRef idx="1">
+              <a:schemeClr val="accent1"/>
+            </a:lnRef>
+            <a:fillRef idx="3">
+              <a:schemeClr val="accent1"/>
+            </a:fillRef>
+            <a:effectRef idx="2">
+              <a:schemeClr val="accent1"/>
+            </a:effectRef>
+            <a:fontRef idx="minor">
+              <a:schemeClr val="lt1"/>
+            </a:fontRef>
+          </p:style>
+        </p:sp>
+        <p:sp>
+          <p:nvSpPr>
+            <p:cNvPr id="26" name="Rectangle 25"/>
+            <p:cNvSpPr/>
+            <p:nvPr/>
+          </p:nvSpPr>
+          <p:spPr>
+            <a:xfrm>
+              <a:off x="9603442" y="-8467"/>
+              <a:ext cx="2588558" cy="6866467"/>
+            </a:xfrm>
+            <a:custGeom>
+              <a:avLst/>
+              <a:gdLst/>
+              <a:ahLst/>
+              <a:cxnLst/>
+              <a:rect l="l" t="t" r="r" b="b"/>
+              <a:pathLst>
+                <a:path w="2573311" h="6866467">
+                  <a:moveTo>
+                    <a:pt x="0" y="0"/>
+                  </a:moveTo>
+                  <a:lnTo>
+                    <a:pt x="2573311" y="0"/>
+                  </a:lnTo>
+                  <a:lnTo>
+                    <a:pt x="2573311" y="6866467"/>
+                  </a:lnTo>
+                  <a:lnTo>
+                    <a:pt x="1202336" y="6866467"/>
+                  </a:lnTo>
+                  <a:lnTo>
+                    <a:pt x="0" y="0"/>
+                  </a:lnTo>
+                  <a:close/>
+                </a:path>
+              </a:pathLst>
+            </a:custGeom>
+            <a:solidFill>
+              <a:schemeClr val="accent1">
+                <a:alpha val="20000"/>
+              </a:schemeClr>
+            </a:solidFill>
+            <a:ln>
+              <a:noFill/>
+            </a:ln>
+            <a:effectLst/>
+          </p:spPr>
+          <p:style>
+            <a:lnRef idx="1">
+              <a:schemeClr val="accent1"/>
+            </a:lnRef>
+            <a:fillRef idx="3">
+              <a:schemeClr val="accent1"/>
+            </a:fillRef>
+            <a:effectRef idx="2">
+              <a:schemeClr val="accent1"/>
+            </a:effectRef>
+            <a:fontRef idx="minor">
+              <a:schemeClr val="lt1"/>
+            </a:fontRef>
+          </p:style>
+        </p:sp>
+        <p:sp>
+          <p:nvSpPr>
+            <p:cNvPr id="27" name="Isosceles Triangle 26"/>
+            <p:cNvSpPr/>
+            <p:nvPr/>
+          </p:nvSpPr>
+          <p:spPr>
+            <a:xfrm>
+              <a:off x="8932333" y="3048000"/>
+              <a:ext cx="3259667" cy="3810000"/>
+            </a:xfrm>
+            <a:prstGeom prst="triangle">
+              <a:avLst>
+                <a:gd name="adj" fmla="val 100000"/>
+              </a:avLst>
+            </a:prstGeom>
+            <a:solidFill>
+              <a:schemeClr val="accent2">
+                <a:alpha val="72000"/>
+              </a:schemeClr>
+            </a:solidFill>
+            <a:ln>
+              <a:noFill/>
+            </a:ln>
+            <a:effectLst/>
+          </p:spPr>
+          <p:style>
+            <a:lnRef idx="1">
+              <a:schemeClr val="accent1"/>
+            </a:lnRef>
+            <a:fillRef idx="3">
+              <a:schemeClr val="accent1"/>
+            </a:fillRef>
+            <a:effectRef idx="2">
+              <a:schemeClr val="accent1"/>
+            </a:effectRef>
+            <a:fontRef idx="minor">
+              <a:schemeClr val="lt1"/>
+            </a:fontRef>
+          </p:style>
+        </p:sp>
+        <p:sp>
+          <p:nvSpPr>
+            <p:cNvPr id="28" name="Rectangle 27"/>
+            <p:cNvSpPr/>
+            <p:nvPr/>
+          </p:nvSpPr>
+          <p:spPr>
+            <a:xfrm>
+              <a:off x="9334500" y="-8467"/>
+              <a:ext cx="2854326" cy="6866467"/>
+            </a:xfrm>
+            <a:custGeom>
+              <a:avLst/>
+              <a:gdLst/>
+              <a:ahLst/>
+              <a:cxnLst/>
+              <a:rect l="l" t="t" r="r" b="b"/>
+              <a:pathLst>
+                <a:path w="2858013" h="6866467">
+                  <a:moveTo>
+                    <a:pt x="0" y="0"/>
+                  </a:moveTo>
+                  <a:lnTo>
+                    <a:pt x="2858013" y="0"/>
+                  </a:lnTo>
+                  <a:lnTo>
+                    <a:pt x="2858013" y="6866467"/>
+                  </a:lnTo>
+                  <a:lnTo>
+                    <a:pt x="2473942" y="6866467"/>
+                  </a:lnTo>
+                  <a:lnTo>
+                    <a:pt x="0" y="0"/>
+                  </a:lnTo>
+                  <a:close/>
+                </a:path>
+              </a:pathLst>
+            </a:custGeom>
+            <a:solidFill>
+              <a:schemeClr val="accent2">
+                <a:lumMod val="75000"/>
+                <a:alpha val="70000"/>
+              </a:schemeClr>
+            </a:solidFill>
+            <a:ln>
+              <a:noFill/>
+            </a:ln>
+            <a:effectLst/>
+          </p:spPr>
+          <p:style>
+            <a:lnRef idx="1">
+              <a:schemeClr val="accent1"/>
+            </a:lnRef>
+            <a:fillRef idx="3">
+              <a:schemeClr val="accent1"/>
+            </a:fillRef>
+            <a:effectRef idx="2">
+              <a:schemeClr val="accent1"/>
+            </a:effectRef>
+            <a:fontRef idx="minor">
+              <a:schemeClr val="lt1"/>
+            </a:fontRef>
+          </p:style>
+        </p:sp>
+        <p:sp>
+          <p:nvSpPr>
+            <p:cNvPr id="29" name="Rectangle 28"/>
+            <p:cNvSpPr/>
+            <p:nvPr/>
+          </p:nvSpPr>
+          <p:spPr>
+            <a:xfrm>
+              <a:off x="10898730" y="-8467"/>
+              <a:ext cx="1290094" cy="6866467"/>
+            </a:xfrm>
+            <a:custGeom>
+              <a:avLst/>
+              <a:gdLst/>
+              <a:ahLst/>
+              <a:cxnLst/>
+              <a:rect l="l" t="t" r="r" b="b"/>
+              <a:pathLst>
+                <a:path w="1290094" h="6858000">
+                  <a:moveTo>
+                    <a:pt x="1019735" y="0"/>
+                  </a:moveTo>
+                  <a:lnTo>
+                    <a:pt x="1290094" y="0"/>
+                  </a:lnTo>
+                  <a:lnTo>
+                    <a:pt x="1290094" y="6858000"/>
+                  </a:lnTo>
+                  <a:lnTo>
+                    <a:pt x="0" y="6858000"/>
+                  </a:lnTo>
+                  <a:lnTo>
+                    <a:pt x="1019735" y="0"/>
+                  </a:lnTo>
+                  <a:close/>
+                </a:path>
+              </a:pathLst>
+            </a:custGeom>
+            <a:solidFill>
+              <a:schemeClr val="accent1">
+                <a:lumMod val="60000"/>
+                <a:lumOff val="40000"/>
+                <a:alpha val="70000"/>
+              </a:schemeClr>
+            </a:solidFill>
+            <a:ln>
+              <a:noFill/>
+            </a:ln>
+            <a:effectLst/>
+          </p:spPr>
+          <p:style>
+            <a:lnRef idx="1">
+              <a:schemeClr val="accent1"/>
+            </a:lnRef>
+            <a:fillRef idx="3">
+              <a:schemeClr val="accent1"/>
+            </a:fillRef>
+            <a:effectRef idx="2">
+              <a:schemeClr val="accent1"/>
+            </a:effectRef>
+            <a:fontRef idx="minor">
+              <a:schemeClr val="lt1"/>
+            </a:fontRef>
+          </p:style>
+        </p:sp>
+        <p:sp>
+          <p:nvSpPr>
+            <p:cNvPr id="30" name="Rectangle 29"/>
+            <p:cNvSpPr/>
+            <p:nvPr/>
+          </p:nvSpPr>
+          <p:spPr>
+            <a:xfrm>
+              <a:off x="10938999" y="-8467"/>
+              <a:ext cx="1249825" cy="6866467"/>
+            </a:xfrm>
+            <a:custGeom>
+              <a:avLst/>
+              <a:gdLst/>
+              <a:ahLst/>
+              <a:cxnLst/>
+              <a:rect l="l" t="t" r="r" b="b"/>
+              <a:pathLst>
+                <a:path w="1249825" h="6858000">
+                  <a:moveTo>
+                    <a:pt x="0" y="0"/>
+                  </a:moveTo>
+                  <a:lnTo>
+                    <a:pt x="1249825" y="0"/>
+                  </a:lnTo>
+                  <a:lnTo>
+                    <a:pt x="1249825" y="6858000"/>
+                  </a:lnTo>
+                  <a:lnTo>
+                    <a:pt x="1109382" y="6858000"/>
+                  </a:lnTo>
+                  <a:lnTo>
+                    <a:pt x="0" y="0"/>
+                  </a:lnTo>
+                  <a:close/>
+                </a:path>
+              </a:pathLst>
+            </a:custGeom>
+            <a:solidFill>
+              <a:schemeClr val="accent1">
+                <a:alpha val="65000"/>
+              </a:schemeClr>
+            </a:solidFill>
+            <a:ln>
+              <a:noFill/>
+            </a:ln>
+            <a:effectLst/>
+          </p:spPr>
+          <p:style>
+            <a:lnRef idx="1">
+              <a:schemeClr val="accent1"/>
+            </a:lnRef>
+            <a:fillRef idx="3">
+              <a:schemeClr val="accent1"/>
+            </a:fillRef>
+            <a:effectRef idx="2">
+              <a:schemeClr val="accent1"/>
+            </a:effectRef>
+            <a:fontRef idx="minor">
+              <a:schemeClr val="lt1"/>
+            </a:fontRef>
+          </p:style>
+        </p:sp>
+        <p:sp>
+          <p:nvSpPr>
+            <p:cNvPr id="31" name="Isosceles Triangle 30"/>
+            <p:cNvSpPr/>
+            <p:nvPr/>
+          </p:nvSpPr>
+          <p:spPr>
+            <a:xfrm>
+              <a:off x="10371666" y="3589867"/>
+              <a:ext cx="1817159" cy="3268133"/>
+            </a:xfrm>
+            <a:prstGeom prst="triangle">
+              <a:avLst>
+                <a:gd name="adj" fmla="val 100000"/>
+              </a:avLst>
+            </a:prstGeom>
+            <a:solidFill>
+              <a:schemeClr val="accent1">
+                <a:alpha val="80000"/>
+              </a:schemeClr>
+            </a:solidFill>
+            <a:ln>
+              <a:noFill/>
+            </a:ln>
+            <a:effectLst/>
+          </p:spPr>
+          <p:style>
+            <a:lnRef idx="1">
+              <a:schemeClr val="accent1"/>
+            </a:lnRef>
+            <a:fillRef idx="3">
+              <a:schemeClr val="accent1"/>
+            </a:fillRef>
+            <a:effectRef idx="2">
+              <a:schemeClr val="accent1"/>
+            </a:effectRef>
+            <a:fontRef idx="minor">
+              <a:schemeClr val="lt1"/>
+            </a:fontRef>
+          </p:style>
+        </p:sp>
+        <p:sp>
+          <p:nvSpPr>
+            <p:cNvPr id="19" name="Isosceles Triangle 18"/>
+            <p:cNvSpPr/>
+            <p:nvPr/>
+          </p:nvSpPr>
+          <p:spPr>
+            <a:xfrm rot="10800000">
+              <a:off x="0" y="0"/>
+              <a:ext cx="842596" cy="5666154"/>
+            </a:xfrm>
+            <a:prstGeom prst="triangle">
+              <a:avLst>
+                <a:gd name="adj" fmla="val 100000"/>
+              </a:avLst>
+            </a:prstGeom>
+            <a:solidFill>
+              <a:schemeClr val="accent1">
+                <a:alpha val="85000"/>
+              </a:schemeClr>
+            </a:solidFill>
+            <a:ln>
+              <a:noFill/>
+            </a:ln>
+            <a:effectLst/>
+          </p:spPr>
+          <p:style>
+            <a:lnRef idx="1">
+              <a:schemeClr val="accent1"/>
+            </a:lnRef>
+            <a:fillRef idx="3">
+              <a:schemeClr val="accent1"/>
+            </a:fillRef>
+            <a:effectRef idx="2">
+              <a:schemeClr val="accent1"/>
+            </a:effectRef>
+            <a:fontRef idx="minor">
+              <a:schemeClr val="lt1"/>
+            </a:fontRef>
+          </p:style>
+        </p:sp>
+      </p:grpSp>
       <p:sp>
         <p:nvSpPr>
           <p:cNvPr id="2" name="Title 1"/>
@@ -148,29 +677,21 @@
             <p:ph type="ctrTitle"/>
           </p:nvPr>
         </p:nvSpPr>
-        <p:spPr bwMode="blackWhite">
+        <p:spPr>
           <a:xfrm>
-            <a:off x="1600200" y="2386744"/>
-            <a:ext cx="8991600" cy="1645920"/>
+            <a:off x="1507067" y="2404534"/>
+            <a:ext cx="7766936" cy="1646302"/>
           </a:xfrm>
-          <a:solidFill>
-            <a:srgbClr val="FFFFFF"/>
-          </a:solidFill>
-          <a:ln w="38100">
-            <a:solidFill>
-              <a:srgbClr val="404040"/>
-            </a:solidFill>
-          </a:ln>
         </p:spPr>
         <p:txBody>
-          <a:bodyPr lIns="274320" rIns="274320" anchor="ctr" anchorCtr="1">
-            <a:normAutofit/>
+          <a:bodyPr anchor="b">
+            <a:noAutofit/>
           </a:bodyPr>
           <a:lstStyle>
-            <a:lvl1pPr algn="ctr">
-              <a:defRPr sz="3800">
+            <a:lvl1pPr algn="r">
+              <a:defRPr sz="5400">
                 <a:solidFill>
-                  <a:srgbClr val="262626"/>
+                  <a:schemeClr val="accent1"/>
                 </a:solidFill>
               </a:defRPr>
             </a:lvl1pPr>
@@ -196,19 +717,268 @@
         </p:nvSpPr>
         <p:spPr>
           <a:xfrm>
-            <a:off x="2695194" y="4352544"/>
-            <a:ext cx="6801612" cy="1239894"/>
+            <a:off x="1507067" y="4050833"/>
+            <a:ext cx="7766936" cy="1096899"/>
           </a:xfrm>
-          <a:noFill/>
         </p:spPr>
         <p:txBody>
-          <a:bodyPr>
+          <a:bodyPr anchor="t"/>
+          <a:lstStyle>
+            <a:lvl1pPr marL="0" indent="0" algn="r">
+              <a:buNone/>
+              <a:defRPr>
+                <a:solidFill>
+                  <a:schemeClr val="tx1">
+                    <a:lumMod val="50000"/>
+                    <a:lumOff val="50000"/>
+                  </a:schemeClr>
+                </a:solidFill>
+              </a:defRPr>
+            </a:lvl1pPr>
+            <a:lvl2pPr marL="457200" indent="0" algn="ctr">
+              <a:buNone/>
+              <a:defRPr>
+                <a:solidFill>
+                  <a:schemeClr val="tx1">
+                    <a:tint val="75000"/>
+                  </a:schemeClr>
+                </a:solidFill>
+              </a:defRPr>
+            </a:lvl2pPr>
+            <a:lvl3pPr marL="914400" indent="0" algn="ctr">
+              <a:buNone/>
+              <a:defRPr>
+                <a:solidFill>
+                  <a:schemeClr val="tx1">
+                    <a:tint val="75000"/>
+                  </a:schemeClr>
+                </a:solidFill>
+              </a:defRPr>
+            </a:lvl3pPr>
+            <a:lvl4pPr marL="1371600" indent="0" algn="ctr">
+              <a:buNone/>
+              <a:defRPr>
+                <a:solidFill>
+                  <a:schemeClr val="tx1">
+                    <a:tint val="75000"/>
+                  </a:schemeClr>
+                </a:solidFill>
+              </a:defRPr>
+            </a:lvl4pPr>
+            <a:lvl5pPr marL="1828800" indent="0" algn="ctr">
+              <a:buNone/>
+              <a:defRPr>
+                <a:solidFill>
+                  <a:schemeClr val="tx1">
+                    <a:tint val="75000"/>
+                  </a:schemeClr>
+                </a:solidFill>
+              </a:defRPr>
+            </a:lvl5pPr>
+            <a:lvl6pPr marL="2286000" indent="0" algn="ctr">
+              <a:buNone/>
+              <a:defRPr>
+                <a:solidFill>
+                  <a:schemeClr val="tx1">
+                    <a:tint val="75000"/>
+                  </a:schemeClr>
+                </a:solidFill>
+              </a:defRPr>
+            </a:lvl6pPr>
+            <a:lvl7pPr marL="2743200" indent="0" algn="ctr">
+              <a:buNone/>
+              <a:defRPr>
+                <a:solidFill>
+                  <a:schemeClr val="tx1">
+                    <a:tint val="75000"/>
+                  </a:schemeClr>
+                </a:solidFill>
+              </a:defRPr>
+            </a:lvl7pPr>
+            <a:lvl8pPr marL="3200400" indent="0" algn="ctr">
+              <a:buNone/>
+              <a:defRPr>
+                <a:solidFill>
+                  <a:schemeClr val="tx1">
+                    <a:tint val="75000"/>
+                  </a:schemeClr>
+                </a:solidFill>
+              </a:defRPr>
+            </a:lvl8pPr>
+            <a:lvl9pPr marL="3657600" indent="0" algn="ctr">
+              <a:buNone/>
+              <a:defRPr>
+                <a:solidFill>
+                  <a:schemeClr val="tx1">
+                    <a:tint val="75000"/>
+                  </a:schemeClr>
+                </a:solidFill>
+              </a:defRPr>
+            </a:lvl9pPr>
+          </a:lstStyle>
+          <a:p>
+            <a:r>
+              <a:rPr lang="en-US"/>
+              <a:t>Click to edit Master subtitle style</a:t>
+            </a:r>
+            <a:endParaRPr lang="en-US" dirty="0"/>
+          </a:p>
+        </p:txBody>
+      </p:sp>
+      <p:sp>
+        <p:nvSpPr>
+          <p:cNvPr id="4" name="Date Placeholder 3"/>
+          <p:cNvSpPr>
+            <a:spLocks noGrp="1"/>
+          </p:cNvSpPr>
+          <p:nvPr>
+            <p:ph type="dt" sz="half" idx="10"/>
+          </p:nvPr>
+        </p:nvSpPr>
+        <p:spPr/>
+        <p:txBody>
+          <a:bodyPr/>
+          <a:lstStyle/>
+          <a:p>
+            <a:fld id="{1160EA64-D806-43AC-9DF2-F8C432F32B4C}" type="datetimeFigureOut">
+              <a:rPr lang="en-US" smtClean="0"/>
+              <a:t>2/12/2020</a:t>
+            </a:fld>
+            <a:endParaRPr lang="en-US" dirty="0"/>
+          </a:p>
+        </p:txBody>
+      </p:sp>
+      <p:sp>
+        <p:nvSpPr>
+          <p:cNvPr id="5" name="Footer Placeholder 4"/>
+          <p:cNvSpPr>
+            <a:spLocks noGrp="1"/>
+          </p:cNvSpPr>
+          <p:nvPr>
+            <p:ph type="ftr" sz="quarter" idx="11"/>
+          </p:nvPr>
+        </p:nvSpPr>
+        <p:spPr/>
+        <p:txBody>
+          <a:bodyPr/>
+          <a:lstStyle/>
+          <a:p>
+            <a:endParaRPr lang="en-US" dirty="0"/>
+          </a:p>
+        </p:txBody>
+      </p:sp>
+      <p:sp>
+        <p:nvSpPr>
+          <p:cNvPr id="6" name="Slide Number Placeholder 5"/>
+          <p:cNvSpPr>
+            <a:spLocks noGrp="1"/>
+          </p:cNvSpPr>
+          <p:nvPr>
+            <p:ph type="sldNum" sz="quarter" idx="12"/>
+          </p:nvPr>
+        </p:nvSpPr>
+        <p:spPr/>
+        <p:txBody>
+          <a:bodyPr/>
+          <a:lstStyle/>
+          <a:p>
+            <a:fld id="{8A7A6979-0714-4377-B894-6BE4C2D6E202}" type="slidenum">
+              <a:rPr lang="en-US" smtClean="0"/>
+              <a:pPr/>
+              <a:t>‹#›</a:t>
+            </a:fld>
+            <a:endParaRPr lang="en-US" dirty="0"/>
+          </a:p>
+        </p:txBody>
+      </p:sp>
+    </p:spTree>
+    <p:extLst>
+      <p:ext uri="{BB962C8B-B14F-4D97-AF65-F5344CB8AC3E}">
+        <p14:creationId xmlns:p14="http://schemas.microsoft.com/office/powerpoint/2010/main" val="3567810878"/>
+      </p:ext>
+    </p:extLst>
+  </p:cSld>
+  <p:clrMapOvr>
+    <a:masterClrMapping/>
+  </p:clrMapOvr>
+</p:sldLayout>
+</file>
+
+<file path=ppt/slideLayouts/slideLayout10.xml><?xml version="1.0" encoding="utf-8"?>
+<p:sldLayout xmlns:a="http://schemas.openxmlformats.org/drawingml/2006/main" xmlns:r="http://schemas.openxmlformats.org/officeDocument/2006/relationships" xmlns:p="http://schemas.openxmlformats.org/presentationml/2006/main" preserve="1">
+  <p:cSld name="Title and Caption">
+    <p:spTree>
+      <p:nvGrpSpPr>
+        <p:cNvPr id="1" name=""/>
+        <p:cNvGrpSpPr/>
+        <p:nvPr/>
+      </p:nvGrpSpPr>
+      <p:grpSpPr>
+        <a:xfrm>
+          <a:off x="0" y="0"/>
+          <a:ext cx="0" cy="0"/>
+          <a:chOff x="0" y="0"/>
+          <a:chExt cx="0" cy="0"/>
+        </a:xfrm>
+      </p:grpSpPr>
+      <p:sp>
+        <p:nvSpPr>
+          <p:cNvPr id="2" name="Title 1"/>
+          <p:cNvSpPr>
+            <a:spLocks noGrp="1"/>
+          </p:cNvSpPr>
+          <p:nvPr>
+            <p:ph type="title"/>
+          </p:nvPr>
+        </p:nvSpPr>
+        <p:spPr>
+          <a:xfrm>
+            <a:off x="677335" y="609600"/>
+            <a:ext cx="8596668" cy="3403600"/>
+          </a:xfrm>
+        </p:spPr>
+        <p:txBody>
+          <a:bodyPr anchor="ctr">
             <a:normAutofit/>
           </a:bodyPr>
           <a:lstStyle>
-            <a:lvl1pPr marL="0" indent="0" algn="ctr">
-              <a:buNone/>
-              <a:defRPr sz="2000">
+            <a:lvl1pPr algn="l">
+              <a:defRPr sz="4400" b="0" cap="none"/>
+            </a:lvl1pPr>
+          </a:lstStyle>
+          <a:p>
+            <a:r>
+              <a:rPr lang="en-US"/>
+              <a:t>Click to edit Master title style</a:t>
+            </a:r>
+            <a:endParaRPr lang="en-US" dirty="0"/>
+          </a:p>
+        </p:txBody>
+      </p:sp>
+      <p:sp>
+        <p:nvSpPr>
+          <p:cNvPr id="3" name="Text Placeholder 2"/>
+          <p:cNvSpPr>
+            <a:spLocks noGrp="1"/>
+          </p:cNvSpPr>
+          <p:nvPr>
+            <p:ph type="body" idx="1"/>
+          </p:nvPr>
+        </p:nvSpPr>
+        <p:spPr>
+          <a:xfrm>
+            <a:off x="677335" y="4470400"/>
+            <a:ext cx="8596668" cy="1570962"/>
+          </a:xfrm>
+        </p:spPr>
+        <p:txBody>
+          <a:bodyPr anchor="ctr">
+            <a:normAutofit/>
+          </a:bodyPr>
+          <a:lstStyle>
+            <a:lvl1pPr marL="0" indent="0" algn="l">
+              <a:buNone/>
+              <a:defRPr sz="1800">
                 <a:solidFill>
                   <a:schemeClr val="tx1">
                     <a:lumMod val="75000"/>
@@ -217,51 +987,99 @@
                 </a:solidFill>
               </a:defRPr>
             </a:lvl1pPr>
-            <a:lvl2pPr marL="457200" indent="0" algn="ctr">
-              <a:buNone/>
-              <a:defRPr sz="2000"/>
+            <a:lvl2pPr marL="457200" indent="0">
+              <a:buNone/>
+              <a:defRPr sz="1800">
+                <a:solidFill>
+                  <a:schemeClr val="tx1">
+                    <a:tint val="75000"/>
+                  </a:schemeClr>
+                </a:solidFill>
+              </a:defRPr>
             </a:lvl2pPr>
-            <a:lvl3pPr marL="914400" indent="0" algn="ctr">
-              <a:buNone/>
-              <a:defRPr sz="1800"/>
+            <a:lvl3pPr marL="914400" indent="0">
+              <a:buNone/>
+              <a:defRPr sz="1600">
+                <a:solidFill>
+                  <a:schemeClr val="tx1">
+                    <a:tint val="75000"/>
+                  </a:schemeClr>
+                </a:solidFill>
+              </a:defRPr>
             </a:lvl3pPr>
-            <a:lvl4pPr marL="1371600" indent="0" algn="ctr">
-              <a:buNone/>
-              <a:defRPr sz="1600"/>
+            <a:lvl4pPr marL="1371600" indent="0">
+              <a:buNone/>
+              <a:defRPr sz="1400">
+                <a:solidFill>
+                  <a:schemeClr val="tx1">
+                    <a:tint val="75000"/>
+                  </a:schemeClr>
+                </a:solidFill>
+              </a:defRPr>
             </a:lvl4pPr>
-            <a:lvl5pPr marL="1828800" indent="0" algn="ctr">
-              <a:buNone/>
-              <a:defRPr sz="1600"/>
+            <a:lvl5pPr marL="1828800" indent="0">
+              <a:buNone/>
+              <a:defRPr sz="1400">
+                <a:solidFill>
+                  <a:schemeClr val="tx1">
+                    <a:tint val="75000"/>
+                  </a:schemeClr>
+                </a:solidFill>
+              </a:defRPr>
             </a:lvl5pPr>
-            <a:lvl6pPr marL="2286000" indent="0" algn="ctr">
-              <a:buNone/>
-              <a:defRPr sz="1600"/>
+            <a:lvl6pPr marL="2286000" indent="0">
+              <a:buNone/>
+              <a:defRPr sz="1400">
+                <a:solidFill>
+                  <a:schemeClr val="tx1">
+                    <a:tint val="75000"/>
+                  </a:schemeClr>
+                </a:solidFill>
+              </a:defRPr>
             </a:lvl6pPr>
-            <a:lvl7pPr marL="2743200" indent="0" algn="ctr">
-              <a:buNone/>
-              <a:defRPr sz="1600"/>
+            <a:lvl7pPr marL="2743200" indent="0">
+              <a:buNone/>
+              <a:defRPr sz="1400">
+                <a:solidFill>
+                  <a:schemeClr val="tx1">
+                    <a:tint val="75000"/>
+                  </a:schemeClr>
+                </a:solidFill>
+              </a:defRPr>
             </a:lvl7pPr>
-            <a:lvl8pPr marL="3200400" indent="0" algn="ctr">
-              <a:buNone/>
-              <a:defRPr sz="1600"/>
+            <a:lvl8pPr marL="3200400" indent="0">
+              <a:buNone/>
+              <a:defRPr sz="1400">
+                <a:solidFill>
+                  <a:schemeClr val="tx1">
+                    <a:tint val="75000"/>
+                  </a:schemeClr>
+                </a:solidFill>
+              </a:defRPr>
             </a:lvl8pPr>
-            <a:lvl9pPr marL="3657600" indent="0" algn="ctr">
-              <a:buNone/>
-              <a:defRPr sz="1600"/>
+            <a:lvl9pPr marL="3657600" indent="0">
+              <a:buNone/>
+              <a:defRPr sz="1400">
+                <a:solidFill>
+                  <a:schemeClr val="tx1">
+                    <a:tint val="75000"/>
+                  </a:schemeClr>
+                </a:solidFill>
+              </a:defRPr>
             </a:lvl9pPr>
           </a:lstStyle>
           <a:p>
+            <a:pPr lvl="0"/>
             <a:r>
               <a:rPr lang="en-US"/>
-              <a:t>Click to edit Master subtitle style</a:t>
-            </a:r>
-            <a:endParaRPr lang="en-US" dirty="0"/>
-          </a:p>
-        </p:txBody>
-      </p:sp>
-      <p:sp>
-        <p:nvSpPr>
-          <p:cNvPr id="7" name="Date Placeholder 6"/>
+              <a:t>Click to edit Master text styles</a:t>
+            </a:r>
+          </a:p>
+        </p:txBody>
+      </p:sp>
+      <p:sp>
+        <p:nvSpPr>
+          <p:cNvPr id="4" name="Date Placeholder 3"/>
           <p:cNvSpPr>
             <a:spLocks noGrp="1"/>
           </p:cNvSpPr>
@@ -275,8 +1093,8 @@
           <a:lstStyle/>
           <a:p>
             <a:fld id="{1160EA64-D806-43AC-9DF2-F8C432F32B4C}" type="datetimeFigureOut">
-              <a:rPr lang="en-US" dirty="0"/>
-              <a:t>2/7/2020</a:t>
+              <a:rPr lang="en-US" smtClean="0"/>
+              <a:t>2/12/2020</a:t>
             </a:fld>
             <a:endParaRPr lang="en-US" dirty="0"/>
           </a:p>
@@ -284,7 +1102,7 @@
       </p:sp>
       <p:sp>
         <p:nvSpPr>
-          <p:cNvPr id="8" name="Footer Placeholder 7"/>
+          <p:cNvPr id="5" name="Footer Placeholder 4"/>
           <p:cNvSpPr>
             <a:spLocks noGrp="1"/>
           </p:cNvSpPr>
@@ -303,7 +1121,7 @@
       </p:sp>
       <p:sp>
         <p:nvSpPr>
-          <p:cNvPr id="9" name="Slide Number Placeholder 8"/>
+          <p:cNvPr id="6" name="Slide Number Placeholder 5"/>
           <p:cNvSpPr>
             <a:spLocks noGrp="1"/>
           </p:cNvSpPr>
@@ -317,7 +1135,7 @@
           <a:lstStyle/>
           <a:p>
             <a:fld id="{8A7A6979-0714-4377-B894-6BE4C2D6E202}" type="slidenum">
-              <a:rPr lang="en-US" dirty="0"/>
+              <a:rPr lang="en-US" smtClean="0"/>
               <a:pPr/>
               <a:t>‹#›</a:t>
             </a:fld>
@@ -326,14 +1144,1390 @@
         </p:txBody>
       </p:sp>
     </p:spTree>
+    <p:extLst>
+      <p:ext uri="{BB962C8B-B14F-4D97-AF65-F5344CB8AC3E}">
+        <p14:creationId xmlns:p14="http://schemas.microsoft.com/office/powerpoint/2010/main" val="2284569955"/>
+      </p:ext>
+    </p:extLst>
   </p:cSld>
   <p:clrMapOvr>
-    <a:overrideClrMapping bg1="dk1" tx1="lt1" bg2="dk2" tx2="lt2" accent1="accent1" accent2="accent2" accent3="accent3" accent4="accent4" accent5="accent5" accent6="accent6" hlink="hlink" folHlink="folHlink"/>
+    <a:masterClrMapping/>
   </p:clrMapOvr>
+  <p:hf sldNum="0" hdr="0" ftr="0" dt="0"/>
 </p:sldLayout>
 </file>
 
-<file path=ppt/slideLayouts/slideLayout10.xml><?xml version="1.0" encoding="utf-8"?>
+<file path=ppt/slideLayouts/slideLayout11.xml><?xml version="1.0" encoding="utf-8"?>
+<p:sldLayout xmlns:a="http://schemas.openxmlformats.org/drawingml/2006/main" xmlns:r="http://schemas.openxmlformats.org/officeDocument/2006/relationships" xmlns:p="http://schemas.openxmlformats.org/presentationml/2006/main" preserve="1">
+  <p:cSld name="Quote with Caption">
+    <p:spTree>
+      <p:nvGrpSpPr>
+        <p:cNvPr id="1" name=""/>
+        <p:cNvGrpSpPr/>
+        <p:nvPr/>
+      </p:nvGrpSpPr>
+      <p:grpSpPr>
+        <a:xfrm>
+          <a:off x="0" y="0"/>
+          <a:ext cx="0" cy="0"/>
+          <a:chOff x="0" y="0"/>
+          <a:chExt cx="0" cy="0"/>
+        </a:xfrm>
+      </p:grpSpPr>
+      <p:sp>
+        <p:nvSpPr>
+          <p:cNvPr id="2" name="Title 1"/>
+          <p:cNvSpPr>
+            <a:spLocks noGrp="1"/>
+          </p:cNvSpPr>
+          <p:nvPr>
+            <p:ph type="title"/>
+          </p:nvPr>
+        </p:nvSpPr>
+        <p:spPr>
+          <a:xfrm>
+            <a:off x="931334" y="609600"/>
+            <a:ext cx="8094134" cy="3022600"/>
+          </a:xfrm>
+        </p:spPr>
+        <p:txBody>
+          <a:bodyPr anchor="ctr">
+            <a:normAutofit/>
+          </a:bodyPr>
+          <a:lstStyle>
+            <a:lvl1pPr algn="l">
+              <a:defRPr sz="4400" b="0" cap="none"/>
+            </a:lvl1pPr>
+          </a:lstStyle>
+          <a:p>
+            <a:r>
+              <a:rPr lang="en-US"/>
+              <a:t>Click to edit Master title style</a:t>
+            </a:r>
+            <a:endParaRPr lang="en-US" dirty="0"/>
+          </a:p>
+        </p:txBody>
+      </p:sp>
+      <p:sp>
+        <p:nvSpPr>
+          <p:cNvPr id="23" name="Text Placeholder 9"/>
+          <p:cNvSpPr>
+            <a:spLocks noGrp="1"/>
+          </p:cNvSpPr>
+          <p:nvPr>
+            <p:ph type="body" sz="quarter" idx="13"/>
+          </p:nvPr>
+        </p:nvSpPr>
+        <p:spPr>
+          <a:xfrm>
+            <a:off x="1366139" y="3632200"/>
+            <a:ext cx="7224524" cy="381000"/>
+          </a:xfrm>
+        </p:spPr>
+        <p:txBody>
+          <a:bodyPr anchor="ctr">
+            <a:noAutofit/>
+          </a:bodyPr>
+          <a:lstStyle>
+            <a:lvl1pPr marL="0" indent="0">
+              <a:buFontTx/>
+              <a:buNone/>
+              <a:defRPr sz="1600">
+                <a:solidFill>
+                  <a:schemeClr val="tx1">
+                    <a:lumMod val="50000"/>
+                    <a:lumOff val="50000"/>
+                  </a:schemeClr>
+                </a:solidFill>
+              </a:defRPr>
+            </a:lvl1pPr>
+            <a:lvl2pPr marL="457200" indent="0">
+              <a:buFontTx/>
+              <a:buNone/>
+              <a:defRPr/>
+            </a:lvl2pPr>
+            <a:lvl3pPr marL="914400" indent="0">
+              <a:buFontTx/>
+              <a:buNone/>
+              <a:defRPr/>
+            </a:lvl3pPr>
+            <a:lvl4pPr marL="1371600" indent="0">
+              <a:buFontTx/>
+              <a:buNone/>
+              <a:defRPr/>
+            </a:lvl4pPr>
+            <a:lvl5pPr marL="1828800" indent="0">
+              <a:buFontTx/>
+              <a:buNone/>
+              <a:defRPr/>
+            </a:lvl5pPr>
+          </a:lstStyle>
+          <a:p>
+            <a:pPr lvl="0"/>
+            <a:r>
+              <a:rPr lang="en-US"/>
+              <a:t>Click to edit Master text styles</a:t>
+            </a:r>
+          </a:p>
+        </p:txBody>
+      </p:sp>
+      <p:sp>
+        <p:nvSpPr>
+          <p:cNvPr id="3" name="Text Placeholder 2"/>
+          <p:cNvSpPr>
+            <a:spLocks noGrp="1"/>
+          </p:cNvSpPr>
+          <p:nvPr>
+            <p:ph type="body" idx="1"/>
+          </p:nvPr>
+        </p:nvSpPr>
+        <p:spPr>
+          <a:xfrm>
+            <a:off x="677335" y="4470400"/>
+            <a:ext cx="8596668" cy="1570962"/>
+          </a:xfrm>
+        </p:spPr>
+        <p:txBody>
+          <a:bodyPr anchor="ctr">
+            <a:normAutofit/>
+          </a:bodyPr>
+          <a:lstStyle>
+            <a:lvl1pPr marL="0" indent="0" algn="l">
+              <a:buNone/>
+              <a:defRPr sz="1800">
+                <a:solidFill>
+                  <a:schemeClr val="tx1">
+                    <a:lumMod val="75000"/>
+                    <a:lumOff val="25000"/>
+                  </a:schemeClr>
+                </a:solidFill>
+              </a:defRPr>
+            </a:lvl1pPr>
+            <a:lvl2pPr marL="457200" indent="0">
+              <a:buNone/>
+              <a:defRPr sz="1800">
+                <a:solidFill>
+                  <a:schemeClr val="tx1">
+                    <a:tint val="75000"/>
+                  </a:schemeClr>
+                </a:solidFill>
+              </a:defRPr>
+            </a:lvl2pPr>
+            <a:lvl3pPr marL="914400" indent="0">
+              <a:buNone/>
+              <a:defRPr sz="1600">
+                <a:solidFill>
+                  <a:schemeClr val="tx1">
+                    <a:tint val="75000"/>
+                  </a:schemeClr>
+                </a:solidFill>
+              </a:defRPr>
+            </a:lvl3pPr>
+            <a:lvl4pPr marL="1371600" indent="0">
+              <a:buNone/>
+              <a:defRPr sz="1400">
+                <a:solidFill>
+                  <a:schemeClr val="tx1">
+                    <a:tint val="75000"/>
+                  </a:schemeClr>
+                </a:solidFill>
+              </a:defRPr>
+            </a:lvl4pPr>
+            <a:lvl5pPr marL="1828800" indent="0">
+              <a:buNone/>
+              <a:defRPr sz="1400">
+                <a:solidFill>
+                  <a:schemeClr val="tx1">
+                    <a:tint val="75000"/>
+                  </a:schemeClr>
+                </a:solidFill>
+              </a:defRPr>
+            </a:lvl5pPr>
+            <a:lvl6pPr marL="2286000" indent="0">
+              <a:buNone/>
+              <a:defRPr sz="1400">
+                <a:solidFill>
+                  <a:schemeClr val="tx1">
+                    <a:tint val="75000"/>
+                  </a:schemeClr>
+                </a:solidFill>
+              </a:defRPr>
+            </a:lvl6pPr>
+            <a:lvl7pPr marL="2743200" indent="0">
+              <a:buNone/>
+              <a:defRPr sz="1400">
+                <a:solidFill>
+                  <a:schemeClr val="tx1">
+                    <a:tint val="75000"/>
+                  </a:schemeClr>
+                </a:solidFill>
+              </a:defRPr>
+            </a:lvl7pPr>
+            <a:lvl8pPr marL="3200400" indent="0">
+              <a:buNone/>
+              <a:defRPr sz="1400">
+                <a:solidFill>
+                  <a:schemeClr val="tx1">
+                    <a:tint val="75000"/>
+                  </a:schemeClr>
+                </a:solidFill>
+              </a:defRPr>
+            </a:lvl8pPr>
+            <a:lvl9pPr marL="3657600" indent="0">
+              <a:buNone/>
+              <a:defRPr sz="1400">
+                <a:solidFill>
+                  <a:schemeClr val="tx1">
+                    <a:tint val="75000"/>
+                  </a:schemeClr>
+                </a:solidFill>
+              </a:defRPr>
+            </a:lvl9pPr>
+          </a:lstStyle>
+          <a:p>
+            <a:pPr lvl="0"/>
+            <a:r>
+              <a:rPr lang="en-US"/>
+              <a:t>Click to edit Master text styles</a:t>
+            </a:r>
+          </a:p>
+        </p:txBody>
+      </p:sp>
+      <p:sp>
+        <p:nvSpPr>
+          <p:cNvPr id="4" name="Date Placeholder 3"/>
+          <p:cNvSpPr>
+            <a:spLocks noGrp="1"/>
+          </p:cNvSpPr>
+          <p:nvPr>
+            <p:ph type="dt" sz="half" idx="10"/>
+          </p:nvPr>
+        </p:nvSpPr>
+        <p:spPr/>
+        <p:txBody>
+          <a:bodyPr/>
+          <a:lstStyle/>
+          <a:p>
+            <a:fld id="{1160EA64-D806-43AC-9DF2-F8C432F32B4C}" type="datetimeFigureOut">
+              <a:rPr lang="en-US" smtClean="0"/>
+              <a:t>2/12/2020</a:t>
+            </a:fld>
+            <a:endParaRPr lang="en-US" dirty="0"/>
+          </a:p>
+        </p:txBody>
+      </p:sp>
+      <p:sp>
+        <p:nvSpPr>
+          <p:cNvPr id="5" name="Footer Placeholder 4"/>
+          <p:cNvSpPr>
+            <a:spLocks noGrp="1"/>
+          </p:cNvSpPr>
+          <p:nvPr>
+            <p:ph type="ftr" sz="quarter" idx="11"/>
+          </p:nvPr>
+        </p:nvSpPr>
+        <p:spPr/>
+        <p:txBody>
+          <a:bodyPr/>
+          <a:lstStyle/>
+          <a:p>
+            <a:endParaRPr lang="en-US" dirty="0"/>
+          </a:p>
+        </p:txBody>
+      </p:sp>
+      <p:sp>
+        <p:nvSpPr>
+          <p:cNvPr id="6" name="Slide Number Placeholder 5"/>
+          <p:cNvSpPr>
+            <a:spLocks noGrp="1"/>
+          </p:cNvSpPr>
+          <p:nvPr>
+            <p:ph type="sldNum" sz="quarter" idx="12"/>
+          </p:nvPr>
+        </p:nvSpPr>
+        <p:spPr/>
+        <p:txBody>
+          <a:bodyPr/>
+          <a:lstStyle/>
+          <a:p>
+            <a:fld id="{8A7A6979-0714-4377-B894-6BE4C2D6E202}" type="slidenum">
+              <a:rPr lang="en-US" smtClean="0"/>
+              <a:pPr/>
+              <a:t>‹#›</a:t>
+            </a:fld>
+            <a:endParaRPr lang="en-US" dirty="0"/>
+          </a:p>
+        </p:txBody>
+      </p:sp>
+      <p:sp>
+        <p:nvSpPr>
+          <p:cNvPr id="20" name="TextBox 19"/>
+          <p:cNvSpPr txBox="1"/>
+          <p:nvPr/>
+        </p:nvSpPr>
+        <p:spPr>
+          <a:xfrm>
+            <a:off x="541870" y="790378"/>
+            <a:ext cx="609600" cy="584776"/>
+          </a:xfrm>
+          <a:prstGeom prst="rect">
+            <a:avLst/>
+          </a:prstGeom>
+        </p:spPr>
+        <p:txBody>
+          <a:bodyPr vert="horz" lIns="91440" tIns="45720" rIns="91440" bIns="45720" rtlCol="0" anchor="ctr">
+            <a:noAutofit/>
+          </a:bodyPr>
+          <a:lstStyle/>
+          <a:p>
+            <a:pPr lvl="0"/>
+            <a:r>
+              <a:rPr lang="en-US" sz="8000" baseline="0" dirty="0">
+                <a:ln w="3175" cmpd="sng">
+                  <a:noFill/>
+                </a:ln>
+                <a:solidFill>
+                  <a:schemeClr val="accent1">
+                    <a:lumMod val="60000"/>
+                    <a:lumOff val="40000"/>
+                  </a:schemeClr>
+                </a:solidFill>
+                <a:effectLst/>
+                <a:latin typeface="Arial"/>
+              </a:rPr>
+              <a:t>“</a:t>
+            </a:r>
+          </a:p>
+        </p:txBody>
+      </p:sp>
+      <p:sp>
+        <p:nvSpPr>
+          <p:cNvPr id="22" name="TextBox 21"/>
+          <p:cNvSpPr txBox="1"/>
+          <p:nvPr/>
+        </p:nvSpPr>
+        <p:spPr>
+          <a:xfrm>
+            <a:off x="8893011" y="2886556"/>
+            <a:ext cx="609600" cy="584776"/>
+          </a:xfrm>
+          <a:prstGeom prst="rect">
+            <a:avLst/>
+          </a:prstGeom>
+        </p:spPr>
+        <p:txBody>
+          <a:bodyPr vert="horz" lIns="91440" tIns="45720" rIns="91440" bIns="45720" rtlCol="0" anchor="ctr">
+            <a:noAutofit/>
+          </a:bodyPr>
+          <a:lstStyle/>
+          <a:p>
+            <a:pPr lvl="0"/>
+            <a:r>
+              <a:rPr lang="en-US" sz="8000" baseline="0" dirty="0">
+                <a:ln w="3175" cmpd="sng">
+                  <a:noFill/>
+                </a:ln>
+                <a:solidFill>
+                  <a:schemeClr val="accent1">
+                    <a:lumMod val="60000"/>
+                    <a:lumOff val="40000"/>
+                  </a:schemeClr>
+                </a:solidFill>
+                <a:latin typeface="Arial"/>
+              </a:rPr>
+              <a:t>”</a:t>
+            </a:r>
+            <a:endParaRPr lang="en-US" dirty="0">
+              <a:solidFill>
+                <a:schemeClr val="accent1">
+                  <a:lumMod val="60000"/>
+                  <a:lumOff val="40000"/>
+                </a:schemeClr>
+              </a:solidFill>
+              <a:latin typeface="Arial"/>
+            </a:endParaRPr>
+          </a:p>
+        </p:txBody>
+      </p:sp>
+    </p:spTree>
+    <p:extLst>
+      <p:ext uri="{BB962C8B-B14F-4D97-AF65-F5344CB8AC3E}">
+        <p14:creationId xmlns:p14="http://schemas.microsoft.com/office/powerpoint/2010/main" val="1070623317"/>
+      </p:ext>
+    </p:extLst>
+  </p:cSld>
+  <p:clrMapOvr>
+    <a:masterClrMapping/>
+  </p:clrMapOvr>
+  <p:hf sldNum="0" hdr="0" ftr="0" dt="0"/>
+</p:sldLayout>
+</file>
+
+<file path=ppt/slideLayouts/slideLayout12.xml><?xml version="1.0" encoding="utf-8"?>
+<p:sldLayout xmlns:a="http://schemas.openxmlformats.org/drawingml/2006/main" xmlns:r="http://schemas.openxmlformats.org/officeDocument/2006/relationships" xmlns:p="http://schemas.openxmlformats.org/presentationml/2006/main" preserve="1">
+  <p:cSld name="Name Card">
+    <p:spTree>
+      <p:nvGrpSpPr>
+        <p:cNvPr id="1" name=""/>
+        <p:cNvGrpSpPr/>
+        <p:nvPr/>
+      </p:nvGrpSpPr>
+      <p:grpSpPr>
+        <a:xfrm>
+          <a:off x="0" y="0"/>
+          <a:ext cx="0" cy="0"/>
+          <a:chOff x="0" y="0"/>
+          <a:chExt cx="0" cy="0"/>
+        </a:xfrm>
+      </p:grpSpPr>
+      <p:sp>
+        <p:nvSpPr>
+          <p:cNvPr id="2" name="Title 1"/>
+          <p:cNvSpPr>
+            <a:spLocks noGrp="1"/>
+          </p:cNvSpPr>
+          <p:nvPr>
+            <p:ph type="title"/>
+          </p:nvPr>
+        </p:nvSpPr>
+        <p:spPr>
+          <a:xfrm>
+            <a:off x="677335" y="1931988"/>
+            <a:ext cx="8596668" cy="2595460"/>
+          </a:xfrm>
+        </p:spPr>
+        <p:txBody>
+          <a:bodyPr anchor="b">
+            <a:normAutofit/>
+          </a:bodyPr>
+          <a:lstStyle>
+            <a:lvl1pPr algn="l">
+              <a:defRPr sz="4400" b="0" cap="none"/>
+            </a:lvl1pPr>
+          </a:lstStyle>
+          <a:p>
+            <a:r>
+              <a:rPr lang="en-US"/>
+              <a:t>Click to edit Master title style</a:t>
+            </a:r>
+            <a:endParaRPr lang="en-US" dirty="0"/>
+          </a:p>
+        </p:txBody>
+      </p:sp>
+      <p:sp>
+        <p:nvSpPr>
+          <p:cNvPr id="3" name="Text Placeholder 2"/>
+          <p:cNvSpPr>
+            <a:spLocks noGrp="1"/>
+          </p:cNvSpPr>
+          <p:nvPr>
+            <p:ph type="body" idx="1"/>
+          </p:nvPr>
+        </p:nvSpPr>
+        <p:spPr>
+          <a:xfrm>
+            <a:off x="677335" y="4527448"/>
+            <a:ext cx="8596668" cy="1513914"/>
+          </a:xfrm>
+        </p:spPr>
+        <p:txBody>
+          <a:bodyPr anchor="t">
+            <a:normAutofit/>
+          </a:bodyPr>
+          <a:lstStyle>
+            <a:lvl1pPr marL="0" indent="0" algn="l">
+              <a:buNone/>
+              <a:defRPr sz="1800">
+                <a:solidFill>
+                  <a:schemeClr val="tx1">
+                    <a:lumMod val="75000"/>
+                    <a:lumOff val="25000"/>
+                  </a:schemeClr>
+                </a:solidFill>
+              </a:defRPr>
+            </a:lvl1pPr>
+            <a:lvl2pPr marL="457200" indent="0">
+              <a:buNone/>
+              <a:defRPr sz="1800">
+                <a:solidFill>
+                  <a:schemeClr val="tx1">
+                    <a:tint val="75000"/>
+                  </a:schemeClr>
+                </a:solidFill>
+              </a:defRPr>
+            </a:lvl2pPr>
+            <a:lvl3pPr marL="914400" indent="0">
+              <a:buNone/>
+              <a:defRPr sz="1600">
+                <a:solidFill>
+                  <a:schemeClr val="tx1">
+                    <a:tint val="75000"/>
+                  </a:schemeClr>
+                </a:solidFill>
+              </a:defRPr>
+            </a:lvl3pPr>
+            <a:lvl4pPr marL="1371600" indent="0">
+              <a:buNone/>
+              <a:defRPr sz="1400">
+                <a:solidFill>
+                  <a:schemeClr val="tx1">
+                    <a:tint val="75000"/>
+                  </a:schemeClr>
+                </a:solidFill>
+              </a:defRPr>
+            </a:lvl4pPr>
+            <a:lvl5pPr marL="1828800" indent="0">
+              <a:buNone/>
+              <a:defRPr sz="1400">
+                <a:solidFill>
+                  <a:schemeClr val="tx1">
+                    <a:tint val="75000"/>
+                  </a:schemeClr>
+                </a:solidFill>
+              </a:defRPr>
+            </a:lvl5pPr>
+            <a:lvl6pPr marL="2286000" indent="0">
+              <a:buNone/>
+              <a:defRPr sz="1400">
+                <a:solidFill>
+                  <a:schemeClr val="tx1">
+                    <a:tint val="75000"/>
+                  </a:schemeClr>
+                </a:solidFill>
+              </a:defRPr>
+            </a:lvl6pPr>
+            <a:lvl7pPr marL="2743200" indent="0">
+              <a:buNone/>
+              <a:defRPr sz="1400">
+                <a:solidFill>
+                  <a:schemeClr val="tx1">
+                    <a:tint val="75000"/>
+                  </a:schemeClr>
+                </a:solidFill>
+              </a:defRPr>
+            </a:lvl7pPr>
+            <a:lvl8pPr marL="3200400" indent="0">
+              <a:buNone/>
+              <a:defRPr sz="1400">
+                <a:solidFill>
+                  <a:schemeClr val="tx1">
+                    <a:tint val="75000"/>
+                  </a:schemeClr>
+                </a:solidFill>
+              </a:defRPr>
+            </a:lvl8pPr>
+            <a:lvl9pPr marL="3657600" indent="0">
+              <a:buNone/>
+              <a:defRPr sz="1400">
+                <a:solidFill>
+                  <a:schemeClr val="tx1">
+                    <a:tint val="75000"/>
+                  </a:schemeClr>
+                </a:solidFill>
+              </a:defRPr>
+            </a:lvl9pPr>
+          </a:lstStyle>
+          <a:p>
+            <a:pPr lvl="0"/>
+            <a:r>
+              <a:rPr lang="en-US"/>
+              <a:t>Click to edit Master text styles</a:t>
+            </a:r>
+          </a:p>
+        </p:txBody>
+      </p:sp>
+      <p:sp>
+        <p:nvSpPr>
+          <p:cNvPr id="4" name="Date Placeholder 3"/>
+          <p:cNvSpPr>
+            <a:spLocks noGrp="1"/>
+          </p:cNvSpPr>
+          <p:nvPr>
+            <p:ph type="dt" sz="half" idx="10"/>
+          </p:nvPr>
+        </p:nvSpPr>
+        <p:spPr/>
+        <p:txBody>
+          <a:bodyPr/>
+          <a:lstStyle/>
+          <a:p>
+            <a:fld id="{1160EA64-D806-43AC-9DF2-F8C432F32B4C}" type="datetimeFigureOut">
+              <a:rPr lang="en-US" smtClean="0"/>
+              <a:t>2/12/2020</a:t>
+            </a:fld>
+            <a:endParaRPr lang="en-US" dirty="0"/>
+          </a:p>
+        </p:txBody>
+      </p:sp>
+      <p:sp>
+        <p:nvSpPr>
+          <p:cNvPr id="5" name="Footer Placeholder 4"/>
+          <p:cNvSpPr>
+            <a:spLocks noGrp="1"/>
+          </p:cNvSpPr>
+          <p:nvPr>
+            <p:ph type="ftr" sz="quarter" idx="11"/>
+          </p:nvPr>
+        </p:nvSpPr>
+        <p:spPr/>
+        <p:txBody>
+          <a:bodyPr/>
+          <a:lstStyle/>
+          <a:p>
+            <a:endParaRPr lang="en-US" dirty="0"/>
+          </a:p>
+        </p:txBody>
+      </p:sp>
+      <p:sp>
+        <p:nvSpPr>
+          <p:cNvPr id="6" name="Slide Number Placeholder 5"/>
+          <p:cNvSpPr>
+            <a:spLocks noGrp="1"/>
+          </p:cNvSpPr>
+          <p:nvPr>
+            <p:ph type="sldNum" sz="quarter" idx="12"/>
+          </p:nvPr>
+        </p:nvSpPr>
+        <p:spPr/>
+        <p:txBody>
+          <a:bodyPr/>
+          <a:lstStyle/>
+          <a:p>
+            <a:fld id="{8A7A6979-0714-4377-B894-6BE4C2D6E202}" type="slidenum">
+              <a:rPr lang="en-US" smtClean="0"/>
+              <a:pPr/>
+              <a:t>‹#›</a:t>
+            </a:fld>
+            <a:endParaRPr lang="en-US" dirty="0"/>
+          </a:p>
+        </p:txBody>
+      </p:sp>
+    </p:spTree>
+    <p:extLst>
+      <p:ext uri="{BB962C8B-B14F-4D97-AF65-F5344CB8AC3E}">
+        <p14:creationId xmlns:p14="http://schemas.microsoft.com/office/powerpoint/2010/main" val="1032850733"/>
+      </p:ext>
+    </p:extLst>
+  </p:cSld>
+  <p:clrMapOvr>
+    <a:masterClrMapping/>
+  </p:clrMapOvr>
+  <p:hf sldNum="0" hdr="0" ftr="0" dt="0"/>
+</p:sldLayout>
+</file>
+
+<file path=ppt/slideLayouts/slideLayout13.xml><?xml version="1.0" encoding="utf-8"?>
+<p:sldLayout xmlns:a="http://schemas.openxmlformats.org/drawingml/2006/main" xmlns:r="http://schemas.openxmlformats.org/officeDocument/2006/relationships" xmlns:p="http://schemas.openxmlformats.org/presentationml/2006/main" preserve="1">
+  <p:cSld name="Quote Name Card">
+    <p:spTree>
+      <p:nvGrpSpPr>
+        <p:cNvPr id="1" name=""/>
+        <p:cNvGrpSpPr/>
+        <p:nvPr/>
+      </p:nvGrpSpPr>
+      <p:grpSpPr>
+        <a:xfrm>
+          <a:off x="0" y="0"/>
+          <a:ext cx="0" cy="0"/>
+          <a:chOff x="0" y="0"/>
+          <a:chExt cx="0" cy="0"/>
+        </a:xfrm>
+      </p:grpSpPr>
+      <p:sp>
+        <p:nvSpPr>
+          <p:cNvPr id="2" name="Title 1"/>
+          <p:cNvSpPr>
+            <a:spLocks noGrp="1"/>
+          </p:cNvSpPr>
+          <p:nvPr>
+            <p:ph type="title"/>
+          </p:nvPr>
+        </p:nvSpPr>
+        <p:spPr>
+          <a:xfrm>
+            <a:off x="931334" y="609600"/>
+            <a:ext cx="8094134" cy="3022600"/>
+          </a:xfrm>
+        </p:spPr>
+        <p:txBody>
+          <a:bodyPr anchor="ctr">
+            <a:normAutofit/>
+          </a:bodyPr>
+          <a:lstStyle>
+            <a:lvl1pPr algn="l">
+              <a:defRPr sz="4400" b="0" cap="none"/>
+            </a:lvl1pPr>
+          </a:lstStyle>
+          <a:p>
+            <a:r>
+              <a:rPr lang="en-US"/>
+              <a:t>Click to edit Master title style</a:t>
+            </a:r>
+            <a:endParaRPr lang="en-US" dirty="0"/>
+          </a:p>
+        </p:txBody>
+      </p:sp>
+      <p:sp>
+        <p:nvSpPr>
+          <p:cNvPr id="23" name="Text Placeholder 9"/>
+          <p:cNvSpPr>
+            <a:spLocks noGrp="1"/>
+          </p:cNvSpPr>
+          <p:nvPr>
+            <p:ph type="body" sz="quarter" idx="13"/>
+          </p:nvPr>
+        </p:nvSpPr>
+        <p:spPr>
+          <a:xfrm>
+            <a:off x="677332" y="4013200"/>
+            <a:ext cx="8596669" cy="514248"/>
+          </a:xfrm>
+        </p:spPr>
+        <p:txBody>
+          <a:bodyPr anchor="b">
+            <a:noAutofit/>
+          </a:bodyPr>
+          <a:lstStyle>
+            <a:lvl1pPr marL="0" indent="0">
+              <a:buFontTx/>
+              <a:buNone/>
+              <a:defRPr sz="2400">
+                <a:solidFill>
+                  <a:schemeClr val="tx1">
+                    <a:lumMod val="75000"/>
+                    <a:lumOff val="25000"/>
+                  </a:schemeClr>
+                </a:solidFill>
+              </a:defRPr>
+            </a:lvl1pPr>
+            <a:lvl2pPr marL="457200" indent="0">
+              <a:buFontTx/>
+              <a:buNone/>
+              <a:defRPr/>
+            </a:lvl2pPr>
+            <a:lvl3pPr marL="914400" indent="0">
+              <a:buFontTx/>
+              <a:buNone/>
+              <a:defRPr/>
+            </a:lvl3pPr>
+            <a:lvl4pPr marL="1371600" indent="0">
+              <a:buFontTx/>
+              <a:buNone/>
+              <a:defRPr/>
+            </a:lvl4pPr>
+            <a:lvl5pPr marL="1828800" indent="0">
+              <a:buFontTx/>
+              <a:buNone/>
+              <a:defRPr/>
+            </a:lvl5pPr>
+          </a:lstStyle>
+          <a:p>
+            <a:pPr lvl="0"/>
+            <a:r>
+              <a:rPr lang="en-US"/>
+              <a:t>Click to edit Master text styles</a:t>
+            </a:r>
+          </a:p>
+        </p:txBody>
+      </p:sp>
+      <p:sp>
+        <p:nvSpPr>
+          <p:cNvPr id="3" name="Text Placeholder 2"/>
+          <p:cNvSpPr>
+            <a:spLocks noGrp="1"/>
+          </p:cNvSpPr>
+          <p:nvPr>
+            <p:ph type="body" idx="1"/>
+          </p:nvPr>
+        </p:nvSpPr>
+        <p:spPr>
+          <a:xfrm>
+            <a:off x="677335" y="4527448"/>
+            <a:ext cx="8596668" cy="1513914"/>
+          </a:xfrm>
+        </p:spPr>
+        <p:txBody>
+          <a:bodyPr anchor="t">
+            <a:normAutofit/>
+          </a:bodyPr>
+          <a:lstStyle>
+            <a:lvl1pPr marL="0" indent="0" algn="l">
+              <a:buNone/>
+              <a:defRPr sz="1800">
+                <a:solidFill>
+                  <a:schemeClr val="tx1">
+                    <a:lumMod val="50000"/>
+                    <a:lumOff val="50000"/>
+                  </a:schemeClr>
+                </a:solidFill>
+              </a:defRPr>
+            </a:lvl1pPr>
+            <a:lvl2pPr marL="457200" indent="0">
+              <a:buNone/>
+              <a:defRPr sz="1800">
+                <a:solidFill>
+                  <a:schemeClr val="tx1">
+                    <a:tint val="75000"/>
+                  </a:schemeClr>
+                </a:solidFill>
+              </a:defRPr>
+            </a:lvl2pPr>
+            <a:lvl3pPr marL="914400" indent="0">
+              <a:buNone/>
+              <a:defRPr sz="1600">
+                <a:solidFill>
+                  <a:schemeClr val="tx1">
+                    <a:tint val="75000"/>
+                  </a:schemeClr>
+                </a:solidFill>
+              </a:defRPr>
+            </a:lvl3pPr>
+            <a:lvl4pPr marL="1371600" indent="0">
+              <a:buNone/>
+              <a:defRPr sz="1400">
+                <a:solidFill>
+                  <a:schemeClr val="tx1">
+                    <a:tint val="75000"/>
+                  </a:schemeClr>
+                </a:solidFill>
+              </a:defRPr>
+            </a:lvl4pPr>
+            <a:lvl5pPr marL="1828800" indent="0">
+              <a:buNone/>
+              <a:defRPr sz="1400">
+                <a:solidFill>
+                  <a:schemeClr val="tx1">
+                    <a:tint val="75000"/>
+                  </a:schemeClr>
+                </a:solidFill>
+              </a:defRPr>
+            </a:lvl5pPr>
+            <a:lvl6pPr marL="2286000" indent="0">
+              <a:buNone/>
+              <a:defRPr sz="1400">
+                <a:solidFill>
+                  <a:schemeClr val="tx1">
+                    <a:tint val="75000"/>
+                  </a:schemeClr>
+                </a:solidFill>
+              </a:defRPr>
+            </a:lvl6pPr>
+            <a:lvl7pPr marL="2743200" indent="0">
+              <a:buNone/>
+              <a:defRPr sz="1400">
+                <a:solidFill>
+                  <a:schemeClr val="tx1">
+                    <a:tint val="75000"/>
+                  </a:schemeClr>
+                </a:solidFill>
+              </a:defRPr>
+            </a:lvl7pPr>
+            <a:lvl8pPr marL="3200400" indent="0">
+              <a:buNone/>
+              <a:defRPr sz="1400">
+                <a:solidFill>
+                  <a:schemeClr val="tx1">
+                    <a:tint val="75000"/>
+                  </a:schemeClr>
+                </a:solidFill>
+              </a:defRPr>
+            </a:lvl8pPr>
+            <a:lvl9pPr marL="3657600" indent="0">
+              <a:buNone/>
+              <a:defRPr sz="1400">
+                <a:solidFill>
+                  <a:schemeClr val="tx1">
+                    <a:tint val="75000"/>
+                  </a:schemeClr>
+                </a:solidFill>
+              </a:defRPr>
+            </a:lvl9pPr>
+          </a:lstStyle>
+          <a:p>
+            <a:pPr lvl="0"/>
+            <a:r>
+              <a:rPr lang="en-US"/>
+              <a:t>Click to edit Master text styles</a:t>
+            </a:r>
+          </a:p>
+        </p:txBody>
+      </p:sp>
+      <p:sp>
+        <p:nvSpPr>
+          <p:cNvPr id="4" name="Date Placeholder 3"/>
+          <p:cNvSpPr>
+            <a:spLocks noGrp="1"/>
+          </p:cNvSpPr>
+          <p:nvPr>
+            <p:ph type="dt" sz="half" idx="10"/>
+          </p:nvPr>
+        </p:nvSpPr>
+        <p:spPr/>
+        <p:txBody>
+          <a:bodyPr/>
+          <a:lstStyle/>
+          <a:p>
+            <a:fld id="{1160EA64-D806-43AC-9DF2-F8C432F32B4C}" type="datetimeFigureOut">
+              <a:rPr lang="en-US" smtClean="0"/>
+              <a:t>2/12/2020</a:t>
+            </a:fld>
+            <a:endParaRPr lang="en-US" dirty="0"/>
+          </a:p>
+        </p:txBody>
+      </p:sp>
+      <p:sp>
+        <p:nvSpPr>
+          <p:cNvPr id="5" name="Footer Placeholder 4"/>
+          <p:cNvSpPr>
+            <a:spLocks noGrp="1"/>
+          </p:cNvSpPr>
+          <p:nvPr>
+            <p:ph type="ftr" sz="quarter" idx="11"/>
+          </p:nvPr>
+        </p:nvSpPr>
+        <p:spPr/>
+        <p:txBody>
+          <a:bodyPr/>
+          <a:lstStyle/>
+          <a:p>
+            <a:endParaRPr lang="en-US" dirty="0"/>
+          </a:p>
+        </p:txBody>
+      </p:sp>
+      <p:sp>
+        <p:nvSpPr>
+          <p:cNvPr id="6" name="Slide Number Placeholder 5"/>
+          <p:cNvSpPr>
+            <a:spLocks noGrp="1"/>
+          </p:cNvSpPr>
+          <p:nvPr>
+            <p:ph type="sldNum" sz="quarter" idx="12"/>
+          </p:nvPr>
+        </p:nvSpPr>
+        <p:spPr/>
+        <p:txBody>
+          <a:bodyPr/>
+          <a:lstStyle/>
+          <a:p>
+            <a:fld id="{8A7A6979-0714-4377-B894-6BE4C2D6E202}" type="slidenum">
+              <a:rPr lang="en-US" smtClean="0"/>
+              <a:pPr/>
+              <a:t>‹#›</a:t>
+            </a:fld>
+            <a:endParaRPr lang="en-US" dirty="0"/>
+          </a:p>
+        </p:txBody>
+      </p:sp>
+      <p:sp>
+        <p:nvSpPr>
+          <p:cNvPr id="24" name="TextBox 23"/>
+          <p:cNvSpPr txBox="1"/>
+          <p:nvPr/>
+        </p:nvSpPr>
+        <p:spPr>
+          <a:xfrm>
+            <a:off x="541870" y="790378"/>
+            <a:ext cx="609600" cy="584776"/>
+          </a:xfrm>
+          <a:prstGeom prst="rect">
+            <a:avLst/>
+          </a:prstGeom>
+        </p:spPr>
+        <p:txBody>
+          <a:bodyPr vert="horz" lIns="91440" tIns="45720" rIns="91440" bIns="45720" rtlCol="0" anchor="ctr">
+            <a:noAutofit/>
+          </a:bodyPr>
+          <a:lstStyle/>
+          <a:p>
+            <a:pPr lvl="0"/>
+            <a:r>
+              <a:rPr lang="en-US" sz="8000" baseline="0" dirty="0">
+                <a:ln w="3175" cmpd="sng">
+                  <a:noFill/>
+                </a:ln>
+                <a:solidFill>
+                  <a:schemeClr val="accent1">
+                    <a:lumMod val="60000"/>
+                    <a:lumOff val="40000"/>
+                  </a:schemeClr>
+                </a:solidFill>
+                <a:effectLst/>
+                <a:latin typeface="Arial"/>
+              </a:rPr>
+              <a:t>“</a:t>
+            </a:r>
+          </a:p>
+        </p:txBody>
+      </p:sp>
+      <p:sp>
+        <p:nvSpPr>
+          <p:cNvPr id="25" name="TextBox 24"/>
+          <p:cNvSpPr txBox="1"/>
+          <p:nvPr/>
+        </p:nvSpPr>
+        <p:spPr>
+          <a:xfrm>
+            <a:off x="8893011" y="2886556"/>
+            <a:ext cx="609600" cy="584776"/>
+          </a:xfrm>
+          <a:prstGeom prst="rect">
+            <a:avLst/>
+          </a:prstGeom>
+        </p:spPr>
+        <p:txBody>
+          <a:bodyPr vert="horz" lIns="91440" tIns="45720" rIns="91440" bIns="45720" rtlCol="0" anchor="ctr">
+            <a:noAutofit/>
+          </a:bodyPr>
+          <a:lstStyle/>
+          <a:p>
+            <a:pPr lvl="0"/>
+            <a:r>
+              <a:rPr lang="en-US" sz="8000" baseline="0" dirty="0">
+                <a:ln w="3175" cmpd="sng">
+                  <a:noFill/>
+                </a:ln>
+                <a:solidFill>
+                  <a:schemeClr val="accent1">
+                    <a:lumMod val="60000"/>
+                    <a:lumOff val="40000"/>
+                  </a:schemeClr>
+                </a:solidFill>
+                <a:effectLst/>
+                <a:latin typeface="Arial"/>
+              </a:rPr>
+              <a:t>”</a:t>
+            </a:r>
+          </a:p>
+        </p:txBody>
+      </p:sp>
+    </p:spTree>
+    <p:extLst>
+      <p:ext uri="{BB962C8B-B14F-4D97-AF65-F5344CB8AC3E}">
+        <p14:creationId xmlns:p14="http://schemas.microsoft.com/office/powerpoint/2010/main" val="2469978344"/>
+      </p:ext>
+    </p:extLst>
+  </p:cSld>
+  <p:clrMapOvr>
+    <a:masterClrMapping/>
+  </p:clrMapOvr>
+  <p:hf sldNum="0" hdr="0" ftr="0" dt="0"/>
+</p:sldLayout>
+</file>
+
+<file path=ppt/slideLayouts/slideLayout14.xml><?xml version="1.0" encoding="utf-8"?>
+<p:sldLayout xmlns:a="http://schemas.openxmlformats.org/drawingml/2006/main" xmlns:r="http://schemas.openxmlformats.org/officeDocument/2006/relationships" xmlns:p="http://schemas.openxmlformats.org/presentationml/2006/main" preserve="1">
+  <p:cSld name="True or False">
+    <p:spTree>
+      <p:nvGrpSpPr>
+        <p:cNvPr id="1" name=""/>
+        <p:cNvGrpSpPr/>
+        <p:nvPr/>
+      </p:nvGrpSpPr>
+      <p:grpSpPr>
+        <a:xfrm>
+          <a:off x="0" y="0"/>
+          <a:ext cx="0" cy="0"/>
+          <a:chOff x="0" y="0"/>
+          <a:chExt cx="0" cy="0"/>
+        </a:xfrm>
+      </p:grpSpPr>
+      <p:sp>
+        <p:nvSpPr>
+          <p:cNvPr id="2" name="Title 1"/>
+          <p:cNvSpPr>
+            <a:spLocks noGrp="1"/>
+          </p:cNvSpPr>
+          <p:nvPr>
+            <p:ph type="title"/>
+          </p:nvPr>
+        </p:nvSpPr>
+        <p:spPr>
+          <a:xfrm>
+            <a:off x="685799" y="609600"/>
+            <a:ext cx="8588203" cy="3022600"/>
+          </a:xfrm>
+        </p:spPr>
+        <p:txBody>
+          <a:bodyPr anchor="ctr">
+            <a:normAutofit/>
+          </a:bodyPr>
+          <a:lstStyle>
+            <a:lvl1pPr algn="l">
+              <a:defRPr sz="4400" b="0" cap="none"/>
+            </a:lvl1pPr>
+          </a:lstStyle>
+          <a:p>
+            <a:r>
+              <a:rPr lang="en-US"/>
+              <a:t>Click to edit Master title style</a:t>
+            </a:r>
+            <a:endParaRPr lang="en-US" dirty="0"/>
+          </a:p>
+        </p:txBody>
+      </p:sp>
+      <p:sp>
+        <p:nvSpPr>
+          <p:cNvPr id="23" name="Text Placeholder 9"/>
+          <p:cNvSpPr>
+            <a:spLocks noGrp="1"/>
+          </p:cNvSpPr>
+          <p:nvPr>
+            <p:ph type="body" sz="quarter" idx="13"/>
+          </p:nvPr>
+        </p:nvSpPr>
+        <p:spPr>
+          <a:xfrm>
+            <a:off x="677332" y="4013200"/>
+            <a:ext cx="8596669" cy="514248"/>
+          </a:xfrm>
+        </p:spPr>
+        <p:txBody>
+          <a:bodyPr anchor="b">
+            <a:noAutofit/>
+          </a:bodyPr>
+          <a:lstStyle>
+            <a:lvl1pPr marL="0" indent="0">
+              <a:buFontTx/>
+              <a:buNone/>
+              <a:defRPr sz="2400">
+                <a:solidFill>
+                  <a:schemeClr val="accent1"/>
+                </a:solidFill>
+              </a:defRPr>
+            </a:lvl1pPr>
+            <a:lvl2pPr marL="457200" indent="0">
+              <a:buFontTx/>
+              <a:buNone/>
+              <a:defRPr/>
+            </a:lvl2pPr>
+            <a:lvl3pPr marL="914400" indent="0">
+              <a:buFontTx/>
+              <a:buNone/>
+              <a:defRPr/>
+            </a:lvl3pPr>
+            <a:lvl4pPr marL="1371600" indent="0">
+              <a:buFontTx/>
+              <a:buNone/>
+              <a:defRPr/>
+            </a:lvl4pPr>
+            <a:lvl5pPr marL="1828800" indent="0">
+              <a:buFontTx/>
+              <a:buNone/>
+              <a:defRPr/>
+            </a:lvl5pPr>
+          </a:lstStyle>
+          <a:p>
+            <a:pPr lvl="0"/>
+            <a:r>
+              <a:rPr lang="en-US"/>
+              <a:t>Click to edit Master text styles</a:t>
+            </a:r>
+          </a:p>
+        </p:txBody>
+      </p:sp>
+      <p:sp>
+        <p:nvSpPr>
+          <p:cNvPr id="3" name="Text Placeholder 2"/>
+          <p:cNvSpPr>
+            <a:spLocks noGrp="1"/>
+          </p:cNvSpPr>
+          <p:nvPr>
+            <p:ph type="body" idx="1"/>
+          </p:nvPr>
+        </p:nvSpPr>
+        <p:spPr>
+          <a:xfrm>
+            <a:off x="677335" y="4527448"/>
+            <a:ext cx="8596668" cy="1513914"/>
+          </a:xfrm>
+        </p:spPr>
+        <p:txBody>
+          <a:bodyPr anchor="t">
+            <a:normAutofit/>
+          </a:bodyPr>
+          <a:lstStyle>
+            <a:lvl1pPr marL="0" indent="0" algn="l">
+              <a:buNone/>
+              <a:defRPr sz="1800">
+                <a:solidFill>
+                  <a:schemeClr val="tx1">
+                    <a:lumMod val="50000"/>
+                    <a:lumOff val="50000"/>
+                  </a:schemeClr>
+                </a:solidFill>
+              </a:defRPr>
+            </a:lvl1pPr>
+            <a:lvl2pPr marL="457200" indent="0">
+              <a:buNone/>
+              <a:defRPr sz="1800">
+                <a:solidFill>
+                  <a:schemeClr val="tx1">
+                    <a:tint val="75000"/>
+                  </a:schemeClr>
+                </a:solidFill>
+              </a:defRPr>
+            </a:lvl2pPr>
+            <a:lvl3pPr marL="914400" indent="0">
+              <a:buNone/>
+              <a:defRPr sz="1600">
+                <a:solidFill>
+                  <a:schemeClr val="tx1">
+                    <a:tint val="75000"/>
+                  </a:schemeClr>
+                </a:solidFill>
+              </a:defRPr>
+            </a:lvl3pPr>
+            <a:lvl4pPr marL="1371600" indent="0">
+              <a:buNone/>
+              <a:defRPr sz="1400">
+                <a:solidFill>
+                  <a:schemeClr val="tx1">
+                    <a:tint val="75000"/>
+                  </a:schemeClr>
+                </a:solidFill>
+              </a:defRPr>
+            </a:lvl4pPr>
+            <a:lvl5pPr marL="1828800" indent="0">
+              <a:buNone/>
+              <a:defRPr sz="1400">
+                <a:solidFill>
+                  <a:schemeClr val="tx1">
+                    <a:tint val="75000"/>
+                  </a:schemeClr>
+                </a:solidFill>
+              </a:defRPr>
+            </a:lvl5pPr>
+            <a:lvl6pPr marL="2286000" indent="0">
+              <a:buNone/>
+              <a:defRPr sz="1400">
+                <a:solidFill>
+                  <a:schemeClr val="tx1">
+                    <a:tint val="75000"/>
+                  </a:schemeClr>
+                </a:solidFill>
+              </a:defRPr>
+            </a:lvl6pPr>
+            <a:lvl7pPr marL="2743200" indent="0">
+              <a:buNone/>
+              <a:defRPr sz="1400">
+                <a:solidFill>
+                  <a:schemeClr val="tx1">
+                    <a:tint val="75000"/>
+                  </a:schemeClr>
+                </a:solidFill>
+              </a:defRPr>
+            </a:lvl7pPr>
+            <a:lvl8pPr marL="3200400" indent="0">
+              <a:buNone/>
+              <a:defRPr sz="1400">
+                <a:solidFill>
+                  <a:schemeClr val="tx1">
+                    <a:tint val="75000"/>
+                  </a:schemeClr>
+                </a:solidFill>
+              </a:defRPr>
+            </a:lvl8pPr>
+            <a:lvl9pPr marL="3657600" indent="0">
+              <a:buNone/>
+              <a:defRPr sz="1400">
+                <a:solidFill>
+                  <a:schemeClr val="tx1">
+                    <a:tint val="75000"/>
+                  </a:schemeClr>
+                </a:solidFill>
+              </a:defRPr>
+            </a:lvl9pPr>
+          </a:lstStyle>
+          <a:p>
+            <a:pPr lvl="0"/>
+            <a:r>
+              <a:rPr lang="en-US"/>
+              <a:t>Click to edit Master text styles</a:t>
+            </a:r>
+          </a:p>
+        </p:txBody>
+      </p:sp>
+      <p:sp>
+        <p:nvSpPr>
+          <p:cNvPr id="4" name="Date Placeholder 3"/>
+          <p:cNvSpPr>
+            <a:spLocks noGrp="1"/>
+          </p:cNvSpPr>
+          <p:nvPr>
+            <p:ph type="dt" sz="half" idx="10"/>
+          </p:nvPr>
+        </p:nvSpPr>
+        <p:spPr/>
+        <p:txBody>
+          <a:bodyPr/>
+          <a:lstStyle/>
+          <a:p>
+            <a:fld id="{1160EA64-D806-43AC-9DF2-F8C432F32B4C}" type="datetimeFigureOut">
+              <a:rPr lang="en-US" smtClean="0"/>
+              <a:t>2/12/2020</a:t>
+            </a:fld>
+            <a:endParaRPr lang="en-US" dirty="0"/>
+          </a:p>
+        </p:txBody>
+      </p:sp>
+      <p:sp>
+        <p:nvSpPr>
+          <p:cNvPr id="5" name="Footer Placeholder 4"/>
+          <p:cNvSpPr>
+            <a:spLocks noGrp="1"/>
+          </p:cNvSpPr>
+          <p:nvPr>
+            <p:ph type="ftr" sz="quarter" idx="11"/>
+          </p:nvPr>
+        </p:nvSpPr>
+        <p:spPr/>
+        <p:txBody>
+          <a:bodyPr/>
+          <a:lstStyle/>
+          <a:p>
+            <a:endParaRPr lang="en-US" dirty="0"/>
+          </a:p>
+        </p:txBody>
+      </p:sp>
+      <p:sp>
+        <p:nvSpPr>
+          <p:cNvPr id="6" name="Slide Number Placeholder 5"/>
+          <p:cNvSpPr>
+            <a:spLocks noGrp="1"/>
+          </p:cNvSpPr>
+          <p:nvPr>
+            <p:ph type="sldNum" sz="quarter" idx="12"/>
+          </p:nvPr>
+        </p:nvSpPr>
+        <p:spPr/>
+        <p:txBody>
+          <a:bodyPr/>
+          <a:lstStyle/>
+          <a:p>
+            <a:fld id="{8A7A6979-0714-4377-B894-6BE4C2D6E202}" type="slidenum">
+              <a:rPr lang="en-US" smtClean="0"/>
+              <a:pPr/>
+              <a:t>‹#›</a:t>
+            </a:fld>
+            <a:endParaRPr lang="en-US" dirty="0"/>
+          </a:p>
+        </p:txBody>
+      </p:sp>
+    </p:spTree>
+    <p:extLst>
+      <p:ext uri="{BB962C8B-B14F-4D97-AF65-F5344CB8AC3E}">
+        <p14:creationId xmlns:p14="http://schemas.microsoft.com/office/powerpoint/2010/main" val="2133611591"/>
+      </p:ext>
+    </p:extLst>
+  </p:cSld>
+  <p:clrMapOvr>
+    <a:masterClrMapping/>
+  </p:clrMapOvr>
+  <p:hf sldNum="0" hdr="0" ftr="0" dt="0"/>
+</p:sldLayout>
+</file>
+
+<file path=ppt/slideLayouts/slideLayout15.xml><?xml version="1.0" encoding="utf-8"?>
 <p:sldLayout xmlns:a="http://schemas.openxmlformats.org/drawingml/2006/main" xmlns:r="http://schemas.openxmlformats.org/officeDocument/2006/relationships" xmlns:p="http://schemas.openxmlformats.org/presentationml/2006/main" type="vertTx" preserve="1">
   <p:cSld name="Title and Vertical Text">
     <p:spTree>
@@ -441,8 +2635,8 @@
           <a:lstStyle/>
           <a:p>
             <a:fld id="{E9F9C37B-1D36-470B-8223-D6C91242EC14}" type="datetimeFigureOut">
-              <a:rPr lang="en-US" dirty="0"/>
-              <a:t>2/7/2020</a:t>
+              <a:rPr lang="en-US" smtClean="0"/>
+              <a:t>2/12/2020</a:t>
             </a:fld>
             <a:endParaRPr lang="en-US" dirty="0"/>
           </a:p>
@@ -483,7 +2677,7 @@
           <a:lstStyle/>
           <a:p>
             <a:fld id="{8A7A6979-0714-4377-B894-6BE4C2D6E202}" type="slidenum">
-              <a:rPr lang="en-US" dirty="0"/>
+              <a:rPr lang="en-US" smtClean="0"/>
               <a:t>‹#›</a:t>
             </a:fld>
             <a:endParaRPr lang="en-US" dirty="0"/>
@@ -491,6 +2685,11 @@
         </p:txBody>
       </p:sp>
     </p:spTree>
+    <p:extLst>
+      <p:ext uri="{BB962C8B-B14F-4D97-AF65-F5344CB8AC3E}">
+        <p14:creationId xmlns:p14="http://schemas.microsoft.com/office/powerpoint/2010/main" val="4262011895"/>
+      </p:ext>
+    </p:extLst>
   </p:cSld>
   <p:clrMapOvr>
     <a:masterClrMapping/>
@@ -498,7 +2697,7 @@
 </p:sldLayout>
 </file>
 
-<file path=ppt/slideLayouts/slideLayout11.xml><?xml version="1.0" encoding="utf-8"?>
+<file path=ppt/slideLayouts/slideLayout16.xml><?xml version="1.0" encoding="utf-8"?>
 <p:sldLayout xmlns:a="http://schemas.openxmlformats.org/drawingml/2006/main" xmlns:r="http://schemas.openxmlformats.org/officeDocument/2006/relationships" xmlns:p="http://schemas.openxmlformats.org/presentationml/2006/main" type="vertTitleAndTx" preserve="1">
   <p:cSld name="Vertical Title and Text">
     <p:spTree>
@@ -527,42 +2726,42 @@
         </p:nvSpPr>
         <p:spPr>
           <a:xfrm>
-            <a:off x="8653112" y="937260"/>
-            <a:ext cx="1298608" cy="4983480"/>
+            <a:off x="7967673" y="609599"/>
+            <a:ext cx="1304743" cy="5251451"/>
           </a:xfrm>
         </p:spPr>
         <p:txBody>
+          <a:bodyPr vert="eaVert" anchor="ctr"/>
+          <a:lstStyle/>
+          <a:p>
+            <a:r>
+              <a:rPr lang="en-US"/>
+              <a:t>Click to edit Master title style</a:t>
+            </a:r>
+            <a:endParaRPr lang="en-US" dirty="0"/>
+          </a:p>
+        </p:txBody>
+      </p:sp>
+      <p:sp>
+        <p:nvSpPr>
+          <p:cNvPr id="3" name="Vertical Text Placeholder 2"/>
+          <p:cNvSpPr>
+            <a:spLocks noGrp="1"/>
+          </p:cNvSpPr>
+          <p:nvPr>
+            <p:ph type="body" orient="vert" idx="1"/>
+          </p:nvPr>
+        </p:nvSpPr>
+        <p:spPr>
+          <a:xfrm>
+            <a:off x="677335" y="609600"/>
+            <a:ext cx="7060150" cy="5251450"/>
+          </a:xfrm>
+        </p:spPr>
+        <p:txBody>
           <a:bodyPr vert="eaVert"/>
           <a:lstStyle/>
           <a:p>
-            <a:r>
-              <a:rPr lang="en-US"/>
-              <a:t>Click to edit Master title style</a:t>
-            </a:r>
-            <a:endParaRPr lang="en-US" dirty="0"/>
-          </a:p>
-        </p:txBody>
-      </p:sp>
-      <p:sp>
-        <p:nvSpPr>
-          <p:cNvPr id="3" name="Vertical Text Placeholder 2"/>
-          <p:cNvSpPr>
-            <a:spLocks noGrp="1"/>
-          </p:cNvSpPr>
-          <p:nvPr>
-            <p:ph type="body" orient="vert" idx="1"/>
-          </p:nvPr>
-        </p:nvSpPr>
-        <p:spPr>
-          <a:xfrm>
-            <a:off x="2231136" y="937260"/>
-            <a:ext cx="6198489" cy="4983480"/>
-          </a:xfrm>
-        </p:spPr>
-        <p:txBody>
-          <a:bodyPr vert="eaVert"/>
-          <a:lstStyle/>
-          <a:p>
             <a:pPr lvl="0"/>
             <a:r>
               <a:rPr lang="en-US"/>
@@ -616,8 +2815,8 @@
           <a:lstStyle/>
           <a:p>
             <a:fld id="{67C6F52A-A82B-47A2-A83A-8C4C91F2D59F}" type="datetimeFigureOut">
-              <a:rPr lang="en-US" dirty="0"/>
-              <a:t>2/7/2020</a:t>
+              <a:rPr lang="en-US" smtClean="0"/>
+              <a:t>2/12/2020</a:t>
             </a:fld>
             <a:endParaRPr lang="en-US" dirty="0"/>
           </a:p>
@@ -658,7 +2857,7 @@
           <a:lstStyle/>
           <a:p>
             <a:fld id="{8A7A6979-0714-4377-B894-6BE4C2D6E202}" type="slidenum">
-              <a:rPr lang="en-US" dirty="0"/>
+              <a:rPr lang="en-US" smtClean="0"/>
               <a:t>‹#›</a:t>
             </a:fld>
             <a:endParaRPr lang="en-US" dirty="0"/>
@@ -666,6 +2865,11 @@
         </p:txBody>
       </p:sp>
     </p:spTree>
+    <p:extLst>
+      <p:ext uri="{BB962C8B-B14F-4D97-AF65-F5344CB8AC3E}">
+        <p14:creationId xmlns:p14="http://schemas.microsoft.com/office/powerpoint/2010/main" val="2566184832"/>
+      </p:ext>
+    </p:extLst>
   </p:cSld>
   <p:clrMapOvr>
     <a:masterClrMapping/>
@@ -702,25 +2906,83 @@
         </p:nvSpPr>
         <p:spPr/>
         <p:txBody>
+          <a:bodyPr>
+            <a:normAutofit/>
+          </a:bodyPr>
+          <a:lstStyle>
+            <a:lvl1pPr>
+              <a:defRPr sz="3600"/>
+            </a:lvl1pPr>
+          </a:lstStyle>
+          <a:p>
+            <a:r>
+              <a:rPr lang="en-US"/>
+              <a:t>Click to edit Master title style</a:t>
+            </a:r>
+            <a:endParaRPr lang="en-US" dirty="0"/>
+          </a:p>
+        </p:txBody>
+      </p:sp>
+      <p:sp>
+        <p:nvSpPr>
+          <p:cNvPr id="3" name="Content Placeholder 2"/>
+          <p:cNvSpPr>
+            <a:spLocks noGrp="1"/>
+          </p:cNvSpPr>
+          <p:nvPr>
+            <p:ph idx="1"/>
+          </p:nvPr>
+        </p:nvSpPr>
+        <p:spPr/>
+        <p:txBody>
           <a:bodyPr/>
           <a:lstStyle/>
           <a:p>
+            <a:pPr lvl="0"/>
             <a:r>
               <a:rPr lang="en-US"/>
-              <a:t>Click to edit Master title style</a:t>
-            </a:r>
-            <a:endParaRPr lang="en-US" dirty="0"/>
-          </a:p>
-        </p:txBody>
-      </p:sp>
-      <p:sp>
-        <p:nvSpPr>
-          <p:cNvPr id="3" name="Content Placeholder 2"/>
-          <p:cNvSpPr>
-            <a:spLocks noGrp="1"/>
-          </p:cNvSpPr>
-          <p:nvPr>
-            <p:ph idx="1"/>
+              <a:t>Click to edit Master text styles</a:t>
+            </a:r>
+          </a:p>
+          <a:p>
+            <a:pPr lvl="1"/>
+            <a:r>
+              <a:rPr lang="en-US"/>
+              <a:t>Second level</a:t>
+            </a:r>
+          </a:p>
+          <a:p>
+            <a:pPr lvl="2"/>
+            <a:r>
+              <a:rPr lang="en-US"/>
+              <a:t>Third level</a:t>
+            </a:r>
+          </a:p>
+          <a:p>
+            <a:pPr lvl="3"/>
+            <a:r>
+              <a:rPr lang="en-US"/>
+              <a:t>Fourth level</a:t>
+            </a:r>
+          </a:p>
+          <a:p>
+            <a:pPr lvl="4"/>
+            <a:r>
+              <a:rPr lang="en-US"/>
+              <a:t>Fifth level</a:t>
+            </a:r>
+            <a:endParaRPr lang="en-US" dirty="0"/>
+          </a:p>
+        </p:txBody>
+      </p:sp>
+      <p:sp>
+        <p:nvSpPr>
+          <p:cNvPr id="4" name="Date Placeholder 3"/>
+          <p:cNvSpPr>
+            <a:spLocks noGrp="1"/>
+          </p:cNvSpPr>
+          <p:nvPr>
+            <p:ph type="dt" sz="half" idx="10"/>
           </p:nvPr>
         </p:nvSpPr>
         <p:spPr/>
@@ -728,51 +2990,22 @@
           <a:bodyPr/>
           <a:lstStyle/>
           <a:p>
-            <a:pPr lvl="0"/>
-            <a:r>
-              <a:rPr lang="en-US"/>
-              <a:t>Click to edit Master text styles</a:t>
-            </a:r>
-          </a:p>
-          <a:p>
-            <a:pPr lvl="1"/>
-            <a:r>
-              <a:rPr lang="en-US"/>
-              <a:t>Second level</a:t>
-            </a:r>
-          </a:p>
-          <a:p>
-            <a:pPr lvl="2"/>
-            <a:r>
-              <a:rPr lang="en-US"/>
-              <a:t>Third level</a:t>
-            </a:r>
-          </a:p>
-          <a:p>
-            <a:pPr lvl="3"/>
-            <a:r>
-              <a:rPr lang="en-US"/>
-              <a:t>Fourth level</a:t>
-            </a:r>
-          </a:p>
-          <a:p>
-            <a:pPr lvl="4"/>
-            <a:r>
-              <a:rPr lang="en-US"/>
-              <a:t>Fifth level</a:t>
-            </a:r>
-            <a:endParaRPr lang="en-US" dirty="0"/>
-          </a:p>
-        </p:txBody>
-      </p:sp>
-      <p:sp>
-        <p:nvSpPr>
-          <p:cNvPr id="7" name="Date Placeholder 6"/>
-          <p:cNvSpPr>
-            <a:spLocks noGrp="1"/>
-          </p:cNvSpPr>
-          <p:nvPr>
-            <p:ph type="dt" sz="half" idx="10"/>
+            <a:fld id="{F070A7B3-6521-4DCA-87E5-044747A908C1}" type="datetimeFigureOut">
+              <a:rPr lang="en-US" smtClean="0"/>
+              <a:t>2/12/2020</a:t>
+            </a:fld>
+            <a:endParaRPr lang="en-US" dirty="0"/>
+          </a:p>
+        </p:txBody>
+      </p:sp>
+      <p:sp>
+        <p:nvSpPr>
+          <p:cNvPr id="5" name="Footer Placeholder 4"/>
+          <p:cNvSpPr>
+            <a:spLocks noGrp="1"/>
+          </p:cNvSpPr>
+          <p:nvPr>
+            <p:ph type="ftr" sz="quarter" idx="11"/>
           </p:nvPr>
         </p:nvSpPr>
         <p:spPr/>
@@ -780,22 +3013,18 @@
           <a:bodyPr/>
           <a:lstStyle/>
           <a:p>
-            <a:fld id="{F070A7B3-6521-4DCA-87E5-044747A908C1}" type="datetimeFigureOut">
-              <a:rPr lang="en-US" dirty="0"/>
-              <a:t>2/7/2020</a:t>
-            </a:fld>
-            <a:endParaRPr lang="en-US" dirty="0"/>
-          </a:p>
-        </p:txBody>
-      </p:sp>
-      <p:sp>
-        <p:nvSpPr>
-          <p:cNvPr id="8" name="Footer Placeholder 7"/>
-          <p:cNvSpPr>
-            <a:spLocks noGrp="1"/>
-          </p:cNvSpPr>
-          <p:nvPr>
-            <p:ph type="ftr" sz="quarter" idx="11"/>
+            <a:endParaRPr lang="en-US" dirty="0"/>
+          </a:p>
+        </p:txBody>
+      </p:sp>
+      <p:sp>
+        <p:nvSpPr>
+          <p:cNvPr id="6" name="Slide Number Placeholder 5"/>
+          <p:cNvSpPr>
+            <a:spLocks noGrp="1"/>
+          </p:cNvSpPr>
+          <p:nvPr>
+            <p:ph type="sldNum" sz="quarter" idx="12"/>
           </p:nvPr>
         </p:nvSpPr>
         <p:spPr/>
@@ -803,27 +3032,8 @@
           <a:bodyPr/>
           <a:lstStyle/>
           <a:p>
-            <a:endParaRPr lang="en-US" dirty="0"/>
-          </a:p>
-        </p:txBody>
-      </p:sp>
-      <p:sp>
-        <p:nvSpPr>
-          <p:cNvPr id="9" name="Slide Number Placeholder 8"/>
-          <p:cNvSpPr>
-            <a:spLocks noGrp="1"/>
-          </p:cNvSpPr>
-          <p:nvPr>
-            <p:ph type="sldNum" sz="quarter" idx="12"/>
-          </p:nvPr>
-        </p:nvSpPr>
-        <p:spPr/>
-        <p:txBody>
-          <a:bodyPr/>
-          <a:lstStyle/>
-          <a:p>
             <a:fld id="{8A7A6979-0714-4377-B894-6BE4C2D6E202}" type="slidenum">
-              <a:rPr lang="en-US" dirty="0"/>
+              <a:rPr lang="en-US" smtClean="0"/>
               <a:pPr/>
               <a:t>‹#›</a:t>
             </a:fld>
@@ -832,6 +3042,11 @@
         </p:txBody>
       </p:sp>
     </p:spTree>
+    <p:extLst>
+      <p:ext uri="{BB962C8B-B14F-4D97-AF65-F5344CB8AC3E}">
+        <p14:creationId xmlns:p14="http://schemas.microsoft.com/office/powerpoint/2010/main" val="2367318539"/>
+      </p:ext>
+    </p:extLst>
   </p:cSld>
   <p:clrMapOvr>
     <a:masterClrMapping/>
@@ -842,14 +3057,6 @@
 <file path=ppt/slideLayouts/slideLayout3.xml><?xml version="1.0" encoding="utf-8"?>
 <p:sldLayout xmlns:a="http://schemas.openxmlformats.org/drawingml/2006/main" xmlns:r="http://schemas.openxmlformats.org/officeDocument/2006/relationships" xmlns:p="http://schemas.openxmlformats.org/presentationml/2006/main" type="secHead" preserve="1">
   <p:cSld name="Section Header">
-    <p:bg>
-      <p:bgPr>
-        <a:solidFill>
-          <a:schemeClr val="accent1"/>
-        </a:solidFill>
-        <a:effectLst/>
-      </p:bgPr>
-    </p:bg>
     <p:spTree>
       <p:nvGrpSpPr>
         <p:cNvPr id="1" name=""/>
@@ -874,31 +3081,17 @@
             <p:ph type="title"/>
           </p:nvPr>
         </p:nvSpPr>
-        <p:spPr bwMode="blackWhite">
+        <p:spPr>
           <a:xfrm>
-            <a:off x="1600200" y="2386744"/>
-            <a:ext cx="8991600" cy="1645920"/>
+            <a:off x="677335" y="2700867"/>
+            <a:ext cx="8596668" cy="1826581"/>
           </a:xfrm>
-          <a:solidFill>
-            <a:srgbClr val="FFFFFF"/>
-          </a:solidFill>
-          <a:ln w="38100">
-            <a:solidFill>
-              <a:srgbClr val="404040"/>
-            </a:solidFill>
-          </a:ln>
         </p:spPr>
         <p:txBody>
-          <a:bodyPr lIns="274320" rIns="274320" anchor="ctr" anchorCtr="1">
-            <a:normAutofit/>
-          </a:bodyPr>
+          <a:bodyPr anchor="b"/>
           <a:lstStyle>
-            <a:lvl1pPr>
-              <a:defRPr sz="3800">
-                <a:solidFill>
-                  <a:srgbClr val="262626"/>
-                </a:solidFill>
-              </a:defRPr>
+            <a:lvl1pPr algn="l">
+              <a:defRPr sz="4000" b="0" cap="none"/>
             </a:lvl1pPr>
           </a:lstStyle>
           <a:p>
@@ -922,26 +3115,27 @@
         </p:nvSpPr>
         <p:spPr>
           <a:xfrm>
-            <a:off x="2695194" y="4352465"/>
-            <a:ext cx="6801612" cy="1265082"/>
+            <a:off x="677335" y="4527448"/>
+            <a:ext cx="8596668" cy="860400"/>
           </a:xfrm>
         </p:spPr>
         <p:txBody>
-          <a:bodyPr anchor="t" anchorCtr="1">
-            <a:normAutofit/>
-          </a:bodyPr>
+          <a:bodyPr anchor="t"/>
           <a:lstStyle>
-            <a:lvl1pPr marL="0" indent="0">
+            <a:lvl1pPr marL="0" indent="0" algn="l">
               <a:buNone/>
               <a:defRPr sz="2000">
                 <a:solidFill>
-                  <a:schemeClr val="tx1"/>
+                  <a:schemeClr val="tx1">
+                    <a:lumMod val="50000"/>
+                    <a:lumOff val="50000"/>
+                  </a:schemeClr>
                 </a:solidFill>
               </a:defRPr>
             </a:lvl1pPr>
             <a:lvl2pPr marL="457200" indent="0">
               <a:buNone/>
-              <a:defRPr sz="2000">
+              <a:defRPr sz="1800">
                 <a:solidFill>
                   <a:schemeClr val="tx1">
                     <a:tint val="75000"/>
@@ -951,7 +3145,7 @@
             </a:lvl2pPr>
             <a:lvl3pPr marL="914400" indent="0">
               <a:buNone/>
-              <a:defRPr sz="1800">
+              <a:defRPr sz="1600">
                 <a:solidFill>
                   <a:schemeClr val="tx1">
                     <a:tint val="75000"/>
@@ -961,7 +3155,7 @@
             </a:lvl3pPr>
             <a:lvl4pPr marL="1371600" indent="0">
               <a:buNone/>
-              <a:defRPr sz="1600">
+              <a:defRPr sz="1400">
                 <a:solidFill>
                   <a:schemeClr val="tx1">
                     <a:tint val="75000"/>
@@ -971,7 +3165,7 @@
             </a:lvl4pPr>
             <a:lvl5pPr marL="1828800" indent="0">
               <a:buNone/>
-              <a:defRPr sz="1600">
+              <a:defRPr sz="1400">
                 <a:solidFill>
                   <a:schemeClr val="tx1">
                     <a:tint val="75000"/>
@@ -981,7 +3175,7 @@
             </a:lvl5pPr>
             <a:lvl6pPr marL="2286000" indent="0">
               <a:buNone/>
-              <a:defRPr sz="1600">
+              <a:defRPr sz="1400">
                 <a:solidFill>
                   <a:schemeClr val="tx1">
                     <a:tint val="75000"/>
@@ -991,7 +3185,7 @@
             </a:lvl6pPr>
             <a:lvl7pPr marL="2743200" indent="0">
               <a:buNone/>
-              <a:defRPr sz="1600">
+              <a:defRPr sz="1400">
                 <a:solidFill>
                   <a:schemeClr val="tx1">
                     <a:tint val="75000"/>
@@ -1001,7 +3195,7 @@
             </a:lvl7pPr>
             <a:lvl8pPr marL="3200400" indent="0">
               <a:buNone/>
-              <a:defRPr sz="1600">
+              <a:defRPr sz="1400">
                 <a:solidFill>
                   <a:schemeClr val="tx1">
                     <a:tint val="75000"/>
@@ -1011,7 +3205,7 @@
             </a:lvl8pPr>
             <a:lvl9pPr marL="3657600" indent="0">
               <a:buNone/>
-              <a:defRPr sz="1600">
+              <a:defRPr sz="1400">
                 <a:solidFill>
                   <a:schemeClr val="tx1">
                     <a:tint val="75000"/>
@@ -1031,7 +3225,7 @@
       </p:sp>
       <p:sp>
         <p:nvSpPr>
-          <p:cNvPr id="7" name="Date Placeholder 6"/>
+          <p:cNvPr id="4" name="Date Placeholder 3"/>
           <p:cNvSpPr>
             <a:spLocks noGrp="1"/>
           </p:cNvSpPr>
@@ -1045,8 +3239,8 @@
           <a:lstStyle/>
           <a:p>
             <a:fld id="{1160EA64-D806-43AC-9DF2-F8C432F32B4C}" type="datetimeFigureOut">
-              <a:rPr lang="en-US" dirty="0"/>
-              <a:t>2/7/2020</a:t>
+              <a:rPr lang="en-US" smtClean="0"/>
+              <a:t>2/12/2020</a:t>
             </a:fld>
             <a:endParaRPr lang="en-US" dirty="0"/>
           </a:p>
@@ -1054,7 +3248,7 @@
       </p:sp>
       <p:sp>
         <p:nvSpPr>
-          <p:cNvPr id="8" name="Footer Placeholder 7"/>
+          <p:cNvPr id="5" name="Footer Placeholder 4"/>
           <p:cNvSpPr>
             <a:spLocks noGrp="1"/>
           </p:cNvSpPr>
@@ -1073,7 +3267,7 @@
       </p:sp>
       <p:sp>
         <p:nvSpPr>
-          <p:cNvPr id="9" name="Slide Number Placeholder 8"/>
+          <p:cNvPr id="6" name="Slide Number Placeholder 5"/>
           <p:cNvSpPr>
             <a:spLocks noGrp="1"/>
           </p:cNvSpPr>
@@ -1087,7 +3281,7 @@
           <a:lstStyle/>
           <a:p>
             <a:fld id="{8A7A6979-0714-4377-B894-6BE4C2D6E202}" type="slidenum">
-              <a:rPr lang="en-US" dirty="0"/>
+              <a:rPr lang="en-US" smtClean="0"/>
               <a:pPr/>
               <a:t>‹#›</a:t>
             </a:fld>
@@ -1096,9 +3290,14 @@
         </p:txBody>
       </p:sp>
     </p:spTree>
+    <p:extLst>
+      <p:ext uri="{BB962C8B-B14F-4D97-AF65-F5344CB8AC3E}">
+        <p14:creationId xmlns:p14="http://schemas.microsoft.com/office/powerpoint/2010/main" val="489500287"/>
+      </p:ext>
+    </p:extLst>
   </p:cSld>
   <p:clrMapOvr>
-    <a:overrideClrMapping bg1="dk1" tx1="lt1" bg2="dk2" tx2="lt2" accent1="accent1" accent2="accent2" accent3="accent3" accent4="accent4" accent5="accent5" accent6="accent6" hlink="hlink" folHlink="folHlink"/>
+    <a:masterClrMapping/>
   </p:clrMapOvr>
 </p:sldLayout>
 </file>
@@ -1155,8 +3354,8 @@
         </p:nvSpPr>
         <p:spPr>
           <a:xfrm>
-            <a:off x="1581912" y="2638044"/>
-            <a:ext cx="4271771" cy="3101982"/>
+            <a:off x="677334" y="2160589"/>
+            <a:ext cx="4184035" cy="3880772"/>
           </a:xfrm>
         </p:spPr>
         <p:txBody>
@@ -1212,8 +3411,8 @@
         </p:nvSpPr>
         <p:spPr>
           <a:xfrm>
-            <a:off x="6338315" y="2638044"/>
-            <a:ext cx="4270247" cy="3101982"/>
+            <a:off x="5089970" y="2160589"/>
+            <a:ext cx="4184034" cy="3880773"/>
           </a:xfrm>
         </p:spPr>
         <p:txBody>
@@ -1259,7 +3458,7 @@
       </p:sp>
       <p:sp>
         <p:nvSpPr>
-          <p:cNvPr id="8" name="Date Placeholder 7"/>
+          <p:cNvPr id="5" name="Date Placeholder 4"/>
           <p:cNvSpPr>
             <a:spLocks noGrp="1"/>
           </p:cNvSpPr>
@@ -1273,8 +3472,8 @@
           <a:lstStyle/>
           <a:p>
             <a:fld id="{AB134690-1557-4C89-A502-4959FE7FAD70}" type="datetimeFigureOut">
-              <a:rPr lang="en-US" dirty="0"/>
-              <a:t>2/7/2020</a:t>
+              <a:rPr lang="en-US" smtClean="0"/>
+              <a:t>2/12/2020</a:t>
             </a:fld>
             <a:endParaRPr lang="en-US" dirty="0"/>
           </a:p>
@@ -1282,7 +3481,7 @@
       </p:sp>
       <p:sp>
         <p:nvSpPr>
-          <p:cNvPr id="9" name="Footer Placeholder 8"/>
+          <p:cNvPr id="6" name="Footer Placeholder 5"/>
           <p:cNvSpPr>
             <a:spLocks noGrp="1"/>
           </p:cNvSpPr>
@@ -1301,7 +3500,7 @@
       </p:sp>
       <p:sp>
         <p:nvSpPr>
-          <p:cNvPr id="10" name="Slide Number Placeholder 9"/>
+          <p:cNvPr id="7" name="Slide Number Placeholder 6"/>
           <p:cNvSpPr>
             <a:spLocks noGrp="1"/>
           </p:cNvSpPr>
@@ -1315,7 +3514,7 @@
           <a:lstStyle/>
           <a:p>
             <a:fld id="{8A7A6979-0714-4377-B894-6BE4C2D6E202}" type="slidenum">
-              <a:rPr lang="en-US" dirty="0"/>
+              <a:rPr lang="en-US" smtClean="0"/>
               <a:t>‹#›</a:t>
             </a:fld>
             <a:endParaRPr lang="en-US" dirty="0"/>
@@ -1323,6 +3522,11 @@
         </p:txBody>
       </p:sp>
     </p:spTree>
+    <p:extLst>
+      <p:ext uri="{BB962C8B-B14F-4D97-AF65-F5344CB8AC3E}">
+        <p14:creationId xmlns:p14="http://schemas.microsoft.com/office/powerpoint/2010/main" val="457209580"/>
+      </p:ext>
+    </p:extLst>
   </p:cSld>
   <p:clrMapOvr>
     <a:masterClrMapping/>
@@ -1349,6 +3553,33 @@
       </p:grpSpPr>
       <p:sp>
         <p:nvSpPr>
+          <p:cNvPr id="2" name="Title 1"/>
+          <p:cNvSpPr>
+            <a:spLocks noGrp="1"/>
+          </p:cNvSpPr>
+          <p:nvPr>
+            <p:ph type="title"/>
+          </p:nvPr>
+        </p:nvSpPr>
+        <p:spPr/>
+        <p:txBody>
+          <a:bodyPr/>
+          <a:lstStyle>
+            <a:lvl1pPr>
+              <a:defRPr/>
+            </a:lvl1pPr>
+          </a:lstStyle>
+          <a:p>
+            <a:r>
+              <a:rPr lang="en-US"/>
+              <a:t>Click to edit Master title style</a:t>
+            </a:r>
+            <a:endParaRPr lang="en-US" dirty="0"/>
+          </a:p>
+        </p:txBody>
+      </p:sp>
+      <p:sp>
+        <p:nvSpPr>
           <p:cNvPr id="3" name="Text Placeholder 2"/>
           <p:cNvSpPr>
             <a:spLocks noGrp="1"/>
@@ -1359,28 +3590,22 @@
         </p:nvSpPr>
         <p:spPr>
           <a:xfrm>
-            <a:off x="1583436" y="2313433"/>
-            <a:ext cx="4270248" cy="704087"/>
+            <a:off x="675745" y="2160983"/>
+            <a:ext cx="4185623" cy="576262"/>
           </a:xfrm>
         </p:spPr>
         <p:txBody>
-          <a:bodyPr anchor="b" anchorCtr="1">
-            <a:normAutofit/>
+          <a:bodyPr anchor="b">
+            <a:noAutofit/>
           </a:bodyPr>
           <a:lstStyle>
-            <a:lvl1pPr marL="0" indent="0" algn="ctr">
-              <a:buNone/>
-              <a:defRPr sz="1900" b="0" cap="all" spc="100" baseline="0">
-                <a:solidFill>
-                  <a:schemeClr val="accent2">
-                    <a:lumMod val="75000"/>
-                  </a:schemeClr>
-                </a:solidFill>
-              </a:defRPr>
+            <a:lvl1pPr marL="0" indent="0">
+              <a:buNone/>
+              <a:defRPr sz="2400" b="0"/>
             </a:lvl1pPr>
             <a:lvl2pPr marL="457200" indent="0">
               <a:buNone/>
-              <a:defRPr sz="1900" b="1"/>
+              <a:defRPr sz="2000" b="1"/>
             </a:lvl2pPr>
             <a:lvl3pPr marL="914400" indent="0">
               <a:buNone/>
@@ -1432,12 +3657,14 @@
         </p:nvSpPr>
         <p:spPr>
           <a:xfrm>
-            <a:off x="1583436" y="3143250"/>
-            <a:ext cx="4270248" cy="2596776"/>
+            <a:off x="675745" y="2737245"/>
+            <a:ext cx="4185623" cy="3304117"/>
           </a:xfrm>
         </p:spPr>
         <p:txBody>
-          <a:bodyPr/>
+          <a:bodyPr>
+            <a:normAutofit/>
+          </a:bodyPr>
           <a:lstStyle/>
           <a:p>
             <a:pPr lvl="0"/>
@@ -1479,99 +3706,32 @@
       </p:sp>
       <p:sp>
         <p:nvSpPr>
-          <p:cNvPr id="6" name="Content Placeholder 5"/>
-          <p:cNvSpPr>
-            <a:spLocks noGrp="1"/>
-          </p:cNvSpPr>
-          <p:nvPr>
-            <p:ph sz="quarter" idx="4"/>
+          <p:cNvPr id="5" name="Text Placeholder 4"/>
+          <p:cNvSpPr>
+            <a:spLocks noGrp="1"/>
+          </p:cNvSpPr>
+          <p:nvPr>
+            <p:ph type="body" sz="quarter" idx="3"/>
           </p:nvPr>
         </p:nvSpPr>
         <p:spPr>
           <a:xfrm>
-            <a:off x="6338316" y="3143250"/>
-            <a:ext cx="4253484" cy="2596776"/>
+            <a:off x="5088383" y="2160983"/>
+            <a:ext cx="4185618" cy="576262"/>
           </a:xfrm>
         </p:spPr>
         <p:txBody>
-          <a:bodyPr/>
-          <a:lstStyle>
-            <a:lvl5pPr>
-              <a:defRPr/>
-            </a:lvl5pPr>
-          </a:lstStyle>
-          <a:p>
-            <a:pPr lvl="0"/>
-            <a:r>
-              <a:rPr lang="en-US"/>
-              <a:t>Click to edit Master text styles</a:t>
-            </a:r>
-          </a:p>
-          <a:p>
-            <a:pPr lvl="1"/>
-            <a:r>
-              <a:rPr lang="en-US"/>
-              <a:t>Second level</a:t>
-            </a:r>
-          </a:p>
-          <a:p>
-            <a:pPr lvl="2"/>
-            <a:r>
-              <a:rPr lang="en-US"/>
-              <a:t>Third level</a:t>
-            </a:r>
-          </a:p>
-          <a:p>
-            <a:pPr lvl="3"/>
-            <a:r>
-              <a:rPr lang="en-US"/>
-              <a:t>Fourth level</a:t>
-            </a:r>
-          </a:p>
-          <a:p>
-            <a:pPr lvl="4"/>
-            <a:r>
-              <a:rPr lang="en-US"/>
-              <a:t>Fifth level</a:t>
-            </a:r>
-            <a:endParaRPr lang="en-US" dirty="0"/>
-          </a:p>
-        </p:txBody>
-      </p:sp>
-      <p:sp>
-        <p:nvSpPr>
-          <p:cNvPr id="11" name="Text Placeholder 4"/>
-          <p:cNvSpPr>
-            <a:spLocks noGrp="1"/>
-          </p:cNvSpPr>
-          <p:nvPr>
-            <p:ph type="body" sz="quarter" idx="13"/>
-          </p:nvPr>
-        </p:nvSpPr>
-        <p:spPr>
-          <a:xfrm>
-            <a:off x="6338316" y="2313433"/>
-            <a:ext cx="4270248" cy="704087"/>
-          </a:xfrm>
-        </p:spPr>
-        <p:txBody>
-          <a:bodyPr anchor="b" anchorCtr="1">
-            <a:normAutofit/>
+          <a:bodyPr anchor="b">
+            <a:noAutofit/>
           </a:bodyPr>
           <a:lstStyle>
-            <a:lvl1pPr marL="0" indent="0" algn="ctr">
-              <a:buNone/>
-              <a:defRPr sz="1900" b="0" cap="all" spc="100" baseline="0">
-                <a:solidFill>
-                  <a:schemeClr val="accent2">
-                    <a:lumMod val="75000"/>
-                  </a:schemeClr>
-                </a:solidFill>
-              </a:defRPr>
+            <a:lvl1pPr marL="0" indent="0">
+              <a:buNone/>
+              <a:defRPr sz="2400" b="0"/>
             </a:lvl1pPr>
             <a:lvl2pPr marL="457200" indent="0">
               <a:buNone/>
-              <a:defRPr sz="1900" b="1"/>
+              <a:defRPr sz="2000" b="1"/>
             </a:lvl2pPr>
             <a:lvl3pPr marL="914400" indent="0">
               <a:buNone/>
@@ -1613,6 +3773,65 @@
       </p:sp>
       <p:sp>
         <p:nvSpPr>
+          <p:cNvPr id="6" name="Content Placeholder 5"/>
+          <p:cNvSpPr>
+            <a:spLocks noGrp="1"/>
+          </p:cNvSpPr>
+          <p:nvPr>
+            <p:ph sz="quarter" idx="4"/>
+          </p:nvPr>
+        </p:nvSpPr>
+        <p:spPr>
+          <a:xfrm>
+            <a:off x="5088384" y="2737245"/>
+            <a:ext cx="4185617" cy="3304117"/>
+          </a:xfrm>
+        </p:spPr>
+        <p:txBody>
+          <a:bodyPr>
+            <a:normAutofit/>
+          </a:bodyPr>
+          <a:lstStyle/>
+          <a:p>
+            <a:pPr lvl="0"/>
+            <a:r>
+              <a:rPr lang="en-US"/>
+              <a:t>Click to edit Master text styles</a:t>
+            </a:r>
+          </a:p>
+          <a:p>
+            <a:pPr lvl="1"/>
+            <a:r>
+              <a:rPr lang="en-US"/>
+              <a:t>Second level</a:t>
+            </a:r>
+          </a:p>
+          <a:p>
+            <a:pPr lvl="2"/>
+            <a:r>
+              <a:rPr lang="en-US"/>
+              <a:t>Third level</a:t>
+            </a:r>
+          </a:p>
+          <a:p>
+            <a:pPr lvl="3"/>
+            <a:r>
+              <a:rPr lang="en-US"/>
+              <a:t>Fourth level</a:t>
+            </a:r>
+          </a:p>
+          <a:p>
+            <a:pPr lvl="4"/>
+            <a:r>
+              <a:rPr lang="en-US"/>
+              <a:t>Fifth level</a:t>
+            </a:r>
+            <a:endParaRPr lang="en-US" dirty="0"/>
+          </a:p>
+        </p:txBody>
+      </p:sp>
+      <p:sp>
+        <p:nvSpPr>
           <p:cNvPr id="7" name="Date Placeholder 6"/>
           <p:cNvSpPr>
             <a:spLocks noGrp="1"/>
@@ -1626,9 +3845,9 @@
           <a:bodyPr/>
           <a:lstStyle/>
           <a:p>
-            <a:fld id="{4F7D4976-E339-4826-83B7-FBD03F55ECF8}" type="datetimeFigureOut">
-              <a:rPr lang="en-US" dirty="0"/>
-              <a:t>2/7/2020</a:t>
+            <a:fld id="{1160EA64-D806-43AC-9DF2-F8C432F32B4C}" type="datetimeFigureOut">
+              <a:rPr lang="en-US" smtClean="0"/>
+              <a:t>2/12/2020</a:t>
             </a:fld>
             <a:endParaRPr lang="en-US" dirty="0"/>
           </a:p>
@@ -1669,41 +3888,25 @@
           <a:lstStyle/>
           <a:p>
             <a:fld id="{8A7A6979-0714-4377-B894-6BE4C2D6E202}" type="slidenum">
-              <a:rPr lang="en-US" dirty="0"/>
+              <a:rPr lang="en-US" smtClean="0"/>
+              <a:pPr/>
               <a:t>‹#›</a:t>
             </a:fld>
             <a:endParaRPr lang="en-US" dirty="0"/>
           </a:p>
         </p:txBody>
       </p:sp>
-      <p:sp>
-        <p:nvSpPr>
-          <p:cNvPr id="10" name="Title 9"/>
-          <p:cNvSpPr>
-            <a:spLocks noGrp="1"/>
-          </p:cNvSpPr>
-          <p:nvPr>
-            <p:ph type="title"/>
-          </p:nvPr>
-        </p:nvSpPr>
-        <p:spPr/>
-        <p:txBody>
-          <a:bodyPr/>
-          <a:lstStyle/>
-          <a:p>
-            <a:r>
-              <a:rPr lang="en-US"/>
-              <a:t>Click to edit Master title style</a:t>
-            </a:r>
-            <a:endParaRPr lang="en-US" dirty="0"/>
-          </a:p>
-        </p:txBody>
-      </p:sp>
     </p:spTree>
+    <p:extLst>
+      <p:ext uri="{BB962C8B-B14F-4D97-AF65-F5344CB8AC3E}">
+        <p14:creationId xmlns:p14="http://schemas.microsoft.com/office/powerpoint/2010/main" val="2655930126"/>
+      </p:ext>
+    </p:extLst>
   </p:cSld>
   <p:clrMapOvr>
     <a:masterClrMapping/>
   </p:clrMapOvr>
+  <p:hf sldNum="0" hdr="0" ftr="0" dt="0"/>
 </p:sldLayout>
 </file>
 
@@ -1734,7 +3937,12 @@
             <p:ph type="title"/>
           </p:nvPr>
         </p:nvSpPr>
-        <p:spPr/>
+        <p:spPr>
+          <a:xfrm>
+            <a:off x="677334" y="609600"/>
+            <a:ext cx="8596668" cy="1320800"/>
+          </a:xfrm>
+        </p:spPr>
         <p:txBody>
           <a:bodyPr/>
           <a:lstStyle/>
@@ -1763,8 +3971,8 @@
           <a:lstStyle/>
           <a:p>
             <a:fld id="{E1037C31-9E7A-4F99-8774-A0E530DE1A42}" type="datetimeFigureOut">
-              <a:rPr lang="en-US" dirty="0"/>
-              <a:t>2/7/2020</a:t>
+              <a:rPr lang="en-US" smtClean="0"/>
+              <a:t>2/12/2020</a:t>
             </a:fld>
             <a:endParaRPr lang="en-US" dirty="0"/>
           </a:p>
@@ -1805,7 +4013,7 @@
           <a:lstStyle/>
           <a:p>
             <a:fld id="{8A7A6979-0714-4377-B894-6BE4C2D6E202}" type="slidenum">
-              <a:rPr lang="en-US" dirty="0"/>
+              <a:rPr lang="en-US" smtClean="0"/>
               <a:t>‹#›</a:t>
             </a:fld>
             <a:endParaRPr lang="en-US" dirty="0"/>
@@ -1813,6 +4021,11 @@
         </p:txBody>
       </p:sp>
     </p:spTree>
+    <p:extLst>
+      <p:ext uri="{BB962C8B-B14F-4D97-AF65-F5344CB8AC3E}">
+        <p14:creationId xmlns:p14="http://schemas.microsoft.com/office/powerpoint/2010/main" val="458705651"/>
+      </p:ext>
+    </p:extLst>
   </p:cSld>
   <p:clrMapOvr>
     <a:masterClrMapping/>
@@ -1853,8 +4066,8 @@
           <a:lstStyle/>
           <a:p>
             <a:fld id="{C278504F-A551-4DE0-9316-4DCD1D8CC752}" type="datetimeFigureOut">
-              <a:rPr lang="en-US" dirty="0"/>
-              <a:t>2/7/2020</a:t>
+              <a:rPr lang="en-US" smtClean="0"/>
+              <a:t>2/12/2020</a:t>
             </a:fld>
             <a:endParaRPr lang="en-US" dirty="0"/>
           </a:p>
@@ -1895,7 +4108,7 @@
           <a:lstStyle/>
           <a:p>
             <a:fld id="{8A7A6979-0714-4377-B894-6BE4C2D6E202}" type="slidenum">
-              <a:rPr lang="en-US" dirty="0"/>
+              <a:rPr lang="en-US" smtClean="0"/>
               <a:t>‹#›</a:t>
             </a:fld>
             <a:endParaRPr lang="en-US" dirty="0"/>
@@ -1903,6 +4116,11 @@
         </p:txBody>
       </p:sp>
     </p:spTree>
+    <p:extLst>
+      <p:ext uri="{BB962C8B-B14F-4D97-AF65-F5344CB8AC3E}">
+        <p14:creationId xmlns:p14="http://schemas.microsoft.com/office/powerpoint/2010/main" val="3995290646"/>
+      </p:ext>
+    </p:extLst>
   </p:cSld>
   <p:clrMapOvr>
     <a:masterClrMapping/>
@@ -1929,77 +4147,27 @@
       </p:grpSpPr>
       <p:sp>
         <p:nvSpPr>
-          <p:cNvPr id="26" name="Rectangle 25"/>
-          <p:cNvSpPr/>
-          <p:nvPr/>
+          <p:cNvPr id="2" name="Title 1"/>
+          <p:cNvSpPr>
+            <a:spLocks noGrp="1"/>
+          </p:cNvSpPr>
+          <p:nvPr>
+            <p:ph type="title"/>
+          </p:nvPr>
         </p:nvSpPr>
         <p:spPr>
           <a:xfrm>
-            <a:off x="0" y="0"/>
-            <a:ext cx="6096000" cy="6858000"/>
+            <a:off x="677334" y="1498604"/>
+            <a:ext cx="3854528" cy="1278466"/>
           </a:xfrm>
-          <a:prstGeom prst="rect">
-            <a:avLst/>
-          </a:prstGeom>
-          <a:solidFill>
-            <a:schemeClr val="accent2"/>
-          </a:solidFill>
-          <a:ln>
-            <a:noFill/>
-          </a:ln>
         </p:spPr>
-        <p:style>
-          <a:lnRef idx="2">
-            <a:schemeClr val="accent1">
-              <a:shade val="50000"/>
-            </a:schemeClr>
-          </a:lnRef>
-          <a:fillRef idx="1">
-            <a:schemeClr val="accent1"/>
-          </a:fillRef>
-          <a:effectRef idx="0">
-            <a:schemeClr val="accent1"/>
-          </a:effectRef>
-          <a:fontRef idx="minor">
-            <a:schemeClr val="lt1"/>
-          </a:fontRef>
-        </p:style>
-      </p:sp>
-      <p:sp>
-        <p:nvSpPr>
-          <p:cNvPr id="2" name="Title 1"/>
-          <p:cNvSpPr>
-            <a:spLocks noGrp="1"/>
-          </p:cNvSpPr>
-          <p:nvPr>
-            <p:ph type="title"/>
-          </p:nvPr>
-        </p:nvSpPr>
-        <p:spPr bwMode="blackWhite">
-          <a:xfrm>
-            <a:off x="804672" y="2243828"/>
-            <a:ext cx="4486656" cy="1141497"/>
-          </a:xfrm>
-          <a:solidFill>
-            <a:srgbClr val="FFFFFF"/>
-          </a:solidFill>
-          <a:ln>
-            <a:solidFill>
-              <a:srgbClr val="404040"/>
-            </a:solidFill>
-          </a:ln>
-        </p:spPr>
-        <p:txBody>
-          <a:bodyPr anchor="ctr" anchorCtr="1">
+        <p:txBody>
+          <a:bodyPr anchor="b">
             <a:normAutofit/>
           </a:bodyPr>
           <a:lstStyle>
             <a:lvl1pPr>
-              <a:defRPr sz="2200">
-                <a:solidFill>
-                  <a:srgbClr val="262626"/>
-                </a:solidFill>
-              </a:defRPr>
+              <a:defRPr sz="2000"/>
             </a:lvl1pPr>
           </a:lstStyle>
           <a:p>
@@ -2023,8 +4191,67 @@
         </p:nvSpPr>
         <p:spPr>
           <a:xfrm>
-            <a:off x="6736080" y="804672"/>
-            <a:ext cx="4815840" cy="5248656"/>
+            <a:off x="4760461" y="514924"/>
+            <a:ext cx="4513541" cy="5526437"/>
+          </a:xfrm>
+        </p:spPr>
+        <p:txBody>
+          <a:bodyPr>
+            <a:normAutofit/>
+          </a:bodyPr>
+          <a:lstStyle/>
+          <a:p>
+            <a:pPr lvl="0"/>
+            <a:r>
+              <a:rPr lang="en-US"/>
+              <a:t>Click to edit Master text styles</a:t>
+            </a:r>
+          </a:p>
+          <a:p>
+            <a:pPr lvl="1"/>
+            <a:r>
+              <a:rPr lang="en-US"/>
+              <a:t>Second level</a:t>
+            </a:r>
+          </a:p>
+          <a:p>
+            <a:pPr lvl="2"/>
+            <a:r>
+              <a:rPr lang="en-US"/>
+              <a:t>Third level</a:t>
+            </a:r>
+          </a:p>
+          <a:p>
+            <a:pPr lvl="3"/>
+            <a:r>
+              <a:rPr lang="en-US"/>
+              <a:t>Fourth level</a:t>
+            </a:r>
+          </a:p>
+          <a:p>
+            <a:pPr lvl="4"/>
+            <a:r>
+              <a:rPr lang="en-US"/>
+              <a:t>Fifth level</a:t>
+            </a:r>
+            <a:endParaRPr lang="en-US" dirty="0"/>
+          </a:p>
+        </p:txBody>
+      </p:sp>
+      <p:sp>
+        <p:nvSpPr>
+          <p:cNvPr id="4" name="Text Placeholder 3"/>
+          <p:cNvSpPr>
+            <a:spLocks noGrp="1"/>
+          </p:cNvSpPr>
+          <p:nvPr>
+            <p:ph type="body" sz="half" idx="2"/>
+          </p:nvPr>
+        </p:nvSpPr>
+        <p:spPr>
+          <a:xfrm>
+            <a:off x="677334" y="2777069"/>
+            <a:ext cx="3854528" cy="2584449"/>
           </a:xfrm>
         </p:spPr>
         <p:txBody>
@@ -2032,150 +4259,39 @@
             <a:normAutofit/>
           </a:bodyPr>
           <a:lstStyle>
-            <a:lvl1pPr>
-              <a:defRPr sz="1900">
-                <a:solidFill>
-                  <a:schemeClr val="tx1"/>
-                </a:solidFill>
-              </a:defRPr>
+            <a:lvl1pPr marL="0" indent="0">
+              <a:buNone/>
+              <a:defRPr sz="1400"/>
             </a:lvl1pPr>
-            <a:lvl2pPr>
-              <a:defRPr sz="1600">
-                <a:solidFill>
-                  <a:schemeClr val="tx1"/>
-                </a:solidFill>
-              </a:defRPr>
-            </a:lvl2pPr>
-            <a:lvl3pPr>
-              <a:defRPr sz="1600">
-                <a:solidFill>
-                  <a:schemeClr val="tx1"/>
-                </a:solidFill>
-              </a:defRPr>
-            </a:lvl3pPr>
-            <a:lvl4pPr>
-              <a:defRPr sz="1600">
-                <a:solidFill>
-                  <a:schemeClr val="tx1"/>
-                </a:solidFill>
-              </a:defRPr>
-            </a:lvl4pPr>
-            <a:lvl5pPr>
-              <a:defRPr sz="1600">
-                <a:solidFill>
-                  <a:schemeClr val="tx1"/>
-                </a:solidFill>
-              </a:defRPr>
-            </a:lvl5pPr>
-            <a:lvl6pPr>
-              <a:defRPr sz="1600"/>
-            </a:lvl6pPr>
-            <a:lvl7pPr>
-              <a:defRPr sz="1600"/>
-            </a:lvl7pPr>
-            <a:lvl8pPr>
-              <a:defRPr sz="1600"/>
-            </a:lvl8pPr>
-            <a:lvl9pPr>
-              <a:defRPr sz="1600"/>
-            </a:lvl9pPr>
-          </a:lstStyle>
-          <a:p>
-            <a:pPr lvl="0"/>
-            <a:r>
-              <a:rPr lang="en-US"/>
-              <a:t>Click to edit Master text styles</a:t>
-            </a:r>
-          </a:p>
-          <a:p>
-            <a:pPr lvl="1"/>
-            <a:r>
-              <a:rPr lang="en-US"/>
-              <a:t>Second level</a:t>
-            </a:r>
-          </a:p>
-          <a:p>
-            <a:pPr lvl="2"/>
-            <a:r>
-              <a:rPr lang="en-US"/>
-              <a:t>Third level</a:t>
-            </a:r>
-          </a:p>
-          <a:p>
-            <a:pPr lvl="3"/>
-            <a:r>
-              <a:rPr lang="en-US"/>
-              <a:t>Fourth level</a:t>
-            </a:r>
-          </a:p>
-          <a:p>
-            <a:pPr lvl="4"/>
-            <a:r>
-              <a:rPr lang="en-US"/>
-              <a:t>Fifth level</a:t>
-            </a:r>
-            <a:endParaRPr lang="en-US" dirty="0"/>
-          </a:p>
-        </p:txBody>
-      </p:sp>
-      <p:sp>
-        <p:nvSpPr>
-          <p:cNvPr id="4" name="Text Placeholder 3"/>
-          <p:cNvSpPr>
-            <a:spLocks noGrp="1"/>
-          </p:cNvSpPr>
-          <p:nvPr>
-            <p:ph type="body" sz="half" idx="2"/>
-          </p:nvPr>
-        </p:nvSpPr>
-        <p:spPr>
-          <a:xfrm>
-            <a:off x="1115568" y="3549918"/>
-            <a:ext cx="3794760" cy="2194036"/>
-          </a:xfrm>
-        </p:spPr>
-        <p:txBody>
-          <a:bodyPr anchor="t" anchorCtr="1">
-            <a:normAutofit/>
-          </a:bodyPr>
-          <a:lstStyle>
-            <a:lvl1pPr marL="0" indent="0" algn="ctr">
-              <a:buNone/>
-              <a:defRPr sz="1500">
-                <a:solidFill>
-                  <a:srgbClr val="FFFFFF"/>
-                </a:solidFill>
-              </a:defRPr>
-            </a:lvl1pPr>
-            <a:lvl2pPr marL="457200" indent="0">
+            <a:lvl2pPr marL="457063" indent="0">
               <a:buNone/>
               <a:defRPr sz="1400"/>
             </a:lvl2pPr>
-            <a:lvl3pPr marL="914400" indent="0">
+            <a:lvl3pPr marL="914126" indent="0">
               <a:buNone/>
               <a:defRPr sz="1200"/>
             </a:lvl3pPr>
-            <a:lvl4pPr marL="1371600" indent="0">
+            <a:lvl4pPr marL="1371189" indent="0">
               <a:buNone/>
               <a:defRPr sz="1000"/>
             </a:lvl4pPr>
-            <a:lvl5pPr marL="1828800" indent="0">
+            <a:lvl5pPr marL="1828251" indent="0">
               <a:buNone/>
               <a:defRPr sz="1000"/>
             </a:lvl5pPr>
-            <a:lvl6pPr marL="2286000" indent="0">
+            <a:lvl6pPr marL="2285314" indent="0">
               <a:buNone/>
               <a:defRPr sz="1000"/>
             </a:lvl6pPr>
-            <a:lvl7pPr marL="2743200" indent="0">
+            <a:lvl7pPr marL="2742377" indent="0">
               <a:buNone/>
               <a:defRPr sz="1000"/>
             </a:lvl7pPr>
-            <a:lvl8pPr marL="3200400" indent="0">
+            <a:lvl8pPr marL="3199440" indent="0">
               <a:buNone/>
               <a:defRPr sz="1000"/>
             </a:lvl8pPr>
-            <a:lvl9pPr marL="3657600" indent="0">
+            <a:lvl9pPr marL="3656503" indent="0">
               <a:buNone/>
               <a:defRPr sz="1000"/>
             </a:lvl9pPr>
@@ -2191,7 +4307,7 @@
       </p:sp>
       <p:sp>
         <p:nvSpPr>
-          <p:cNvPr id="9" name="Date Placeholder 8"/>
+          <p:cNvPr id="5" name="Date Placeholder 4"/>
           <p:cNvSpPr>
             <a:spLocks noGrp="1"/>
           </p:cNvSpPr>
@@ -2205,8 +4321,8 @@
           <a:lstStyle/>
           <a:p>
             <a:fld id="{D1BE4249-C0D0-4B06-8692-E8BB871AF643}" type="datetimeFigureOut">
-              <a:rPr lang="en-US" dirty="0"/>
-              <a:t>2/7/2020</a:t>
+              <a:rPr lang="en-US" smtClean="0"/>
+              <a:t>2/12/2020</a:t>
             </a:fld>
             <a:endParaRPr lang="en-US" dirty="0"/>
           </a:p>
@@ -2214,46 +4330,12 @@
       </p:sp>
       <p:sp>
         <p:nvSpPr>
-          <p:cNvPr id="10" name="Footer Placeholder 9"/>
+          <p:cNvPr id="6" name="Footer Placeholder 5"/>
           <p:cNvSpPr>
             <a:spLocks noGrp="1"/>
           </p:cNvSpPr>
           <p:nvPr>
             <p:ph type="ftr" sz="quarter" idx="11"/>
-          </p:nvPr>
-        </p:nvSpPr>
-        <p:spPr>
-          <a:xfrm>
-            <a:off x="804672" y="6236208"/>
-            <a:ext cx="5124797" cy="320040"/>
-          </a:xfrm>
-        </p:spPr>
-        <p:txBody>
-          <a:bodyPr/>
-          <a:lstStyle>
-            <a:lvl1pPr>
-              <a:defRPr>
-                <a:solidFill>
-                  <a:srgbClr val="FFFFFF">
-                    <a:alpha val="70000"/>
-                  </a:srgbClr>
-                </a:solidFill>
-              </a:defRPr>
-            </a:lvl1pPr>
-          </a:lstStyle>
-          <a:p>
-            <a:endParaRPr lang="en-US" dirty="0"/>
-          </a:p>
-        </p:txBody>
-      </p:sp>
-      <p:sp>
-        <p:nvSpPr>
-          <p:cNvPr id="11" name="Slide Number Placeholder 10"/>
-          <p:cNvSpPr>
-            <a:spLocks noGrp="1"/>
-          </p:cNvSpPr>
-          <p:nvPr>
-            <p:ph type="sldNum" sz="quarter" idx="12"/>
           </p:nvPr>
         </p:nvSpPr>
         <p:spPr/>
@@ -2261,8 +4343,27 @@
           <a:bodyPr/>
           <a:lstStyle/>
           <a:p>
+            <a:endParaRPr lang="en-US" dirty="0"/>
+          </a:p>
+        </p:txBody>
+      </p:sp>
+      <p:sp>
+        <p:nvSpPr>
+          <p:cNvPr id="7" name="Slide Number Placeholder 6"/>
+          <p:cNvSpPr>
+            <a:spLocks noGrp="1"/>
+          </p:cNvSpPr>
+          <p:nvPr>
+            <p:ph type="sldNum" sz="quarter" idx="12"/>
+          </p:nvPr>
+        </p:nvSpPr>
+        <p:spPr/>
+        <p:txBody>
+          <a:bodyPr/>
+          <a:lstStyle/>
+          <a:p>
             <a:fld id="{8A7A6979-0714-4377-B894-6BE4C2D6E202}" type="slidenum">
-              <a:rPr lang="en-US" dirty="0"/>
+              <a:rPr lang="en-US" smtClean="0"/>
               <a:t>‹#›</a:t>
             </a:fld>
             <a:endParaRPr lang="en-US" dirty="0"/>
@@ -2270,6 +4371,11 @@
         </p:txBody>
       </p:sp>
     </p:spTree>
+    <p:extLst>
+      <p:ext uri="{BB962C8B-B14F-4D97-AF65-F5344CB8AC3E}">
+        <p14:creationId xmlns:p14="http://schemas.microsoft.com/office/powerpoint/2010/main" val="3637419627"/>
+      </p:ext>
+    </p:extLst>
   </p:cSld>
   <p:clrMapOvr>
     <a:masterClrMapping/>
@@ -2296,77 +4402,27 @@
       </p:grpSpPr>
       <p:sp>
         <p:nvSpPr>
-          <p:cNvPr id="18" name="Rectangle 17"/>
-          <p:cNvSpPr/>
-          <p:nvPr/>
+          <p:cNvPr id="2" name="Title 1"/>
+          <p:cNvSpPr>
+            <a:spLocks noGrp="1"/>
+          </p:cNvSpPr>
+          <p:nvPr>
+            <p:ph type="title"/>
+          </p:nvPr>
         </p:nvSpPr>
         <p:spPr>
           <a:xfrm>
-            <a:off x="0" y="0"/>
-            <a:ext cx="6095999" cy="6858000"/>
+            <a:off x="677334" y="4800600"/>
+            <a:ext cx="8596667" cy="566738"/>
           </a:xfrm>
-          <a:prstGeom prst="rect">
-            <a:avLst/>
-          </a:prstGeom>
-          <a:solidFill>
-            <a:schemeClr val="accent2"/>
-          </a:solidFill>
-          <a:ln>
-            <a:noFill/>
-          </a:ln>
         </p:spPr>
-        <p:style>
-          <a:lnRef idx="2">
-            <a:schemeClr val="accent1">
-              <a:shade val="50000"/>
-            </a:schemeClr>
-          </a:lnRef>
-          <a:fillRef idx="1">
-            <a:schemeClr val="accent1"/>
-          </a:fillRef>
-          <a:effectRef idx="0">
-            <a:schemeClr val="accent1"/>
-          </a:effectRef>
-          <a:fontRef idx="minor">
-            <a:schemeClr val="lt1"/>
-          </a:fontRef>
-        </p:style>
-      </p:sp>
-      <p:sp>
-        <p:nvSpPr>
-          <p:cNvPr id="2" name="Title 1"/>
-          <p:cNvSpPr>
-            <a:spLocks noGrp="1"/>
-          </p:cNvSpPr>
-          <p:nvPr>
-            <p:ph type="title"/>
-          </p:nvPr>
-        </p:nvSpPr>
-        <p:spPr bwMode="blackWhite">
-          <a:xfrm>
-            <a:off x="808523" y="2243828"/>
-            <a:ext cx="4494998" cy="1134640"/>
-          </a:xfrm>
-          <a:solidFill>
-            <a:srgbClr val="FFFFFF"/>
-          </a:solidFill>
-          <a:ln>
-            <a:solidFill>
-              <a:srgbClr val="404040"/>
-            </a:solidFill>
-          </a:ln>
-        </p:spPr>
-        <p:txBody>
-          <a:bodyPr anchor="ctr" anchorCtr="1">
-            <a:noAutofit/>
+        <p:txBody>
+          <a:bodyPr anchor="b">
+            <a:normAutofit/>
           </a:bodyPr>
           <a:lstStyle>
-            <a:lvl1pPr>
-              <a:defRPr sz="2200">
-                <a:solidFill>
-                  <a:srgbClr val="262626"/>
-                </a:solidFill>
-              </a:defRPr>
+            <a:lvl1pPr algn="l">
+              <a:defRPr sz="2400" b="0"/>
             </a:lvl1pPr>
           </a:lstStyle>
           <a:p>
@@ -2390,134 +4446,120 @@
         </p:nvSpPr>
         <p:spPr>
           <a:xfrm>
-            <a:off x="6095999" y="0"/>
-            <a:ext cx="6102097" cy="6858000"/>
-          </a:xfrm>
-          <a:solidFill>
-            <a:schemeClr val="bg1">
-              <a:lumMod val="75000"/>
-            </a:schemeClr>
-          </a:solidFill>
-        </p:spPr>
-        <p:txBody>
-          <a:bodyPr anchor="t"/>
-          <a:lstStyle>
-            <a:lvl1pPr marL="0" indent="0">
-              <a:buNone/>
-              <a:defRPr sz="3200">
-                <a:solidFill>
-                  <a:schemeClr val="bg1">
-                    <a:lumMod val="85000"/>
-                    <a:lumOff val="15000"/>
-                  </a:schemeClr>
-                </a:solidFill>
-              </a:defRPr>
-            </a:lvl1pPr>
-            <a:lvl2pPr marL="457200" indent="0">
-              <a:buNone/>
-              <a:defRPr sz="2800"/>
-            </a:lvl2pPr>
-            <a:lvl3pPr marL="914400" indent="0">
-              <a:buNone/>
-              <a:defRPr sz="2400"/>
-            </a:lvl3pPr>
-            <a:lvl4pPr marL="1371600" indent="0">
-              <a:buNone/>
-              <a:defRPr sz="2000"/>
-            </a:lvl4pPr>
-            <a:lvl5pPr marL="1828800" indent="0">
-              <a:buNone/>
-              <a:defRPr sz="2000"/>
-            </a:lvl5pPr>
-            <a:lvl6pPr marL="2286000" indent="0">
-              <a:buNone/>
-              <a:defRPr sz="2000"/>
-            </a:lvl6pPr>
-            <a:lvl7pPr marL="2743200" indent="0">
-              <a:buNone/>
-              <a:defRPr sz="2000"/>
-            </a:lvl7pPr>
-            <a:lvl8pPr marL="3200400" indent="0">
-              <a:buNone/>
-              <a:defRPr sz="2000"/>
-            </a:lvl8pPr>
-            <a:lvl9pPr marL="3657600" indent="0">
-              <a:buNone/>
-              <a:defRPr sz="2000"/>
-            </a:lvl9pPr>
-          </a:lstStyle>
-          <a:p>
-            <a:r>
-              <a:rPr lang="en-US"/>
-              <a:t>Click icon to add picture</a:t>
-            </a:r>
-            <a:endParaRPr lang="en-US" dirty="0"/>
-          </a:p>
-        </p:txBody>
-      </p:sp>
-      <p:sp>
-        <p:nvSpPr>
-          <p:cNvPr id="4" name="Text Placeholder 3"/>
-          <p:cNvSpPr>
-            <a:spLocks noGrp="1"/>
-          </p:cNvSpPr>
-          <p:nvPr>
-            <p:ph type="body" sz="half" idx="2"/>
-          </p:nvPr>
-        </p:nvSpPr>
-        <p:spPr>
-          <a:xfrm>
-            <a:off x="1115568" y="3549918"/>
-            <a:ext cx="3794760" cy="2194037"/>
+            <a:off x="677334" y="609600"/>
+            <a:ext cx="8596668" cy="3845718"/>
           </a:xfrm>
         </p:spPr>
         <p:txBody>
-          <a:bodyPr anchor="t" anchorCtr="1">
+          <a:bodyPr anchor="t">
             <a:normAutofit/>
           </a:bodyPr>
           <a:lstStyle>
             <a:lvl1pPr marL="0" indent="0" algn="ctr">
               <a:buNone/>
-              <a:defRPr sz="1500">
-                <a:solidFill>
-                  <a:srgbClr val="FFFFFF"/>
-                </a:solidFill>
-              </a:defRPr>
+              <a:defRPr sz="1600"/>
             </a:lvl1pPr>
             <a:lvl2pPr marL="457200" indent="0">
               <a:buNone/>
-              <a:defRPr sz="1400"/>
+              <a:defRPr sz="1600"/>
             </a:lvl2pPr>
             <a:lvl3pPr marL="914400" indent="0">
               <a:buNone/>
-              <a:defRPr sz="1200"/>
+              <a:defRPr sz="1600"/>
             </a:lvl3pPr>
             <a:lvl4pPr marL="1371600" indent="0">
               <a:buNone/>
-              <a:defRPr sz="1000"/>
+              <a:defRPr sz="1600"/>
             </a:lvl4pPr>
             <a:lvl5pPr marL="1828800" indent="0">
               <a:buNone/>
-              <a:defRPr sz="1000"/>
+              <a:defRPr sz="1600"/>
             </a:lvl5pPr>
             <a:lvl6pPr marL="2286000" indent="0">
               <a:buNone/>
-              <a:defRPr sz="1000"/>
+              <a:defRPr sz="1600"/>
             </a:lvl6pPr>
             <a:lvl7pPr marL="2743200" indent="0">
               <a:buNone/>
-              <a:defRPr sz="1000"/>
+              <a:defRPr sz="1600"/>
             </a:lvl7pPr>
             <a:lvl8pPr marL="3200400" indent="0">
               <a:buNone/>
-              <a:defRPr sz="1000"/>
+              <a:defRPr sz="1600"/>
             </a:lvl8pPr>
             <a:lvl9pPr marL="3657600" indent="0">
               <a:buNone/>
-              <a:defRPr sz="1000"/>
+              <a:defRPr sz="1600"/>
             </a:lvl9pPr>
           </a:lstStyle>
           <a:p>
+            <a:r>
+              <a:rPr lang="en-US"/>
+              <a:t>Click icon to add picture</a:t>
+            </a:r>
+            <a:endParaRPr lang="en-US" dirty="0"/>
+          </a:p>
+        </p:txBody>
+      </p:sp>
+      <p:sp>
+        <p:nvSpPr>
+          <p:cNvPr id="4" name="Text Placeholder 3"/>
+          <p:cNvSpPr>
+            <a:spLocks noGrp="1"/>
+          </p:cNvSpPr>
+          <p:nvPr>
+            <p:ph type="body" sz="half" idx="2"/>
+          </p:nvPr>
+        </p:nvSpPr>
+        <p:spPr>
+          <a:xfrm>
+            <a:off x="677334" y="5367338"/>
+            <a:ext cx="8596667" cy="674024"/>
+          </a:xfrm>
+        </p:spPr>
+        <p:txBody>
+          <a:bodyPr>
+            <a:normAutofit/>
+          </a:bodyPr>
+          <a:lstStyle>
+            <a:lvl1pPr marL="0" indent="0">
+              <a:buNone/>
+              <a:defRPr sz="1200"/>
+            </a:lvl1pPr>
+            <a:lvl2pPr marL="457200" indent="0">
+              <a:buNone/>
+              <a:defRPr sz="1200"/>
+            </a:lvl2pPr>
+            <a:lvl3pPr marL="914400" indent="0">
+              <a:buNone/>
+              <a:defRPr sz="1000"/>
+            </a:lvl3pPr>
+            <a:lvl4pPr marL="1371600" indent="0">
+              <a:buNone/>
+              <a:defRPr sz="900"/>
+            </a:lvl4pPr>
+            <a:lvl5pPr marL="1828800" indent="0">
+              <a:buNone/>
+              <a:defRPr sz="900"/>
+            </a:lvl5pPr>
+            <a:lvl6pPr marL="2286000" indent="0">
+              <a:buNone/>
+              <a:defRPr sz="900"/>
+            </a:lvl6pPr>
+            <a:lvl7pPr marL="2743200" indent="0">
+              <a:buNone/>
+              <a:defRPr sz="900"/>
+            </a:lvl7pPr>
+            <a:lvl8pPr marL="3200400" indent="0">
+              <a:buNone/>
+              <a:defRPr sz="900"/>
+            </a:lvl8pPr>
+            <a:lvl9pPr marL="3657600" indent="0">
+              <a:buNone/>
+              <a:defRPr sz="900"/>
+            </a:lvl9pPr>
+          </a:lstStyle>
+          <a:p>
             <a:pPr lvl="0"/>
             <a:r>
               <a:rPr lang="en-US"/>
@@ -2528,84 +4570,12 @@
       </p:sp>
       <p:sp>
         <p:nvSpPr>
-          <p:cNvPr id="8" name="Date Placeholder 7"/>
+          <p:cNvPr id="5" name="Date Placeholder 4"/>
           <p:cNvSpPr>
             <a:spLocks noGrp="1"/>
           </p:cNvSpPr>
           <p:nvPr>
             <p:ph type="dt" sz="half" idx="10"/>
-          </p:nvPr>
-        </p:nvSpPr>
-        <p:spPr/>
-        <p:txBody>
-          <a:bodyPr/>
-          <a:lstStyle>
-            <a:lvl1pPr>
-              <a:defRPr>
-                <a:solidFill>
-                  <a:srgbClr val="FFFFFF"/>
-                </a:solidFill>
-                <a:effectLst>
-                  <a:outerShdw blurRad="50800" dist="38100" dir="2700000" algn="tl" rotWithShape="0">
-                    <a:prstClr val="black">
-                      <a:alpha val="43000"/>
-                    </a:prstClr>
-                  </a:outerShdw>
-                </a:effectLst>
-              </a:defRPr>
-            </a:lvl1pPr>
-          </a:lstStyle>
-          <a:p>
-            <a:fld id="{042B0DB6-F5C7-45FB-8CF3-31B45F9C2DAC}" type="datetimeFigureOut">
-              <a:rPr lang="en-US" dirty="0"/>
-              <a:t>2/7/2020</a:t>
-            </a:fld>
-            <a:endParaRPr lang="en-US" dirty="0"/>
-          </a:p>
-        </p:txBody>
-      </p:sp>
-      <p:sp>
-        <p:nvSpPr>
-          <p:cNvPr id="9" name="Footer Placeholder 8"/>
-          <p:cNvSpPr>
-            <a:spLocks noGrp="1"/>
-          </p:cNvSpPr>
-          <p:nvPr>
-            <p:ph type="ftr" sz="quarter" idx="11"/>
-          </p:nvPr>
-        </p:nvSpPr>
-        <p:spPr>
-          <a:xfrm>
-            <a:off x="804672" y="6236208"/>
-            <a:ext cx="5124797" cy="320040"/>
-          </a:xfrm>
-        </p:spPr>
-        <p:txBody>
-          <a:bodyPr/>
-          <a:lstStyle>
-            <a:lvl1pPr>
-              <a:defRPr>
-                <a:solidFill>
-                  <a:srgbClr val="FFFFFF">
-                    <a:alpha val="70000"/>
-                  </a:srgbClr>
-                </a:solidFill>
-              </a:defRPr>
-            </a:lvl1pPr>
-          </a:lstStyle>
-          <a:p>
-            <a:endParaRPr lang="en-US" dirty="0"/>
-          </a:p>
-        </p:txBody>
-      </p:sp>
-      <p:sp>
-        <p:nvSpPr>
-          <p:cNvPr id="10" name="Slide Number Placeholder 9"/>
-          <p:cNvSpPr>
-            <a:spLocks noGrp="1"/>
-          </p:cNvSpPr>
-          <p:nvPr>
-            <p:ph type="sldNum" sz="quarter" idx="12"/>
           </p:nvPr>
         </p:nvSpPr>
         <p:spPr/>
@@ -2613,8 +4583,50 @@
           <a:bodyPr/>
           <a:lstStyle/>
           <a:p>
+            <a:fld id="{042B0DB6-F5C7-45FB-8CF3-31B45F9C2DAC}" type="datetimeFigureOut">
+              <a:rPr lang="en-US" smtClean="0"/>
+              <a:t>2/12/2020</a:t>
+            </a:fld>
+            <a:endParaRPr lang="en-US" dirty="0"/>
+          </a:p>
+        </p:txBody>
+      </p:sp>
+      <p:sp>
+        <p:nvSpPr>
+          <p:cNvPr id="6" name="Footer Placeholder 5"/>
+          <p:cNvSpPr>
+            <a:spLocks noGrp="1"/>
+          </p:cNvSpPr>
+          <p:nvPr>
+            <p:ph type="ftr" sz="quarter" idx="11"/>
+          </p:nvPr>
+        </p:nvSpPr>
+        <p:spPr/>
+        <p:txBody>
+          <a:bodyPr/>
+          <a:lstStyle/>
+          <a:p>
+            <a:endParaRPr lang="en-US" dirty="0"/>
+          </a:p>
+        </p:txBody>
+      </p:sp>
+      <p:sp>
+        <p:nvSpPr>
+          <p:cNvPr id="7" name="Slide Number Placeholder 6"/>
+          <p:cNvSpPr>
+            <a:spLocks noGrp="1"/>
+          </p:cNvSpPr>
+          <p:nvPr>
+            <p:ph type="sldNum" sz="quarter" idx="12"/>
+          </p:nvPr>
+        </p:nvSpPr>
+        <p:spPr/>
+        <p:txBody>
+          <a:bodyPr/>
+          <a:lstStyle/>
+          <a:p>
             <a:fld id="{8A7A6979-0714-4377-B894-6BE4C2D6E202}" type="slidenum">
-              <a:rPr lang="en-US" dirty="0"/>
+              <a:rPr lang="en-US" smtClean="0"/>
               <a:t>‹#›</a:t>
             </a:fld>
             <a:endParaRPr lang="en-US" dirty="0"/>
@@ -2622,6 +4634,11 @@
         </p:txBody>
       </p:sp>
     </p:spTree>
+    <p:extLst>
+      <p:ext uri="{BB962C8B-B14F-4D97-AF65-F5344CB8AC3E}">
+        <p14:creationId xmlns:p14="http://schemas.microsoft.com/office/powerpoint/2010/main" val="2621997932"/>
+      </p:ext>
+    </p:extLst>
   </p:cSld>
   <p:clrMapOvr>
     <a:masterClrMapping/>
@@ -2633,14 +4650,9 @@
 <p:sldMaster xmlns:a="http://schemas.openxmlformats.org/drawingml/2006/main" xmlns:r="http://schemas.openxmlformats.org/officeDocument/2006/relationships" xmlns:p="http://schemas.openxmlformats.org/presentationml/2006/main">
   <p:cSld>
     <p:bg>
-      <p:bgPr>
-        <a:solidFill>
-          <a:schemeClr val="bg1">
-            <a:lumMod val="95000"/>
-          </a:schemeClr>
-        </a:solidFill>
-        <a:effectLst/>
-      </p:bgPr>
+      <p:bgRef idx="1001">
+        <a:schemeClr val="bg1"/>
+      </p:bgRef>
     </p:bg>
     <p:spTree>
       <p:nvGrpSpPr>
@@ -2656,6 +4668,536 @@
           <a:chExt cx="0" cy="0"/>
         </a:xfrm>
       </p:grpSpPr>
+      <p:grpSp>
+        <p:nvGrpSpPr>
+          <p:cNvPr id="7" name="Group 6"/>
+          <p:cNvGrpSpPr/>
+          <p:nvPr/>
+        </p:nvGrpSpPr>
+        <p:grpSpPr>
+          <a:xfrm>
+            <a:off x="0" y="-8467"/>
+            <a:ext cx="12192000" cy="6866467"/>
+            <a:chOff x="0" y="-8467"/>
+            <a:chExt cx="12192000" cy="6866467"/>
+          </a:xfrm>
+        </p:grpSpPr>
+        <p:cxnSp>
+          <p:nvCxnSpPr>
+            <p:cNvPr id="20" name="Straight Connector 19"/>
+            <p:cNvCxnSpPr/>
+            <p:nvPr/>
+          </p:nvCxnSpPr>
+          <p:spPr>
+            <a:xfrm>
+              <a:off x="9371012" y="0"/>
+              <a:ext cx="1219200" cy="6858000"/>
+            </a:xfrm>
+            <a:prstGeom prst="line">
+              <a:avLst/>
+            </a:prstGeom>
+            <a:ln w="9525">
+              <a:solidFill>
+                <a:schemeClr val="bg1">
+                  <a:lumMod val="75000"/>
+                </a:schemeClr>
+              </a:solidFill>
+            </a:ln>
+          </p:spPr>
+          <p:style>
+            <a:lnRef idx="2">
+              <a:schemeClr val="accent1"/>
+            </a:lnRef>
+            <a:fillRef idx="0">
+              <a:schemeClr val="accent1"/>
+            </a:fillRef>
+            <a:effectRef idx="1">
+              <a:schemeClr val="accent1"/>
+            </a:effectRef>
+            <a:fontRef idx="minor">
+              <a:schemeClr val="tx1"/>
+            </a:fontRef>
+          </p:style>
+        </p:cxnSp>
+        <p:cxnSp>
+          <p:nvCxnSpPr>
+            <p:cNvPr id="21" name="Straight Connector 20"/>
+            <p:cNvCxnSpPr/>
+            <p:nvPr/>
+          </p:nvCxnSpPr>
+          <p:spPr>
+            <a:xfrm flipH="1">
+              <a:off x="7425267" y="3681413"/>
+              <a:ext cx="4763558" cy="3176587"/>
+            </a:xfrm>
+            <a:prstGeom prst="line">
+              <a:avLst/>
+            </a:prstGeom>
+            <a:ln w="9525">
+              <a:solidFill>
+                <a:schemeClr val="bg1">
+                  <a:lumMod val="85000"/>
+                </a:schemeClr>
+              </a:solidFill>
+            </a:ln>
+          </p:spPr>
+          <p:style>
+            <a:lnRef idx="2">
+              <a:schemeClr val="accent1"/>
+            </a:lnRef>
+            <a:fillRef idx="0">
+              <a:schemeClr val="accent1"/>
+            </a:fillRef>
+            <a:effectRef idx="1">
+              <a:schemeClr val="accent1"/>
+            </a:effectRef>
+            <a:fontRef idx="minor">
+              <a:schemeClr val="tx1"/>
+            </a:fontRef>
+          </p:style>
+        </p:cxnSp>
+        <p:sp>
+          <p:nvSpPr>
+            <p:cNvPr id="22" name="Rectangle 23"/>
+            <p:cNvSpPr/>
+            <p:nvPr/>
+          </p:nvSpPr>
+          <p:spPr>
+            <a:xfrm>
+              <a:off x="9181476" y="-8467"/>
+              <a:ext cx="3007349" cy="6866467"/>
+            </a:xfrm>
+            <a:custGeom>
+              <a:avLst/>
+              <a:gdLst/>
+              <a:ahLst/>
+              <a:cxnLst/>
+              <a:rect l="l" t="t" r="r" b="b"/>
+              <a:pathLst>
+                <a:path w="3007349" h="6866467">
+                  <a:moveTo>
+                    <a:pt x="2045532" y="0"/>
+                  </a:moveTo>
+                  <a:lnTo>
+                    <a:pt x="3007349" y="0"/>
+                  </a:lnTo>
+                  <a:lnTo>
+                    <a:pt x="3007349" y="6866467"/>
+                  </a:lnTo>
+                  <a:lnTo>
+                    <a:pt x="0" y="6866467"/>
+                  </a:lnTo>
+                  <a:lnTo>
+                    <a:pt x="2045532" y="0"/>
+                  </a:lnTo>
+                  <a:close/>
+                </a:path>
+              </a:pathLst>
+            </a:custGeom>
+            <a:solidFill>
+              <a:schemeClr val="accent1">
+                <a:alpha val="30000"/>
+              </a:schemeClr>
+            </a:solidFill>
+            <a:ln>
+              <a:noFill/>
+            </a:ln>
+            <a:effectLst/>
+          </p:spPr>
+          <p:style>
+            <a:lnRef idx="1">
+              <a:schemeClr val="accent1"/>
+            </a:lnRef>
+            <a:fillRef idx="3">
+              <a:schemeClr val="accent1"/>
+            </a:fillRef>
+            <a:effectRef idx="2">
+              <a:schemeClr val="accent1"/>
+            </a:effectRef>
+            <a:fontRef idx="minor">
+              <a:schemeClr val="lt1"/>
+            </a:fontRef>
+          </p:style>
+        </p:sp>
+        <p:sp>
+          <p:nvSpPr>
+            <p:cNvPr id="23" name="Rectangle 25"/>
+            <p:cNvSpPr/>
+            <p:nvPr/>
+          </p:nvSpPr>
+          <p:spPr>
+            <a:xfrm>
+              <a:off x="9603442" y="-8467"/>
+              <a:ext cx="2588558" cy="6866467"/>
+            </a:xfrm>
+            <a:custGeom>
+              <a:avLst/>
+              <a:gdLst/>
+              <a:ahLst/>
+              <a:cxnLst/>
+              <a:rect l="l" t="t" r="r" b="b"/>
+              <a:pathLst>
+                <a:path w="2573311" h="6866467">
+                  <a:moveTo>
+                    <a:pt x="0" y="0"/>
+                  </a:moveTo>
+                  <a:lnTo>
+                    <a:pt x="2573311" y="0"/>
+                  </a:lnTo>
+                  <a:lnTo>
+                    <a:pt x="2573311" y="6866467"/>
+                  </a:lnTo>
+                  <a:lnTo>
+                    <a:pt x="1202336" y="6866467"/>
+                  </a:lnTo>
+                  <a:lnTo>
+                    <a:pt x="0" y="0"/>
+                  </a:lnTo>
+                  <a:close/>
+                </a:path>
+              </a:pathLst>
+            </a:custGeom>
+            <a:solidFill>
+              <a:schemeClr val="accent1">
+                <a:alpha val="20000"/>
+              </a:schemeClr>
+            </a:solidFill>
+            <a:ln>
+              <a:noFill/>
+            </a:ln>
+            <a:effectLst/>
+          </p:spPr>
+          <p:style>
+            <a:lnRef idx="1">
+              <a:schemeClr val="accent1"/>
+            </a:lnRef>
+            <a:fillRef idx="3">
+              <a:schemeClr val="accent1"/>
+            </a:fillRef>
+            <a:effectRef idx="2">
+              <a:schemeClr val="accent1"/>
+            </a:effectRef>
+            <a:fontRef idx="minor">
+              <a:schemeClr val="lt1"/>
+            </a:fontRef>
+          </p:style>
+        </p:sp>
+        <p:sp>
+          <p:nvSpPr>
+            <p:cNvPr id="24" name="Isosceles Triangle 23"/>
+            <p:cNvSpPr/>
+            <p:nvPr/>
+          </p:nvSpPr>
+          <p:spPr>
+            <a:xfrm>
+              <a:off x="8932333" y="3048000"/>
+              <a:ext cx="3259667" cy="3810000"/>
+            </a:xfrm>
+            <a:prstGeom prst="triangle">
+              <a:avLst>
+                <a:gd name="adj" fmla="val 100000"/>
+              </a:avLst>
+            </a:prstGeom>
+            <a:solidFill>
+              <a:schemeClr val="accent2">
+                <a:alpha val="72000"/>
+              </a:schemeClr>
+            </a:solidFill>
+            <a:ln>
+              <a:noFill/>
+            </a:ln>
+            <a:effectLst/>
+          </p:spPr>
+          <p:style>
+            <a:lnRef idx="1">
+              <a:schemeClr val="accent1"/>
+            </a:lnRef>
+            <a:fillRef idx="3">
+              <a:schemeClr val="accent1"/>
+            </a:fillRef>
+            <a:effectRef idx="2">
+              <a:schemeClr val="accent1"/>
+            </a:effectRef>
+            <a:fontRef idx="minor">
+              <a:schemeClr val="lt1"/>
+            </a:fontRef>
+          </p:style>
+        </p:sp>
+        <p:sp>
+          <p:nvSpPr>
+            <p:cNvPr id="25" name="Rectangle 27"/>
+            <p:cNvSpPr/>
+            <p:nvPr/>
+          </p:nvSpPr>
+          <p:spPr>
+            <a:xfrm>
+              <a:off x="9334500" y="-8467"/>
+              <a:ext cx="2854326" cy="6866467"/>
+            </a:xfrm>
+            <a:custGeom>
+              <a:avLst/>
+              <a:gdLst/>
+              <a:ahLst/>
+              <a:cxnLst/>
+              <a:rect l="l" t="t" r="r" b="b"/>
+              <a:pathLst>
+                <a:path w="2858013" h="6866467">
+                  <a:moveTo>
+                    <a:pt x="0" y="0"/>
+                  </a:moveTo>
+                  <a:lnTo>
+                    <a:pt x="2858013" y="0"/>
+                  </a:lnTo>
+                  <a:lnTo>
+                    <a:pt x="2858013" y="6866467"/>
+                  </a:lnTo>
+                  <a:lnTo>
+                    <a:pt x="2473942" y="6866467"/>
+                  </a:lnTo>
+                  <a:lnTo>
+                    <a:pt x="0" y="0"/>
+                  </a:lnTo>
+                  <a:close/>
+                </a:path>
+              </a:pathLst>
+            </a:custGeom>
+            <a:solidFill>
+              <a:schemeClr val="accent2">
+                <a:lumMod val="75000"/>
+                <a:alpha val="70000"/>
+              </a:schemeClr>
+            </a:solidFill>
+            <a:ln>
+              <a:noFill/>
+            </a:ln>
+            <a:effectLst/>
+          </p:spPr>
+          <p:style>
+            <a:lnRef idx="1">
+              <a:schemeClr val="accent1"/>
+            </a:lnRef>
+            <a:fillRef idx="3">
+              <a:schemeClr val="accent1"/>
+            </a:fillRef>
+            <a:effectRef idx="2">
+              <a:schemeClr val="accent1"/>
+            </a:effectRef>
+            <a:fontRef idx="minor">
+              <a:schemeClr val="lt1"/>
+            </a:fontRef>
+          </p:style>
+        </p:sp>
+        <p:sp>
+          <p:nvSpPr>
+            <p:cNvPr id="26" name="Rectangle 28"/>
+            <p:cNvSpPr/>
+            <p:nvPr/>
+          </p:nvSpPr>
+          <p:spPr>
+            <a:xfrm>
+              <a:off x="10898730" y="-8467"/>
+              <a:ext cx="1290094" cy="6866467"/>
+            </a:xfrm>
+            <a:custGeom>
+              <a:avLst/>
+              <a:gdLst/>
+              <a:ahLst/>
+              <a:cxnLst/>
+              <a:rect l="l" t="t" r="r" b="b"/>
+              <a:pathLst>
+                <a:path w="1290094" h="6858000">
+                  <a:moveTo>
+                    <a:pt x="1019735" y="0"/>
+                  </a:moveTo>
+                  <a:lnTo>
+                    <a:pt x="1290094" y="0"/>
+                  </a:lnTo>
+                  <a:lnTo>
+                    <a:pt x="1290094" y="6858000"/>
+                  </a:lnTo>
+                  <a:lnTo>
+                    <a:pt x="0" y="6858000"/>
+                  </a:lnTo>
+                  <a:lnTo>
+                    <a:pt x="1019735" y="0"/>
+                  </a:lnTo>
+                  <a:close/>
+                </a:path>
+              </a:pathLst>
+            </a:custGeom>
+            <a:solidFill>
+              <a:schemeClr val="accent1">
+                <a:lumMod val="60000"/>
+                <a:lumOff val="40000"/>
+                <a:alpha val="70000"/>
+              </a:schemeClr>
+            </a:solidFill>
+            <a:ln>
+              <a:noFill/>
+            </a:ln>
+            <a:effectLst/>
+          </p:spPr>
+          <p:style>
+            <a:lnRef idx="1">
+              <a:schemeClr val="accent1"/>
+            </a:lnRef>
+            <a:fillRef idx="3">
+              <a:schemeClr val="accent1"/>
+            </a:fillRef>
+            <a:effectRef idx="2">
+              <a:schemeClr val="accent1"/>
+            </a:effectRef>
+            <a:fontRef idx="minor">
+              <a:schemeClr val="lt1"/>
+            </a:fontRef>
+          </p:style>
+        </p:sp>
+        <p:sp>
+          <p:nvSpPr>
+            <p:cNvPr id="27" name="Rectangle 29"/>
+            <p:cNvSpPr/>
+            <p:nvPr/>
+          </p:nvSpPr>
+          <p:spPr>
+            <a:xfrm>
+              <a:off x="10938999" y="-8467"/>
+              <a:ext cx="1249825" cy="6866467"/>
+            </a:xfrm>
+            <a:custGeom>
+              <a:avLst/>
+              <a:gdLst/>
+              <a:ahLst/>
+              <a:cxnLst/>
+              <a:rect l="l" t="t" r="r" b="b"/>
+              <a:pathLst>
+                <a:path w="1249825" h="6858000">
+                  <a:moveTo>
+                    <a:pt x="0" y="0"/>
+                  </a:moveTo>
+                  <a:lnTo>
+                    <a:pt x="1249825" y="0"/>
+                  </a:lnTo>
+                  <a:lnTo>
+                    <a:pt x="1249825" y="6858000"/>
+                  </a:lnTo>
+                  <a:lnTo>
+                    <a:pt x="1109382" y="6858000"/>
+                  </a:lnTo>
+                  <a:lnTo>
+                    <a:pt x="0" y="0"/>
+                  </a:lnTo>
+                  <a:close/>
+                </a:path>
+              </a:pathLst>
+            </a:custGeom>
+            <a:solidFill>
+              <a:schemeClr val="accent1">
+                <a:alpha val="65000"/>
+              </a:schemeClr>
+            </a:solidFill>
+            <a:ln>
+              <a:noFill/>
+            </a:ln>
+            <a:effectLst/>
+          </p:spPr>
+          <p:style>
+            <a:lnRef idx="1">
+              <a:schemeClr val="accent1"/>
+            </a:lnRef>
+            <a:fillRef idx="3">
+              <a:schemeClr val="accent1"/>
+            </a:fillRef>
+            <a:effectRef idx="2">
+              <a:schemeClr val="accent1"/>
+            </a:effectRef>
+            <a:fontRef idx="minor">
+              <a:schemeClr val="lt1"/>
+            </a:fontRef>
+          </p:style>
+        </p:sp>
+        <p:sp>
+          <p:nvSpPr>
+            <p:cNvPr id="28" name="Isosceles Triangle 27"/>
+            <p:cNvSpPr/>
+            <p:nvPr/>
+          </p:nvSpPr>
+          <p:spPr>
+            <a:xfrm>
+              <a:off x="10371666" y="3589867"/>
+              <a:ext cx="1817159" cy="3268133"/>
+            </a:xfrm>
+            <a:prstGeom prst="triangle">
+              <a:avLst>
+                <a:gd name="adj" fmla="val 100000"/>
+              </a:avLst>
+            </a:prstGeom>
+            <a:solidFill>
+              <a:schemeClr val="accent1">
+                <a:alpha val="80000"/>
+              </a:schemeClr>
+            </a:solidFill>
+            <a:ln>
+              <a:noFill/>
+            </a:ln>
+            <a:effectLst/>
+          </p:spPr>
+          <p:style>
+            <a:lnRef idx="1">
+              <a:schemeClr val="accent1"/>
+            </a:lnRef>
+            <a:fillRef idx="3">
+              <a:schemeClr val="accent1"/>
+            </a:fillRef>
+            <a:effectRef idx="2">
+              <a:schemeClr val="accent1"/>
+            </a:effectRef>
+            <a:fontRef idx="minor">
+              <a:schemeClr val="lt1"/>
+            </a:fontRef>
+          </p:style>
+        </p:sp>
+        <p:sp>
+          <p:nvSpPr>
+            <p:cNvPr id="29" name="Isosceles Triangle 28"/>
+            <p:cNvSpPr/>
+            <p:nvPr/>
+          </p:nvSpPr>
+          <p:spPr>
+            <a:xfrm>
+              <a:off x="0" y="4013200"/>
+              <a:ext cx="448733" cy="2844800"/>
+            </a:xfrm>
+            <a:prstGeom prst="triangle">
+              <a:avLst>
+                <a:gd name="adj" fmla="val 0"/>
+              </a:avLst>
+            </a:prstGeom>
+            <a:solidFill>
+              <a:schemeClr val="accent1">
+                <a:alpha val="85000"/>
+              </a:schemeClr>
+            </a:solidFill>
+            <a:ln>
+              <a:noFill/>
+            </a:ln>
+            <a:effectLst/>
+          </p:spPr>
+          <p:style>
+            <a:lnRef idx="1">
+              <a:schemeClr val="accent1"/>
+            </a:lnRef>
+            <a:fillRef idx="3">
+              <a:schemeClr val="accent1"/>
+            </a:fillRef>
+            <a:effectRef idx="2">
+              <a:schemeClr val="accent1"/>
+            </a:effectRef>
+            <a:fontRef idx="minor">
+              <a:schemeClr val="lt1"/>
+            </a:fontRef>
+          </p:style>
+        </p:sp>
+      </p:grpSp>
       <p:sp>
         <p:nvSpPr>
           <p:cNvPr id="2" name="Title Placeholder 1"/>
@@ -2664,129 +5206,120 @@
           </p:cNvSpPr>
           <p:nvPr>
             <p:ph type="title"/>
-          </p:nvPr>
-        </p:nvSpPr>
-        <p:spPr bwMode="black">
-          <a:xfrm>
-            <a:off x="2231136" y="964692"/>
-            <a:ext cx="7729728" cy="1188720"/>
-          </a:xfrm>
-          <a:prstGeom prst="rect">
-            <a:avLst/>
-          </a:prstGeom>
-          <a:solidFill>
-            <a:srgbClr val="FFFFFF"/>
-          </a:solidFill>
-          <a:ln w="31750" cap="sq">
-            <a:solidFill>
-              <a:srgbClr val="404040"/>
-            </a:solidFill>
-            <a:miter lim="800000"/>
-          </a:ln>
-        </p:spPr>
-        <p:txBody>
-          <a:bodyPr vert="horz" lIns="182880" tIns="182880" rIns="182880" bIns="182880" rtlCol="0" anchor="ctr">
-            <a:normAutofit/>
-          </a:bodyPr>
-          <a:lstStyle/>
-          <a:p>
-            <a:r>
-              <a:rPr lang="en-US"/>
-              <a:t>Click to edit Master title style</a:t>
-            </a:r>
-            <a:endParaRPr lang="en-US" dirty="0"/>
-          </a:p>
-        </p:txBody>
-      </p:sp>
-      <p:sp>
-        <p:nvSpPr>
-          <p:cNvPr id="3" name="Text Placeholder 2"/>
-          <p:cNvSpPr>
-            <a:spLocks noGrp="1"/>
-          </p:cNvSpPr>
-          <p:nvPr>
-            <p:ph type="body" idx="1"/>
           </p:nvPr>
         </p:nvSpPr>
         <p:spPr>
           <a:xfrm>
-            <a:off x="2231136" y="2638044"/>
-            <a:ext cx="7729728" cy="3101983"/>
+            <a:off x="677334" y="609600"/>
+            <a:ext cx="8596668" cy="1320800"/>
           </a:xfrm>
           <a:prstGeom prst="rect">
             <a:avLst/>
           </a:prstGeom>
         </p:spPr>
         <p:txBody>
-          <a:bodyPr vert="horz" lIns="91440" tIns="45720" rIns="91440" bIns="45720" rtlCol="0">
+          <a:bodyPr vert="horz" lIns="91440" tIns="45720" rIns="91440" bIns="45720" rtlCol="0" anchor="t">
             <a:normAutofit/>
           </a:bodyPr>
           <a:lstStyle/>
           <a:p>
-            <a:pPr lvl="0"/>
             <a:r>
               <a:rPr lang="en-US"/>
-              <a:t>Click to edit Master text styles</a:t>
-            </a:r>
-          </a:p>
-          <a:p>
-            <a:pPr lvl="1"/>
-            <a:r>
-              <a:rPr lang="en-US"/>
-              <a:t>Second level</a:t>
-            </a:r>
-          </a:p>
-          <a:p>
-            <a:pPr lvl="2"/>
-            <a:r>
-              <a:rPr lang="en-US"/>
-              <a:t>Third level</a:t>
-            </a:r>
-          </a:p>
-          <a:p>
-            <a:pPr lvl="3"/>
-            <a:r>
-              <a:rPr lang="en-US"/>
-              <a:t>Fourth level</a:t>
-            </a:r>
-          </a:p>
-          <a:p>
-            <a:pPr lvl="4"/>
-            <a:r>
-              <a:rPr lang="en-US"/>
-              <a:t>Fifth level</a:t>
-            </a:r>
-            <a:endParaRPr lang="en-US" dirty="0"/>
-          </a:p>
-        </p:txBody>
-      </p:sp>
-      <p:sp>
-        <p:nvSpPr>
-          <p:cNvPr id="4" name="Date Placeholder 3"/>
-          <p:cNvSpPr>
-            <a:spLocks noGrp="1"/>
-          </p:cNvSpPr>
-          <p:nvPr>
-            <p:ph type="dt" sz="half" idx="2"/>
+              <a:t>Click to edit Master title style</a:t>
+            </a:r>
+            <a:endParaRPr lang="en-US" dirty="0"/>
+          </a:p>
+        </p:txBody>
+      </p:sp>
+      <p:sp>
+        <p:nvSpPr>
+          <p:cNvPr id="3" name="Text Placeholder 2"/>
+          <p:cNvSpPr>
+            <a:spLocks noGrp="1"/>
+          </p:cNvSpPr>
+          <p:nvPr>
+            <p:ph type="body" idx="1"/>
           </p:nvPr>
         </p:nvSpPr>
         <p:spPr>
           <a:xfrm>
-            <a:off x="7821429" y="6238816"/>
-            <a:ext cx="2753746" cy="323968"/>
+            <a:off x="677334" y="2160589"/>
+            <a:ext cx="8596668" cy="3880773"/>
           </a:xfrm>
           <a:prstGeom prst="rect">
             <a:avLst/>
           </a:prstGeom>
         </p:spPr>
         <p:txBody>
+          <a:bodyPr vert="horz" lIns="91440" tIns="45720" rIns="91440" bIns="45720" rtlCol="0">
+            <a:normAutofit/>
+          </a:bodyPr>
+          <a:lstStyle/>
+          <a:p>
+            <a:pPr lvl="0"/>
+            <a:r>
+              <a:rPr lang="en-US"/>
+              <a:t>Click to edit Master text styles</a:t>
+            </a:r>
+          </a:p>
+          <a:p>
+            <a:pPr lvl="1"/>
+            <a:r>
+              <a:rPr lang="en-US"/>
+              <a:t>Second level</a:t>
+            </a:r>
+          </a:p>
+          <a:p>
+            <a:pPr lvl="2"/>
+            <a:r>
+              <a:rPr lang="en-US"/>
+              <a:t>Third level</a:t>
+            </a:r>
+          </a:p>
+          <a:p>
+            <a:pPr lvl="3"/>
+            <a:r>
+              <a:rPr lang="en-US"/>
+              <a:t>Fourth level</a:t>
+            </a:r>
+          </a:p>
+          <a:p>
+            <a:pPr lvl="4"/>
+            <a:r>
+              <a:rPr lang="en-US"/>
+              <a:t>Fifth level</a:t>
+            </a:r>
+            <a:endParaRPr lang="en-US" dirty="0"/>
+          </a:p>
+        </p:txBody>
+      </p:sp>
+      <p:sp>
+        <p:nvSpPr>
+          <p:cNvPr id="4" name="Date Placeholder 3"/>
+          <p:cNvSpPr>
+            <a:spLocks noGrp="1"/>
+          </p:cNvSpPr>
+          <p:nvPr>
+            <p:ph type="dt" sz="half" idx="2"/>
+          </p:nvPr>
+        </p:nvSpPr>
+        <p:spPr>
+          <a:xfrm>
+            <a:off x="7205133" y="6041362"/>
+            <a:ext cx="911939" cy="365125"/>
+          </a:xfrm>
+          <a:prstGeom prst="rect">
+            <a:avLst/>
+          </a:prstGeom>
+        </p:spPr>
+        <p:txBody>
           <a:bodyPr vert="horz" lIns="91440" tIns="45720" rIns="91440" bIns="45720" rtlCol="0" anchor="ctr"/>
           <a:lstStyle>
             <a:lvl1pPr algn="r">
-              <a:defRPr sz="1050">
+              <a:defRPr sz="900">
                 <a:solidFill>
                   <a:schemeClr val="tx1">
-                    <a:alpha val="70000"/>
+                    <a:tint val="75000"/>
                   </a:schemeClr>
                 </a:solidFill>
               </a:defRPr>
@@ -2794,8 +5327,8 @@
           </a:lstStyle>
           <a:p>
             <a:fld id="{1160EA64-D806-43AC-9DF2-F8C432F32B4C}" type="datetimeFigureOut">
-              <a:rPr lang="en-US" dirty="0"/>
-              <a:t>2/7/2020</a:t>
+              <a:rPr lang="en-US" smtClean="0"/>
+              <a:t>2/12/2020</a:t>
             </a:fld>
             <a:endParaRPr lang="en-US" dirty="0"/>
           </a:p>
@@ -2813,8 +5346,8 @@
         </p:nvSpPr>
         <p:spPr>
           <a:xfrm>
-            <a:off x="1600200" y="6236208"/>
-            <a:ext cx="5901189" cy="320040"/>
+            <a:off x="677334" y="6041362"/>
+            <a:ext cx="6297612" cy="365125"/>
           </a:xfrm>
           <a:prstGeom prst="rect">
             <a:avLst/>
@@ -2824,10 +5357,10 @@
           <a:bodyPr vert="horz" lIns="91440" tIns="45720" rIns="91440" bIns="45720" rtlCol="0" anchor="ctr"/>
           <a:lstStyle>
             <a:lvl1pPr algn="l">
-              <a:defRPr sz="1050">
+              <a:defRPr sz="900">
                 <a:solidFill>
                   <a:schemeClr val="tx1">
-                    <a:alpha val="70000"/>
+                    <a:tint val="75000"/>
                   </a:schemeClr>
                 </a:solidFill>
               </a:defRPr>
@@ -2850,34 +5383,27 @@
         </p:nvSpPr>
         <p:spPr>
           <a:xfrm>
-            <a:off x="10758922" y="6217920"/>
-            <a:ext cx="365760" cy="365760"/>
+            <a:off x="8590663" y="6041362"/>
+            <a:ext cx="683339" cy="365125"/>
           </a:xfrm>
-          <a:prstGeom prst="ellipse">
+          <a:prstGeom prst="rect">
             <a:avLst/>
           </a:prstGeom>
-          <a:solidFill>
-            <a:srgbClr val="1D1D1D">
-              <a:alpha val="70000"/>
-            </a:srgbClr>
-          </a:solidFill>
         </p:spPr>
         <p:txBody>
-          <a:bodyPr vert="horz" lIns="18288" tIns="45720" rIns="18288" bIns="45720" rtlCol="0" anchor="ctr">
-            <a:noAutofit/>
-          </a:bodyPr>
+          <a:bodyPr vert="horz" lIns="91440" tIns="45720" rIns="91440" bIns="45720" rtlCol="0" anchor="ctr"/>
           <a:lstStyle>
-            <a:lvl1pPr algn="ctr">
-              <a:defRPr sz="1100" spc="0" baseline="0">
+            <a:lvl1pPr algn="r">
+              <a:defRPr sz="900">
                 <a:solidFill>
-                  <a:srgbClr val="FFFFFF"/>
+                  <a:schemeClr val="accent1"/>
                 </a:solidFill>
               </a:defRPr>
             </a:lvl1pPr>
           </a:lstStyle>
           <a:p>
             <a:fld id="{8A7A6979-0714-4377-B894-6BE4C2D6E202}" type="slidenum">
-              <a:rPr lang="en-US" dirty="0"/>
+              <a:rPr lang="en-US" smtClean="0"/>
               <a:pPr/>
               <a:t>‹#›</a:t>
             </a:fld>
@@ -2886,60 +5412,124 @@
         </p:txBody>
       </p:sp>
     </p:spTree>
+    <p:extLst>
+      <p:ext uri="{BB962C8B-B14F-4D97-AF65-F5344CB8AC3E}">
+        <p14:creationId xmlns:p14="http://schemas.microsoft.com/office/powerpoint/2010/main" val="2909963812"/>
+      </p:ext>
+    </p:extLst>
   </p:cSld>
   <p:clrMap bg1="lt1" tx1="dk1" bg2="lt2" tx2="dk2" accent1="accent1" accent2="accent2" accent3="accent3" accent4="accent4" accent5="accent5" accent6="accent6" hlink="hlink" folHlink="folHlink"/>
   <p:sldLayoutIdLst>
-    <p:sldLayoutId id="2147483697" r:id="rId1"/>
-    <p:sldLayoutId id="2147483698" r:id="rId2"/>
-    <p:sldLayoutId id="2147483699" r:id="rId3"/>
-    <p:sldLayoutId id="2147483700" r:id="rId4"/>
-    <p:sldLayoutId id="2147483701" r:id="rId5"/>
-    <p:sldLayoutId id="2147483702" r:id="rId6"/>
-    <p:sldLayoutId id="2147483703" r:id="rId7"/>
-    <p:sldLayoutId id="2147483704" r:id="rId8"/>
-    <p:sldLayoutId id="2147483705" r:id="rId9"/>
-    <p:sldLayoutId id="2147483706" r:id="rId10"/>
-    <p:sldLayoutId id="2147483707" r:id="rId11"/>
+    <p:sldLayoutId id="2147483709" r:id="rId1"/>
+    <p:sldLayoutId id="2147483710" r:id="rId2"/>
+    <p:sldLayoutId id="2147483711" r:id="rId3"/>
+    <p:sldLayoutId id="2147483712" r:id="rId4"/>
+    <p:sldLayoutId id="2147483713" r:id="rId5"/>
+    <p:sldLayoutId id="2147483714" r:id="rId6"/>
+    <p:sldLayoutId id="2147483715" r:id="rId7"/>
+    <p:sldLayoutId id="2147483716" r:id="rId8"/>
+    <p:sldLayoutId id="2147483717" r:id="rId9"/>
+    <p:sldLayoutId id="2147483718" r:id="rId10"/>
+    <p:sldLayoutId id="2147483719" r:id="rId11"/>
+    <p:sldLayoutId id="2147483720" r:id="rId12"/>
+    <p:sldLayoutId id="2147483721" r:id="rId13"/>
+    <p:sldLayoutId id="2147483722" r:id="rId14"/>
+    <p:sldLayoutId id="2147483723" r:id="rId15"/>
+    <p:sldLayoutId id="2147483724" r:id="rId16"/>
   </p:sldLayoutIdLst>
   <p:hf sldNum="0" hdr="0" ftr="0" dt="0"/>
   <p:txStyles>
     <p:titleStyle>
-      <a:lvl1pPr algn="ctr" defTabSz="914400" rtl="0" eaLnBrk="1" latinLnBrk="0" hangingPunct="1">
-        <a:lnSpc>
-          <a:spcPct val="90000"/>
-        </a:lnSpc>
+      <a:lvl1pPr algn="l" defTabSz="457200" rtl="0" eaLnBrk="1" latinLnBrk="0" hangingPunct="1">
         <a:spcBef>
           <a:spcPct val="0"/>
         </a:spcBef>
         <a:buNone/>
-        <a:defRPr sz="2800" kern="1200" cap="all" spc="200" baseline="0">
+        <a:defRPr sz="3600" kern="1200">
           <a:solidFill>
-            <a:srgbClr val="262626"/>
+            <a:schemeClr val="accent1"/>
           </a:solidFill>
           <a:latin typeface="+mj-lt"/>
           <a:ea typeface="+mj-ea"/>
           <a:cs typeface="+mj-cs"/>
         </a:defRPr>
       </a:lvl1pPr>
+      <a:lvl2pPr eaLnBrk="1" hangingPunct="1">
+        <a:defRPr>
+          <a:solidFill>
+            <a:schemeClr val="tx2"/>
+          </a:solidFill>
+        </a:defRPr>
+      </a:lvl2pPr>
+      <a:lvl3pPr eaLnBrk="1" hangingPunct="1">
+        <a:defRPr>
+          <a:solidFill>
+            <a:schemeClr val="tx2"/>
+          </a:solidFill>
+        </a:defRPr>
+      </a:lvl3pPr>
+      <a:lvl4pPr eaLnBrk="1" hangingPunct="1">
+        <a:defRPr>
+          <a:solidFill>
+            <a:schemeClr val="tx2"/>
+          </a:solidFill>
+        </a:defRPr>
+      </a:lvl4pPr>
+      <a:lvl5pPr eaLnBrk="1" hangingPunct="1">
+        <a:defRPr>
+          <a:solidFill>
+            <a:schemeClr val="tx2"/>
+          </a:solidFill>
+        </a:defRPr>
+      </a:lvl5pPr>
+      <a:lvl6pPr eaLnBrk="1" hangingPunct="1">
+        <a:defRPr>
+          <a:solidFill>
+            <a:schemeClr val="tx2"/>
+          </a:solidFill>
+        </a:defRPr>
+      </a:lvl6pPr>
+      <a:lvl7pPr eaLnBrk="1" hangingPunct="1">
+        <a:defRPr>
+          <a:solidFill>
+            <a:schemeClr val="tx2"/>
+          </a:solidFill>
+        </a:defRPr>
+      </a:lvl7pPr>
+      <a:lvl8pPr eaLnBrk="1" hangingPunct="1">
+        <a:defRPr>
+          <a:solidFill>
+            <a:schemeClr val="tx2"/>
+          </a:solidFill>
+        </a:defRPr>
+      </a:lvl8pPr>
+      <a:lvl9pPr eaLnBrk="1" hangingPunct="1">
+        <a:defRPr>
+          <a:solidFill>
+            <a:schemeClr val="tx2"/>
+          </a:solidFill>
+        </a:defRPr>
+      </a:lvl9pPr>
     </p:titleStyle>
     <p:bodyStyle>
-      <a:lvl1pPr marL="228600" indent="-228600" algn="l" defTabSz="914400" rtl="0" eaLnBrk="1" latinLnBrk="0" hangingPunct="1">
-        <a:lnSpc>
-          <a:spcPct val="100000"/>
-        </a:lnSpc>
+      <a:lvl1pPr marL="342900" indent="-342900" algn="l" defTabSz="457200" rtl="0" eaLnBrk="1" latinLnBrk="0" hangingPunct="1">
         <a:spcBef>
           <a:spcPts val="1000"/>
         </a:spcBef>
+        <a:spcAft>
+          <a:spcPts val="0"/>
+        </a:spcAft>
         <a:buClr>
-          <a:schemeClr val="accent2"/>
+          <a:schemeClr val="accent1"/>
         </a:buClr>
-        <a:buFont typeface="Arial" panose="020B0604020202020204" pitchFamily="34" charset="0"/>
-        <a:buChar char="•"/>
+        <a:buSzPct val="80000"/>
+        <a:buFont typeface="Wingdings 3" charset="2"/>
+        <a:buChar char=""/>
         <a:defRPr sz="1800" kern="1200">
           <a:solidFill>
             <a:schemeClr val="tx1">
-              <a:lumMod val="85000"/>
-              <a:lumOff val="15000"/>
+              <a:lumMod val="75000"/>
+              <a:lumOff val="25000"/>
             </a:schemeClr>
           </a:solidFill>
           <a:latin typeface="+mn-lt"/>
@@ -2947,23 +5537,24 @@
           <a:cs typeface="+mn-cs"/>
         </a:defRPr>
       </a:lvl1pPr>
-      <a:lvl2pPr marL="457200" indent="-228600" algn="l" defTabSz="914400" rtl="0" eaLnBrk="1" latinLnBrk="0" hangingPunct="1">
-        <a:lnSpc>
-          <a:spcPct val="100000"/>
-        </a:lnSpc>
+      <a:lvl2pPr marL="742950" indent="-285750" algn="l" defTabSz="457200" rtl="0" eaLnBrk="1" latinLnBrk="0" hangingPunct="1">
         <a:spcBef>
           <a:spcPts val="1000"/>
         </a:spcBef>
+        <a:spcAft>
+          <a:spcPts val="0"/>
+        </a:spcAft>
         <a:buClr>
-          <a:schemeClr val="accent2"/>
+          <a:schemeClr val="accent1"/>
         </a:buClr>
-        <a:buFont typeface="Arial" panose="020B0604020202020204" pitchFamily="34" charset="0"/>
-        <a:buChar char="•"/>
+        <a:buSzPct val="80000"/>
+        <a:buFont typeface="Wingdings 3" charset="2"/>
+        <a:buChar char=""/>
         <a:defRPr sz="1600" kern="1200">
           <a:solidFill>
             <a:schemeClr val="tx1">
-              <a:lumMod val="85000"/>
-              <a:lumOff val="15000"/>
+              <a:lumMod val="75000"/>
+              <a:lumOff val="25000"/>
             </a:schemeClr>
           </a:solidFill>
           <a:latin typeface="+mn-lt"/>
@@ -2971,23 +5562,24 @@
           <a:cs typeface="+mn-cs"/>
         </a:defRPr>
       </a:lvl2pPr>
-      <a:lvl3pPr marL="685800" indent="-228600" algn="l" defTabSz="914400" rtl="0" eaLnBrk="1" latinLnBrk="0" hangingPunct="1">
-        <a:lnSpc>
-          <a:spcPct val="100000"/>
-        </a:lnSpc>
+      <a:lvl3pPr marL="1143000" indent="-228600" algn="l" defTabSz="457200" rtl="0" eaLnBrk="1" latinLnBrk="0" hangingPunct="1">
         <a:spcBef>
           <a:spcPts val="1000"/>
         </a:spcBef>
+        <a:spcAft>
+          <a:spcPts val="0"/>
+        </a:spcAft>
         <a:buClr>
-          <a:schemeClr val="accent2"/>
+          <a:schemeClr val="accent1"/>
         </a:buClr>
-        <a:buFont typeface="Arial" panose="020B0604020202020204" pitchFamily="34" charset="0"/>
-        <a:buChar char="•"/>
-        <a:defRPr sz="1600" kern="1200">
+        <a:buSzPct val="80000"/>
+        <a:buFont typeface="Wingdings 3" charset="2"/>
+        <a:buChar char=""/>
+        <a:defRPr sz="1400" kern="1200">
           <a:solidFill>
             <a:schemeClr val="tx1">
-              <a:lumMod val="85000"/>
-              <a:lumOff val="15000"/>
+              <a:lumMod val="75000"/>
+              <a:lumOff val="25000"/>
             </a:schemeClr>
           </a:solidFill>
           <a:latin typeface="+mn-lt"/>
@@ -2995,23 +5587,24 @@
           <a:cs typeface="+mn-cs"/>
         </a:defRPr>
       </a:lvl3pPr>
-      <a:lvl4pPr marL="914400" indent="-228600" algn="l" defTabSz="914400" rtl="0" eaLnBrk="1" latinLnBrk="0" hangingPunct="1">
-        <a:lnSpc>
-          <a:spcPct val="100000"/>
-        </a:lnSpc>
+      <a:lvl4pPr marL="1600200" indent="-228600" algn="l" defTabSz="457200" rtl="0" eaLnBrk="1" latinLnBrk="0" hangingPunct="1">
         <a:spcBef>
           <a:spcPts val="1000"/>
         </a:spcBef>
+        <a:spcAft>
+          <a:spcPts val="0"/>
+        </a:spcAft>
         <a:buClr>
-          <a:schemeClr val="accent2"/>
+          <a:schemeClr val="accent1"/>
         </a:buClr>
-        <a:buFont typeface="Arial" panose="020B0604020202020204" pitchFamily="34" charset="0"/>
-        <a:buChar char="•"/>
-        <a:defRPr sz="1600" kern="1200">
+        <a:buSzPct val="80000"/>
+        <a:buFont typeface="Wingdings 3" charset="2"/>
+        <a:buChar char=""/>
+        <a:defRPr sz="1200" kern="1200">
           <a:solidFill>
             <a:schemeClr val="tx1">
-              <a:lumMod val="85000"/>
-              <a:lumOff val="15000"/>
+              <a:lumMod val="75000"/>
+              <a:lumOff val="25000"/>
             </a:schemeClr>
           </a:solidFill>
           <a:latin typeface="+mn-lt"/>
@@ -3019,23 +5612,24 @@
           <a:cs typeface="+mn-cs"/>
         </a:defRPr>
       </a:lvl4pPr>
-      <a:lvl5pPr marL="1143000" indent="-228600" algn="l" defTabSz="914400" rtl="0" eaLnBrk="1" latinLnBrk="0" hangingPunct="1">
-        <a:lnSpc>
-          <a:spcPct val="100000"/>
-        </a:lnSpc>
+      <a:lvl5pPr marL="2057400" indent="-228600" algn="l" defTabSz="457200" rtl="0" eaLnBrk="1" latinLnBrk="0" hangingPunct="1">
         <a:spcBef>
           <a:spcPts val="1000"/>
         </a:spcBef>
+        <a:spcAft>
+          <a:spcPts val="0"/>
+        </a:spcAft>
         <a:buClr>
-          <a:schemeClr val="accent2"/>
+          <a:schemeClr val="accent1"/>
         </a:buClr>
-        <a:buFont typeface="Arial" panose="020B0604020202020204" pitchFamily="34" charset="0"/>
-        <a:buChar char="•"/>
-        <a:defRPr sz="1600" kern="1200">
+        <a:buSzPct val="80000"/>
+        <a:buFont typeface="Wingdings 3" charset="2"/>
+        <a:buChar char=""/>
+        <a:defRPr sz="1200" kern="1200">
           <a:solidFill>
             <a:schemeClr val="tx1">
-              <a:lumMod val="85000"/>
-              <a:lumOff val="15000"/>
+              <a:lumMod val="75000"/>
+              <a:lumOff val="25000"/>
             </a:schemeClr>
           </a:solidFill>
           <a:latin typeface="+mn-lt"/>
@@ -3043,84 +5637,100 @@
           <a:cs typeface="+mn-cs"/>
         </a:defRPr>
       </a:lvl5pPr>
-      <a:lvl6pPr marL="1312863" indent="-228600" algn="l" defTabSz="914400" rtl="0" eaLnBrk="1" latinLnBrk="0" hangingPunct="1">
-        <a:lnSpc>
-          <a:spcPct val="100000"/>
-        </a:lnSpc>
+      <a:lvl6pPr marL="2514600" indent="-228600" algn="l" defTabSz="457200" rtl="0" eaLnBrk="1" latinLnBrk="0" hangingPunct="1">
         <a:spcBef>
           <a:spcPts val="1000"/>
         </a:spcBef>
+        <a:spcAft>
+          <a:spcPts val="0"/>
+        </a:spcAft>
         <a:buClr>
-          <a:schemeClr val="accent2"/>
+          <a:schemeClr val="accent1"/>
         </a:buClr>
-        <a:buFont typeface="Arial" panose="020B0604020202020204" pitchFamily="34" charset="0"/>
-        <a:buChar char="•"/>
-        <a:defRPr sz="1600" kern="1200">
+        <a:buSzPct val="80000"/>
+        <a:buFont typeface="Wingdings 3" charset="2"/>
+        <a:buChar char=""/>
+        <a:defRPr sz="1200" kern="1200">
           <a:solidFill>
-            <a:schemeClr val="tx1"/>
+            <a:schemeClr val="tx1">
+              <a:lumMod val="75000"/>
+              <a:lumOff val="25000"/>
+            </a:schemeClr>
           </a:solidFill>
           <a:latin typeface="+mn-lt"/>
           <a:ea typeface="+mn-ea"/>
           <a:cs typeface="+mn-cs"/>
         </a:defRPr>
       </a:lvl6pPr>
-      <a:lvl7pPr marL="1484313" indent="-228600" algn="l" defTabSz="914400" rtl="0" eaLnBrk="1" latinLnBrk="0" hangingPunct="1">
-        <a:lnSpc>
-          <a:spcPct val="100000"/>
-        </a:lnSpc>
+      <a:lvl7pPr marL="2971800" indent="-228600" algn="l" defTabSz="457200" rtl="0" eaLnBrk="1" latinLnBrk="0" hangingPunct="1">
         <a:spcBef>
           <a:spcPts val="1000"/>
         </a:spcBef>
+        <a:spcAft>
+          <a:spcPts val="0"/>
+        </a:spcAft>
         <a:buClr>
-          <a:schemeClr val="accent2"/>
+          <a:schemeClr val="accent1"/>
         </a:buClr>
-        <a:buFont typeface="Arial" panose="020B0604020202020204" pitchFamily="34" charset="0"/>
-        <a:buChar char="•"/>
-        <a:defRPr sz="1600" kern="1200">
+        <a:buSzPct val="80000"/>
+        <a:buFont typeface="Wingdings 3" charset="2"/>
+        <a:buChar char=""/>
+        <a:defRPr sz="1200" kern="1200">
           <a:solidFill>
-            <a:schemeClr val="tx1"/>
+            <a:schemeClr val="tx1">
+              <a:lumMod val="75000"/>
+              <a:lumOff val="25000"/>
+            </a:schemeClr>
           </a:solidFill>
           <a:latin typeface="+mn-lt"/>
           <a:ea typeface="+mn-ea"/>
           <a:cs typeface="+mn-cs"/>
         </a:defRPr>
       </a:lvl7pPr>
-      <a:lvl8pPr marL="1657350" indent="-228600" algn="l" defTabSz="914400" rtl="0" eaLnBrk="1" latinLnBrk="0" hangingPunct="1">
-        <a:lnSpc>
-          <a:spcPct val="100000"/>
-        </a:lnSpc>
+      <a:lvl8pPr marL="3429000" indent="-228600" algn="l" defTabSz="457200" rtl="0" eaLnBrk="1" latinLnBrk="0" hangingPunct="1">
         <a:spcBef>
           <a:spcPts val="1000"/>
         </a:spcBef>
+        <a:spcAft>
+          <a:spcPts val="0"/>
+        </a:spcAft>
         <a:buClr>
-          <a:schemeClr val="accent2"/>
+          <a:schemeClr val="accent1"/>
         </a:buClr>
-        <a:buFont typeface="Arial" panose="020B0604020202020204" pitchFamily="34" charset="0"/>
-        <a:buChar char="•"/>
-        <a:defRPr sz="1600" kern="1200" baseline="0">
+        <a:buSzPct val="80000"/>
+        <a:buFont typeface="Wingdings 3" charset="2"/>
+        <a:buChar char=""/>
+        <a:defRPr sz="1200" kern="1200">
           <a:solidFill>
-            <a:schemeClr val="tx1"/>
+            <a:schemeClr val="tx1">
+              <a:lumMod val="75000"/>
+              <a:lumOff val="25000"/>
+            </a:schemeClr>
           </a:solidFill>
           <a:latin typeface="+mn-lt"/>
           <a:ea typeface="+mn-ea"/>
           <a:cs typeface="+mn-cs"/>
         </a:defRPr>
       </a:lvl8pPr>
-      <a:lvl9pPr marL="1882775" indent="-228600" algn="l" defTabSz="914400" rtl="0" eaLnBrk="1" latinLnBrk="0" hangingPunct="1">
-        <a:lnSpc>
-          <a:spcPct val="100000"/>
-        </a:lnSpc>
+      <a:lvl9pPr marL="3886200" indent="-228600" algn="l" defTabSz="457200" rtl="0" eaLnBrk="1" latinLnBrk="0" hangingPunct="1">
         <a:spcBef>
           <a:spcPts val="1000"/>
         </a:spcBef>
+        <a:spcAft>
+          <a:spcPts val="0"/>
+        </a:spcAft>
         <a:buClr>
-          <a:schemeClr val="accent2"/>
+          <a:schemeClr val="accent1"/>
         </a:buClr>
-        <a:buFont typeface="Arial" panose="020B0604020202020204" pitchFamily="34" charset="0"/>
-        <a:buChar char="•"/>
-        <a:defRPr sz="1600" kern="1200" baseline="0">
+        <a:buSzPct val="80000"/>
+        <a:buFont typeface="Wingdings 3" charset="2"/>
+        <a:buChar char=""/>
+        <a:defRPr sz="1200" kern="1200">
           <a:solidFill>
-            <a:schemeClr val="tx1"/>
+            <a:schemeClr val="tx1">
+              <a:lumMod val="75000"/>
+              <a:lumOff val="25000"/>
+            </a:schemeClr>
           </a:solidFill>
           <a:latin typeface="+mn-lt"/>
           <a:ea typeface="+mn-ea"/>
@@ -3132,7 +5742,7 @@
       <a:defPPr>
         <a:defRPr lang="en-US"/>
       </a:defPPr>
-      <a:lvl1pPr marL="0" algn="l" defTabSz="914400" rtl="0" eaLnBrk="1" latinLnBrk="0" hangingPunct="1">
+      <a:lvl1pPr marL="0" algn="l" defTabSz="457200" rtl="0" eaLnBrk="1" latinLnBrk="0" hangingPunct="1">
         <a:defRPr sz="1800" kern="1200">
           <a:solidFill>
             <a:schemeClr val="tx1"/>
@@ -3142,7 +5752,7 @@
           <a:cs typeface="+mn-cs"/>
         </a:defRPr>
       </a:lvl1pPr>
-      <a:lvl2pPr marL="457200" algn="l" defTabSz="914400" rtl="0" eaLnBrk="1" latinLnBrk="0" hangingPunct="1">
+      <a:lvl2pPr marL="457200" algn="l" defTabSz="457200" rtl="0" eaLnBrk="1" latinLnBrk="0" hangingPunct="1">
         <a:defRPr sz="1800" kern="1200">
           <a:solidFill>
             <a:schemeClr val="tx1"/>
@@ -3152,7 +5762,7 @@
           <a:cs typeface="+mn-cs"/>
         </a:defRPr>
       </a:lvl2pPr>
-      <a:lvl3pPr marL="914400" algn="l" defTabSz="914400" rtl="0" eaLnBrk="1" latinLnBrk="0" hangingPunct="1">
+      <a:lvl3pPr marL="914400" algn="l" defTabSz="457200" rtl="0" eaLnBrk="1" latinLnBrk="0" hangingPunct="1">
         <a:defRPr sz="1800" kern="1200">
           <a:solidFill>
             <a:schemeClr val="tx1"/>
@@ -3162,7 +5772,7 @@
           <a:cs typeface="+mn-cs"/>
         </a:defRPr>
       </a:lvl3pPr>
-      <a:lvl4pPr marL="1371600" algn="l" defTabSz="914400" rtl="0" eaLnBrk="1" latinLnBrk="0" hangingPunct="1">
+      <a:lvl4pPr marL="1371600" algn="l" defTabSz="457200" rtl="0" eaLnBrk="1" latinLnBrk="0" hangingPunct="1">
         <a:defRPr sz="1800" kern="1200">
           <a:solidFill>
             <a:schemeClr val="tx1"/>
@@ -3172,7 +5782,7 @@
           <a:cs typeface="+mn-cs"/>
         </a:defRPr>
       </a:lvl4pPr>
-      <a:lvl5pPr marL="1828800" algn="l" defTabSz="914400" rtl="0" eaLnBrk="1" latinLnBrk="0" hangingPunct="1">
+      <a:lvl5pPr marL="1828800" algn="l" defTabSz="457200" rtl="0" eaLnBrk="1" latinLnBrk="0" hangingPunct="1">
         <a:defRPr sz="1800" kern="1200">
           <a:solidFill>
             <a:schemeClr val="tx1"/>
@@ -3182,7 +5792,7 @@
           <a:cs typeface="+mn-cs"/>
         </a:defRPr>
       </a:lvl5pPr>
-      <a:lvl6pPr marL="2286000" algn="l" defTabSz="914400" rtl="0" eaLnBrk="1" latinLnBrk="0" hangingPunct="1">
+      <a:lvl6pPr marL="2286000" algn="l" defTabSz="457200" rtl="0" eaLnBrk="1" latinLnBrk="0" hangingPunct="1">
         <a:defRPr sz="1800" kern="1200">
           <a:solidFill>
             <a:schemeClr val="tx1"/>
@@ -3192,7 +5802,7 @@
           <a:cs typeface="+mn-cs"/>
         </a:defRPr>
       </a:lvl6pPr>
-      <a:lvl7pPr marL="2743200" algn="l" defTabSz="914400" rtl="0" eaLnBrk="1" latinLnBrk="0" hangingPunct="1">
+      <a:lvl7pPr marL="2743200" algn="l" defTabSz="457200" rtl="0" eaLnBrk="1" latinLnBrk="0" hangingPunct="1">
         <a:defRPr sz="1800" kern="1200">
           <a:solidFill>
             <a:schemeClr val="tx1"/>
@@ -3202,7 +5812,7 @@
           <a:cs typeface="+mn-cs"/>
         </a:defRPr>
       </a:lvl7pPr>
-      <a:lvl8pPr marL="3200400" algn="l" defTabSz="914400" rtl="0" eaLnBrk="1" latinLnBrk="0" hangingPunct="1">
+      <a:lvl8pPr marL="3200400" algn="l" defTabSz="457200" rtl="0" eaLnBrk="1" latinLnBrk="0" hangingPunct="1">
         <a:defRPr sz="1800" kern="1200">
           <a:solidFill>
             <a:schemeClr val="tx1"/>
@@ -3212,7 +5822,7 @@
           <a:cs typeface="+mn-cs"/>
         </a:defRPr>
       </a:lvl8pPr>
-      <a:lvl9pPr marL="3657600" algn="l" defTabSz="914400" rtl="0" eaLnBrk="1" latinLnBrk="0" hangingPunct="1">
+      <a:lvl9pPr marL="3657600" algn="l" defTabSz="457200" rtl="0" eaLnBrk="1" latinLnBrk="0" hangingPunct="1">
         <a:defRPr sz="1800" kern="1200">
           <a:solidFill>
             <a:schemeClr val="tx1"/>
@@ -3288,14 +5898,25 @@
             <p:ph type="subTitle" idx="1"/>
           </p:nvPr>
         </p:nvSpPr>
-        <p:spPr/>
-        <p:txBody>
-          <a:bodyPr/>
+        <p:spPr>
+          <a:xfrm>
+            <a:off x="1507067" y="4050833"/>
+            <a:ext cx="7766936" cy="1646302"/>
+          </a:xfrm>
+        </p:spPr>
+        <p:txBody>
+          <a:bodyPr>
+            <a:normAutofit fontScale="92500" lnSpcReduction="10000"/>
+          </a:bodyPr>
           <a:lstStyle/>
           <a:p>
             <a:r>
               <a:rPr lang="en-US" dirty="0" err="1"/>
-              <a:t>Propusa</a:t>
+              <a:t>Propus</a:t>
+            </a:r>
+            <a:r>
+              <a:rPr lang="ro-RO" dirty="0"/>
+              <a:t>ă</a:t>
             </a:r>
             <a:r>
               <a:rPr lang="en-US" dirty="0"/>
@@ -3306,8 +5927,42 @@
             </a:br>
             <a:r>
               <a:rPr lang="en-US" dirty="0"/>
-              <a:t>Mihai Marius-Catalin</a:t>
-            </a:r>
+              <a:t>Mihai Marius-C</a:t>
+            </a:r>
+            <a:r>
+              <a:rPr lang="ro-RO" dirty="0"/>
+              <a:t>ă</a:t>
+            </a:r>
+            <a:r>
+              <a:rPr lang="en-US" dirty="0"/>
+              <a:t>t</a:t>
+            </a:r>
+            <a:r>
+              <a:rPr lang="ro-RO" dirty="0"/>
+              <a:t>ă</a:t>
+            </a:r>
+            <a:r>
+              <a:rPr lang="en-US" dirty="0" err="1"/>
+              <a:t>lin</a:t>
+            </a:r>
+            <a:endParaRPr lang="en-US" dirty="0"/>
+          </a:p>
+          <a:p>
+            <a:endParaRPr lang="en-US" dirty="0"/>
+          </a:p>
+          <a:p>
+            <a:r>
+              <a:rPr lang="ro-RO" b="1" dirty="0"/>
+              <a:t>Coordonator științific</a:t>
+            </a:r>
+            <a:endParaRPr lang="en-US" dirty="0"/>
+          </a:p>
+          <a:p>
+            <a:r>
+              <a:rPr lang="ro-RO" dirty="0"/>
+              <a:t>Colab. Florin Olariu </a:t>
+            </a:r>
+            <a:endParaRPr lang="en-US" dirty="0"/>
           </a:p>
         </p:txBody>
       </p:sp>
@@ -3363,9 +6018,14 @@
           <a:lstStyle/>
           <a:p>
             <a:r>
-              <a:rPr lang="en-US" dirty="0"/>
-              <a:t>Agenda</a:t>
-            </a:r>
+              <a:rPr lang="en-US" dirty="0" err="1"/>
+              <a:t>Agend</a:t>
+            </a:r>
+            <a:r>
+              <a:rPr lang="ro-RO" dirty="0"/>
+              <a:t>ă</a:t>
+            </a:r>
+            <a:endParaRPr lang="en-US" dirty="0"/>
           </a:p>
         </p:txBody>
       </p:sp>
@@ -3392,25 +6052,41 @@
           <a:p>
             <a:r>
               <a:rPr lang="en-US" dirty="0" err="1"/>
-              <a:t>Tema</a:t>
-            </a:r>
-            <a:endParaRPr lang="en-US" dirty="0"/>
-          </a:p>
-          <a:p>
-            <a:r>
-              <a:rPr lang="en-US" dirty="0" err="1"/>
-              <a:t>Motivatie</a:t>
-            </a:r>
-            <a:endParaRPr lang="en-US" dirty="0"/>
-          </a:p>
-          <a:p>
-            <a:r>
-              <a:rPr lang="en-US" dirty="0" err="1"/>
-              <a:t>Solutii</a:t>
-            </a:r>
-            <a:r>
-              <a:rPr lang="en-US" dirty="0"/>
-              <a:t> </a:t>
+              <a:t>Tem</a:t>
+            </a:r>
+            <a:r>
+              <a:rPr lang="ro-RO" dirty="0"/>
+              <a:t>ă</a:t>
+            </a:r>
+            <a:endParaRPr lang="en-US" dirty="0"/>
+          </a:p>
+          <a:p>
+            <a:r>
+              <a:rPr lang="en-US" dirty="0"/>
+              <a:t>Motiva</a:t>
+            </a:r>
+            <a:r>
+              <a:rPr lang="ro-RO" dirty="0"/>
+              <a:t>ț</a:t>
+            </a:r>
+            <a:r>
+              <a:rPr lang="en-US" dirty="0" err="1"/>
+              <a:t>ie</a:t>
+            </a:r>
+            <a:endParaRPr lang="en-US" dirty="0"/>
+          </a:p>
+          <a:p>
+            <a:r>
+              <a:rPr lang="en-US" dirty="0" err="1"/>
+              <a:t>Solu</a:t>
+            </a:r>
+            <a:r>
+              <a:rPr lang="ro-RO" dirty="0"/>
+              <a:t>ț</a:t>
+            </a:r>
+            <a:r>
+              <a:rPr lang="en-US" dirty="0"/>
+              <a:t>ii </a:t>
             </a:r>
             <a:r>
               <a:rPr lang="en-US" dirty="0" err="1"/>
@@ -3421,9 +6097,38 @@
           <a:p>
             <a:r>
               <a:rPr lang="en-US" dirty="0" err="1"/>
-              <a:t>Arhitectura</a:t>
-            </a:r>
-            <a:endParaRPr lang="en-US" dirty="0"/>
+              <a:t>Arhitectur</a:t>
+            </a:r>
+            <a:r>
+              <a:rPr lang="ro-RO" dirty="0"/>
+              <a:t>ă</a:t>
+            </a:r>
+            <a:endParaRPr lang="en-US" dirty="0"/>
+          </a:p>
+          <a:p>
+            <a:r>
+              <a:rPr lang="ro-RO" dirty="0"/>
+              <a:t>Î</a:t>
+            </a:r>
+            <a:r>
+              <a:rPr lang="en-US" dirty="0" err="1"/>
+              <a:t>ntreb</a:t>
+            </a:r>
+            <a:r>
+              <a:rPr lang="ro-RO" dirty="0"/>
+              <a:t>ă</a:t>
+            </a:r>
+            <a:r>
+              <a:rPr lang="en-US" dirty="0" err="1"/>
+              <a:t>ri</a:t>
+            </a:r>
+            <a:endParaRPr lang="en-US" dirty="0"/>
+          </a:p>
+          <a:p>
+            <a:r>
+              <a:rPr lang="en-US" dirty="0"/>
+              <a:t>Demo</a:t>
+            </a:r>
           </a:p>
         </p:txBody>
       </p:sp>
@@ -3480,7 +6185,11 @@
           <a:p>
             <a:r>
               <a:rPr lang="en-US" dirty="0" err="1"/>
-              <a:t>Tema</a:t>
+              <a:t>Tem</a:t>
+            </a:r>
+            <a:r>
+              <a:rPr lang="ro-RO" dirty="0"/>
+              <a:t>ă</a:t>
             </a:r>
             <a:endParaRPr lang="en-US" dirty="0"/>
           </a:p>
@@ -3507,7 +6216,21 @@
           <a:bodyPr/>
           <a:lstStyle/>
           <a:p>
-            <a:endParaRPr lang="en-US"/>
+            <a:r>
+              <a:rPr lang="ro-RO" dirty="0"/>
+              <a:t>În zilele noastre, datorită avansurilor tehnologice și a faptului că trăim în era informației, dorim să fim conectați constant și să avem acces la informații întru-un mod cât mai rapid, mai facil și mai centralizat. </a:t>
+            </a:r>
+            <a:endParaRPr lang="en-US" dirty="0"/>
+          </a:p>
+          <a:p>
+            <a:r>
+              <a:rPr lang="ro-RO" dirty="0"/>
+              <a:t>Ținând cont de acest aspect al cotidianului, consider că această normă a interconectării rapide și facile se aplică nu numai în viața noastră socială, cât și în ceea ce privește studiile noastre, mediul universitar fiind un candidat excelent pentru a aplica aceste noi standarde de comunicare și de transfer de informații.</a:t>
+            </a:r>
+            <a:endParaRPr lang="en-US" dirty="0"/>
+          </a:p>
+          <a:p>
+            <a:endParaRPr lang="en-US" dirty="0"/>
           </a:p>
         </p:txBody>
       </p:sp>
@@ -3563,8 +6286,16 @@
           <a:lstStyle/>
           <a:p>
             <a:r>
-              <a:rPr lang="en-US" dirty="0" err="1"/>
-              <a:t>Motivatie</a:t>
+              <a:rPr lang="en-US" dirty="0"/>
+              <a:t>Motiva</a:t>
+            </a:r>
+            <a:r>
+              <a:rPr lang="ro-RO" dirty="0"/>
+              <a:t>ț</a:t>
+            </a:r>
+            <a:r>
+              <a:rPr lang="en-US" dirty="0" err="1"/>
+              <a:t>ie</a:t>
             </a:r>
             <a:endParaRPr lang="en-US" dirty="0"/>
           </a:p>
@@ -3591,7 +6322,350 @@
           <a:bodyPr/>
           <a:lstStyle/>
           <a:p>
-            <a:endParaRPr lang="en-US"/>
+            <a:r>
+              <a:rPr lang="en-US" dirty="0"/>
+              <a:t>Student Assistant </a:t>
+            </a:r>
+            <a:r>
+              <a:rPr lang="ro-RO" dirty="0"/>
+              <a:t>îș</a:t>
+            </a:r>
+            <a:r>
+              <a:rPr lang="en-US" dirty="0" err="1"/>
+              <a:t>i</a:t>
+            </a:r>
+            <a:r>
+              <a:rPr lang="en-US" dirty="0"/>
+              <a:t> </a:t>
+            </a:r>
+            <a:r>
+              <a:rPr lang="en-US" dirty="0" err="1"/>
+              <a:t>propune</a:t>
+            </a:r>
+            <a:r>
+              <a:rPr lang="en-US" dirty="0"/>
+              <a:t> </a:t>
+            </a:r>
+            <a:r>
+              <a:rPr lang="ro-RO" dirty="0"/>
+              <a:t>î</a:t>
+            </a:r>
+            <a:r>
+              <a:rPr lang="en-US" dirty="0" err="1"/>
+              <a:t>mbun</a:t>
+            </a:r>
+            <a:r>
+              <a:rPr lang="ro-RO" dirty="0"/>
+              <a:t>ă</a:t>
+            </a:r>
+            <a:r>
+              <a:rPr lang="en-US" dirty="0"/>
+              <a:t>t</a:t>
+            </a:r>
+            <a:r>
+              <a:rPr lang="ro-RO" dirty="0"/>
+              <a:t>ăț</a:t>
+            </a:r>
+            <a:r>
+              <a:rPr lang="en-US" dirty="0" err="1"/>
+              <a:t>irea</a:t>
+            </a:r>
+            <a:r>
+              <a:rPr lang="en-US" dirty="0"/>
+              <a:t> </a:t>
+            </a:r>
+            <a:r>
+              <a:rPr lang="en-US" dirty="0" err="1"/>
+              <a:t>urm</a:t>
+            </a:r>
+            <a:r>
+              <a:rPr lang="ro-RO" dirty="0"/>
+              <a:t>ă</a:t>
+            </a:r>
+            <a:r>
+              <a:rPr lang="en-US" dirty="0" err="1"/>
+              <a:t>toarelor</a:t>
+            </a:r>
+            <a:r>
+              <a:rPr lang="en-US" dirty="0"/>
+              <a:t> </a:t>
+            </a:r>
+            <a:r>
+              <a:rPr lang="en-US" dirty="0" err="1"/>
+              <a:t>aspecte</a:t>
+            </a:r>
+            <a:r>
+              <a:rPr lang="en-US" dirty="0"/>
+              <a:t> ale </a:t>
+            </a:r>
+            <a:r>
+              <a:rPr lang="en-US" dirty="0" err="1"/>
+              <a:t>mediului</a:t>
+            </a:r>
+            <a:r>
+              <a:rPr lang="en-US" dirty="0"/>
+              <a:t> </a:t>
+            </a:r>
+            <a:r>
+              <a:rPr lang="en-US" dirty="0" err="1"/>
+              <a:t>universitar</a:t>
+            </a:r>
+            <a:r>
+              <a:rPr lang="en-US" dirty="0"/>
+              <a:t>:</a:t>
+            </a:r>
+          </a:p>
+          <a:p>
+            <a:pPr lvl="1"/>
+            <a:r>
+              <a:rPr lang="en-US" dirty="0" err="1"/>
+              <a:t>Centralizarea</a:t>
+            </a:r>
+            <a:r>
+              <a:rPr lang="en-US" dirty="0"/>
+              <a:t> </a:t>
+            </a:r>
+            <a:r>
+              <a:rPr lang="en-US" dirty="0" err="1"/>
+              <a:t>datelor</a:t>
+            </a:r>
+            <a:r>
+              <a:rPr lang="en-US" dirty="0"/>
+              <a:t> </a:t>
+            </a:r>
+            <a:r>
+              <a:rPr lang="en-US" dirty="0" err="1"/>
+              <a:t>profesorilor</a:t>
+            </a:r>
+            <a:r>
+              <a:rPr lang="en-US" dirty="0"/>
+              <a:t> </a:t>
+            </a:r>
+            <a:r>
+              <a:rPr lang="ro-RO" dirty="0"/>
+              <a:t>ș</a:t>
+            </a:r>
+            <a:r>
+              <a:rPr lang="en-US" dirty="0" err="1"/>
+              <a:t>i</a:t>
+            </a:r>
+            <a:r>
+              <a:rPr lang="en-US" dirty="0"/>
+              <a:t> ale </a:t>
+            </a:r>
+            <a:r>
+              <a:rPr lang="en-US" dirty="0" err="1"/>
+              <a:t>studen</a:t>
+            </a:r>
+            <a:r>
+              <a:rPr lang="ro-RO" dirty="0"/>
+              <a:t>ț</a:t>
+            </a:r>
+            <a:r>
+              <a:rPr lang="en-US" dirty="0" err="1"/>
+              <a:t>ilor</a:t>
+            </a:r>
+            <a:endParaRPr lang="en-US" dirty="0"/>
+          </a:p>
+          <a:p>
+            <a:pPr lvl="1"/>
+            <a:r>
+              <a:rPr lang="en-US" dirty="0" err="1"/>
+              <a:t>Facilitarea</a:t>
+            </a:r>
+            <a:r>
+              <a:rPr lang="en-US" dirty="0"/>
+              <a:t> </a:t>
+            </a:r>
+            <a:r>
+              <a:rPr lang="en-US" dirty="0" err="1"/>
+              <a:t>transmiterii</a:t>
+            </a:r>
+            <a:r>
+              <a:rPr lang="en-US" dirty="0"/>
+              <a:t> </a:t>
+            </a:r>
+            <a:r>
+              <a:rPr lang="en-US" dirty="0" err="1"/>
+              <a:t>informa</a:t>
+            </a:r>
+            <a:r>
+              <a:rPr lang="ro-RO" dirty="0"/>
+              <a:t>ț</a:t>
+            </a:r>
+            <a:r>
+              <a:rPr lang="en-US" dirty="0" err="1"/>
+              <a:t>iilor</a:t>
+            </a:r>
+            <a:r>
+              <a:rPr lang="en-US" dirty="0"/>
+              <a:t> de la </a:t>
+            </a:r>
+            <a:r>
+              <a:rPr lang="en-US" dirty="0" err="1"/>
+              <a:t>profesori</a:t>
+            </a:r>
+            <a:r>
+              <a:rPr lang="en-US" dirty="0"/>
+              <a:t> </a:t>
+            </a:r>
+            <a:r>
+              <a:rPr lang="ro-RO" dirty="0"/>
+              <a:t>ș</a:t>
+            </a:r>
+            <a:r>
+              <a:rPr lang="en-US" dirty="0" err="1"/>
+              <a:t>i</a:t>
+            </a:r>
+            <a:r>
+              <a:rPr lang="en-US" dirty="0"/>
+              <a:t> </a:t>
+            </a:r>
+            <a:r>
+              <a:rPr lang="en-US" dirty="0" err="1"/>
+              <a:t>administratori</a:t>
+            </a:r>
+            <a:r>
+              <a:rPr lang="en-US" dirty="0"/>
+              <a:t> la </a:t>
+            </a:r>
+            <a:r>
+              <a:rPr lang="en-US" dirty="0" err="1"/>
+              <a:t>studen</a:t>
+            </a:r>
+            <a:r>
+              <a:rPr lang="ro-RO" dirty="0"/>
+              <a:t>ț</a:t>
+            </a:r>
+            <a:r>
+              <a:rPr lang="en-US" dirty="0" err="1"/>
+              <a:t>i</a:t>
+            </a:r>
+            <a:endParaRPr lang="en-US" dirty="0"/>
+          </a:p>
+          <a:p>
+            <a:pPr lvl="1"/>
+            <a:r>
+              <a:rPr lang="en-US" dirty="0" err="1"/>
+              <a:t>Transmiterea</a:t>
+            </a:r>
+            <a:r>
+              <a:rPr lang="en-US" dirty="0"/>
+              <a:t> rapid</a:t>
+            </a:r>
+            <a:r>
+              <a:rPr lang="ro-RO" dirty="0"/>
+              <a:t>ă</a:t>
+            </a:r>
+            <a:r>
+              <a:rPr lang="en-US" dirty="0"/>
+              <a:t>, </a:t>
+            </a:r>
+            <a:r>
+              <a:rPr lang="ro-RO" dirty="0"/>
+              <a:t>î</a:t>
+            </a:r>
+            <a:r>
+              <a:rPr lang="en-US" dirty="0"/>
+              <a:t>n </a:t>
+            </a:r>
+            <a:r>
+              <a:rPr lang="en-US" dirty="0" err="1"/>
+              <a:t>timp</a:t>
+            </a:r>
+            <a:r>
+              <a:rPr lang="en-US" dirty="0"/>
+              <a:t> real a </a:t>
+            </a:r>
+            <a:r>
+              <a:rPr lang="en-US" dirty="0" err="1"/>
+              <a:t>informa</a:t>
+            </a:r>
+            <a:r>
+              <a:rPr lang="ro-RO" dirty="0"/>
+              <a:t>ț</a:t>
+            </a:r>
+            <a:r>
+              <a:rPr lang="en-US" dirty="0" err="1"/>
+              <a:t>iilor</a:t>
+            </a:r>
+            <a:endParaRPr lang="en-US" dirty="0"/>
+          </a:p>
+          <a:p>
+            <a:pPr lvl="1"/>
+            <a:r>
+              <a:rPr lang="en-US" dirty="0" err="1"/>
+              <a:t>Notificarea</a:t>
+            </a:r>
+            <a:r>
+              <a:rPr lang="en-US" dirty="0"/>
+              <a:t> </a:t>
+            </a:r>
+            <a:r>
+              <a:rPr lang="en-US" dirty="0" err="1"/>
+              <a:t>participan</a:t>
+            </a:r>
+            <a:r>
+              <a:rPr lang="ro-RO" dirty="0"/>
+              <a:t>ț</a:t>
+            </a:r>
+            <a:r>
+              <a:rPr lang="en-US" dirty="0" err="1"/>
+              <a:t>ilor</a:t>
+            </a:r>
+            <a:r>
+              <a:rPr lang="en-US" dirty="0"/>
+              <a:t> </a:t>
+            </a:r>
+            <a:r>
+              <a:rPr lang="ro-RO" dirty="0"/>
+              <a:t>î</a:t>
+            </a:r>
+            <a:r>
+              <a:rPr lang="en-US" dirty="0"/>
+              <a:t>n </a:t>
+            </a:r>
+            <a:r>
+              <a:rPr lang="en-US" dirty="0" err="1"/>
+              <a:t>legatur</a:t>
+            </a:r>
+            <a:r>
+              <a:rPr lang="ro-RO" dirty="0"/>
+              <a:t>ă</a:t>
+            </a:r>
+            <a:r>
+              <a:rPr lang="en-US" dirty="0"/>
+              <a:t> cu </a:t>
+            </a:r>
+            <a:r>
+              <a:rPr lang="en-US" dirty="0" err="1"/>
+              <a:t>informa</a:t>
+            </a:r>
+            <a:r>
+              <a:rPr lang="ro-RO" dirty="0"/>
+              <a:t>ț</a:t>
+            </a:r>
+            <a:r>
+              <a:rPr lang="en-US" dirty="0" err="1"/>
+              <a:t>iile</a:t>
+            </a:r>
+            <a:r>
+              <a:rPr lang="en-US" dirty="0"/>
+              <a:t> </a:t>
+            </a:r>
+            <a:r>
+              <a:rPr lang="en-US" dirty="0" err="1"/>
+              <a:t>relevante</a:t>
+            </a:r>
+            <a:r>
+              <a:rPr lang="en-US" dirty="0"/>
+              <a:t> </a:t>
+            </a:r>
+            <a:r>
+              <a:rPr lang="en-US" dirty="0" err="1"/>
+              <a:t>acestora</a:t>
+            </a:r>
+            <a:endParaRPr lang="en-US" dirty="0"/>
           </a:p>
         </p:txBody>
       </p:sp>
@@ -3648,11 +6722,15 @@
           <a:p>
             <a:r>
               <a:rPr lang="en-US" dirty="0" err="1"/>
-              <a:t>Solutii</a:t>
-            </a:r>
-            <a:r>
-              <a:rPr lang="en-US" dirty="0"/>
-              <a:t> </a:t>
+              <a:t>Solu</a:t>
+            </a:r>
+            <a:r>
+              <a:rPr lang="ro-RO" dirty="0"/>
+              <a:t>ț</a:t>
+            </a:r>
+            <a:r>
+              <a:rPr lang="en-US" dirty="0"/>
+              <a:t>ii </a:t>
             </a:r>
             <a:r>
               <a:rPr lang="en-US" dirty="0" err="1"/>
@@ -3664,10 +6742,10 @@
       </p:sp>
       <p:sp>
         <p:nvSpPr>
-          <p:cNvPr id="3" name="Content Placeholder 2">
+          <p:cNvPr id="5" name="Content Placeholder 4">
             <a:extLst>
               <a:ext uri="{FF2B5EF4-FFF2-40B4-BE49-F238E27FC236}">
-                <a16:creationId xmlns:a16="http://schemas.microsoft.com/office/drawing/2014/main" id="{E69F89A4-E9E1-4476-8DB2-8E5BC4990A9A}"/>
+                <a16:creationId xmlns:a16="http://schemas.microsoft.com/office/drawing/2014/main" id="{A1B51D95-1B4A-4487-A5E8-00762D5CB68A}"/>
               </a:ext>
             </a:extLst>
           </p:cNvPr>
@@ -3683,7 +6761,512 @@
           <a:bodyPr/>
           <a:lstStyle/>
           <a:p>
-            <a:endParaRPr lang="en-US"/>
+            <a:r>
+              <a:rPr lang="en-US" dirty="0"/>
+              <a:t>Nu </a:t>
+            </a:r>
+            <a:r>
+              <a:rPr lang="en-US" dirty="0" err="1"/>
+              <a:t>exista</a:t>
+            </a:r>
+            <a:r>
+              <a:rPr lang="en-US" dirty="0"/>
+              <a:t> </a:t>
+            </a:r>
+            <a:r>
+              <a:rPr lang="en-US" dirty="0" err="1"/>
+              <a:t>solu</a:t>
+            </a:r>
+            <a:r>
+              <a:rPr lang="ro-RO" dirty="0"/>
+              <a:t>ț</a:t>
+            </a:r>
+            <a:r>
+              <a:rPr lang="en-US" dirty="0"/>
+              <a:t>ii </a:t>
+            </a:r>
+            <a:r>
+              <a:rPr lang="en-US" dirty="0" err="1"/>
+              <a:t>existente</a:t>
+            </a:r>
+            <a:r>
+              <a:rPr lang="en-US" dirty="0"/>
+              <a:t> </a:t>
+            </a:r>
+            <a:r>
+              <a:rPr lang="en-US" dirty="0" err="1"/>
+              <a:t>ce</a:t>
+            </a:r>
+            <a:r>
+              <a:rPr lang="en-US" dirty="0"/>
+              <a:t> </a:t>
+            </a:r>
+            <a:r>
+              <a:rPr lang="en-US" dirty="0" err="1"/>
+              <a:t>ofer</a:t>
+            </a:r>
+            <a:r>
+              <a:rPr lang="ro-RO" dirty="0"/>
+              <a:t>ă</a:t>
+            </a:r>
+            <a:r>
+              <a:rPr lang="en-US" dirty="0"/>
+              <a:t> </a:t>
+            </a:r>
+            <a:r>
+              <a:rPr lang="ro-RO" dirty="0"/>
+              <a:t>î</a:t>
+            </a:r>
+            <a:r>
+              <a:rPr lang="en-US" dirty="0" err="1"/>
+              <a:t>ntreaga</a:t>
+            </a:r>
+            <a:r>
+              <a:rPr lang="en-US" dirty="0"/>
+              <a:t> paleta de </a:t>
+            </a:r>
+            <a:r>
+              <a:rPr lang="en-US" dirty="0" err="1"/>
+              <a:t>func</a:t>
+            </a:r>
+            <a:r>
+              <a:rPr lang="ro-RO" dirty="0"/>
+              <a:t>ț</a:t>
+            </a:r>
+            <a:r>
+              <a:rPr lang="en-US" dirty="0" err="1"/>
+              <a:t>ionalita</a:t>
+            </a:r>
+            <a:r>
+              <a:rPr lang="ro-RO" dirty="0"/>
+              <a:t>ț</a:t>
+            </a:r>
+            <a:r>
+              <a:rPr lang="en-US" dirty="0" err="1"/>
+              <a:t>i</a:t>
+            </a:r>
+            <a:r>
+              <a:rPr lang="en-US" dirty="0"/>
+              <a:t> integrate </a:t>
+            </a:r>
+            <a:r>
+              <a:rPr lang="ro-RO" dirty="0"/>
+              <a:t>î</a:t>
+            </a:r>
+            <a:r>
+              <a:rPr lang="en-US" dirty="0"/>
+              <a:t>n </a:t>
+            </a:r>
+            <a:r>
+              <a:rPr lang="en-US" dirty="0" err="1"/>
+              <a:t>cadrul</a:t>
+            </a:r>
+            <a:r>
+              <a:rPr lang="en-US" dirty="0"/>
+              <a:t> </a:t>
+            </a:r>
+            <a:r>
+              <a:rPr lang="en-US" dirty="0" err="1"/>
+              <a:t>aplica</a:t>
+            </a:r>
+            <a:r>
+              <a:rPr lang="ro-RO" dirty="0"/>
+              <a:t>ț</a:t>
+            </a:r>
+            <a:r>
+              <a:rPr lang="en-US" dirty="0" err="1"/>
+              <a:t>iei</a:t>
+            </a:r>
+            <a:r>
+              <a:rPr lang="en-US" dirty="0"/>
+              <a:t> Student Assistant, </a:t>
+            </a:r>
+            <a:r>
+              <a:rPr lang="ro-RO" dirty="0"/>
+              <a:t>î</a:t>
+            </a:r>
+            <a:r>
+              <a:rPr lang="en-US" dirty="0" err="1"/>
+              <a:t>nsa</a:t>
+            </a:r>
+            <a:r>
+              <a:rPr lang="en-US" dirty="0"/>
+              <a:t> </a:t>
+            </a:r>
+            <a:r>
+              <a:rPr lang="en-US" dirty="0" err="1"/>
+              <a:t>exista</a:t>
+            </a:r>
+            <a:r>
+              <a:rPr lang="en-US" dirty="0"/>
+              <a:t> </a:t>
+            </a:r>
+            <a:r>
+              <a:rPr lang="en-US" dirty="0" err="1"/>
+              <a:t>aplica</a:t>
+            </a:r>
+            <a:r>
+              <a:rPr lang="ro-RO" dirty="0"/>
+              <a:t>ț</a:t>
+            </a:r>
+            <a:r>
+              <a:rPr lang="en-US" dirty="0"/>
+              <a:t>ii </a:t>
+            </a:r>
+            <a:r>
+              <a:rPr lang="en-US" dirty="0" err="1"/>
+              <a:t>ce</a:t>
+            </a:r>
+            <a:r>
+              <a:rPr lang="en-US" dirty="0"/>
+              <a:t> </a:t>
+            </a:r>
+            <a:r>
+              <a:rPr lang="en-US" dirty="0" err="1"/>
+              <a:t>ofer</a:t>
+            </a:r>
+            <a:r>
+              <a:rPr lang="ro-RO" dirty="0"/>
+              <a:t>ă</a:t>
+            </a:r>
+            <a:r>
+              <a:rPr lang="en-US" dirty="0"/>
+              <a:t> par</a:t>
+            </a:r>
+            <a:r>
+              <a:rPr lang="ro-RO" dirty="0"/>
+              <a:t>ț</a:t>
+            </a:r>
+            <a:r>
+              <a:rPr lang="en-US" dirty="0" err="1"/>
+              <a:t>ial</a:t>
+            </a:r>
+            <a:r>
+              <a:rPr lang="en-US" dirty="0"/>
+              <a:t> </a:t>
+            </a:r>
+            <a:r>
+              <a:rPr lang="en-US" dirty="0" err="1"/>
+              <a:t>punctele</a:t>
+            </a:r>
+            <a:r>
+              <a:rPr lang="en-US" dirty="0"/>
+              <a:t> </a:t>
+            </a:r>
+            <a:r>
+              <a:rPr lang="en-US" dirty="0" err="1"/>
+              <a:t>expuse</a:t>
+            </a:r>
+            <a:r>
+              <a:rPr lang="en-US" dirty="0"/>
+              <a:t> de c</a:t>
+            </a:r>
+            <a:r>
+              <a:rPr lang="ro-RO" dirty="0"/>
+              <a:t>ă</a:t>
+            </a:r>
+            <a:r>
+              <a:rPr lang="en-US" dirty="0" err="1"/>
+              <a:t>tre</a:t>
+            </a:r>
+            <a:r>
+              <a:rPr lang="en-US" dirty="0"/>
+              <a:t> Student Assistant:</a:t>
+            </a:r>
+          </a:p>
+          <a:p>
+            <a:pPr lvl="1"/>
+            <a:r>
+              <a:rPr lang="en-US" dirty="0" err="1"/>
+              <a:t>eSims</a:t>
+            </a:r>
+            <a:r>
+              <a:rPr lang="en-US" dirty="0"/>
+              <a:t> – </a:t>
+            </a:r>
+            <a:r>
+              <a:rPr lang="en-US" dirty="0" err="1"/>
+              <a:t>Gestionarea</a:t>
+            </a:r>
+            <a:r>
+              <a:rPr lang="en-US" dirty="0"/>
+              <a:t> </a:t>
+            </a:r>
+            <a:r>
+              <a:rPr lang="en-US" dirty="0" err="1"/>
+              <a:t>situa</a:t>
+            </a:r>
+            <a:r>
+              <a:rPr lang="ro-RO" dirty="0"/>
+              <a:t>ț</a:t>
+            </a:r>
+            <a:r>
+              <a:rPr lang="en-US" dirty="0" err="1"/>
+              <a:t>iei</a:t>
+            </a:r>
+            <a:r>
+              <a:rPr lang="en-US" dirty="0"/>
+              <a:t>, a </a:t>
+            </a:r>
+            <a:r>
+              <a:rPr lang="en-US" dirty="0" err="1"/>
+              <a:t>notelor</a:t>
+            </a:r>
+            <a:r>
+              <a:rPr lang="en-US" dirty="0"/>
+              <a:t>, a </a:t>
+            </a:r>
+            <a:r>
+              <a:rPr lang="en-US" dirty="0" err="1"/>
+              <a:t>disciplinelor</a:t>
+            </a:r>
+            <a:endParaRPr lang="en-US" dirty="0"/>
+          </a:p>
+          <a:p>
+            <a:pPr lvl="1"/>
+            <a:r>
+              <a:rPr lang="en-US" dirty="0" err="1"/>
+              <a:t>WebMail</a:t>
+            </a:r>
+            <a:r>
+              <a:rPr lang="en-US" dirty="0"/>
+              <a:t> – </a:t>
+            </a:r>
+            <a:r>
+              <a:rPr lang="en-US" dirty="0" err="1"/>
+              <a:t>Transmiterea</a:t>
+            </a:r>
+            <a:r>
+              <a:rPr lang="en-US" dirty="0"/>
+              <a:t> </a:t>
+            </a:r>
+            <a:r>
+              <a:rPr lang="en-US" dirty="0" err="1"/>
+              <a:t>mesajelor</a:t>
+            </a:r>
+            <a:r>
+              <a:rPr lang="en-US" dirty="0"/>
+              <a:t> </a:t>
+            </a:r>
+            <a:r>
+              <a:rPr lang="ro-RO" dirty="0"/>
+              <a:t>ș</a:t>
+            </a:r>
+            <a:r>
+              <a:rPr lang="en-US" dirty="0" err="1"/>
+              <a:t>i</a:t>
+            </a:r>
+            <a:r>
+              <a:rPr lang="en-US" dirty="0"/>
+              <a:t> </a:t>
+            </a:r>
+            <a:r>
+              <a:rPr lang="en-US" dirty="0" err="1"/>
+              <a:t>notificarea</a:t>
+            </a:r>
+            <a:r>
+              <a:rPr lang="en-US" dirty="0"/>
+              <a:t> </a:t>
+            </a:r>
+            <a:r>
+              <a:rPr lang="en-US" dirty="0" err="1"/>
+              <a:t>studen</a:t>
+            </a:r>
+            <a:r>
+              <a:rPr lang="ro-RO" dirty="0"/>
+              <a:t>ț</a:t>
+            </a:r>
+            <a:r>
+              <a:rPr lang="en-US" dirty="0" err="1"/>
+              <a:t>ilor</a:t>
+            </a:r>
+            <a:endParaRPr lang="en-US" dirty="0"/>
+          </a:p>
+          <a:p>
+            <a:pPr lvl="1"/>
+            <a:r>
+              <a:rPr lang="en-US" dirty="0" err="1"/>
+              <a:t>Orarul</a:t>
+            </a:r>
+            <a:r>
+              <a:rPr lang="en-US" dirty="0"/>
+              <a:t> FII – </a:t>
+            </a:r>
+            <a:r>
+              <a:rPr lang="en-US" dirty="0" err="1"/>
+              <a:t>Centralizarea</a:t>
+            </a:r>
+            <a:r>
+              <a:rPr lang="en-US" dirty="0"/>
+              <a:t> </a:t>
+            </a:r>
+            <a:r>
+              <a:rPr lang="en-US" dirty="0" err="1"/>
+              <a:t>datelor</a:t>
+            </a:r>
+            <a:r>
+              <a:rPr lang="en-US" dirty="0"/>
+              <a:t> </a:t>
+            </a:r>
+            <a:r>
+              <a:rPr lang="en-US" dirty="0" err="1"/>
+              <a:t>referitoare</a:t>
+            </a:r>
+            <a:r>
+              <a:rPr lang="en-US" dirty="0"/>
+              <a:t> la </a:t>
+            </a:r>
+            <a:r>
+              <a:rPr lang="en-US" dirty="0" err="1"/>
+              <a:t>orarul</a:t>
+            </a:r>
+            <a:r>
+              <a:rPr lang="en-US" dirty="0"/>
+              <a:t> </a:t>
+            </a:r>
+            <a:r>
+              <a:rPr lang="en-US" dirty="0" err="1"/>
+              <a:t>studen</a:t>
+            </a:r>
+            <a:r>
+              <a:rPr lang="ro-RO" dirty="0"/>
+              <a:t>ț</a:t>
+            </a:r>
+            <a:r>
+              <a:rPr lang="en-US" dirty="0" err="1"/>
+              <a:t>ilor</a:t>
+            </a:r>
+            <a:r>
+              <a:rPr lang="en-US" dirty="0"/>
+              <a:t>, </a:t>
+            </a:r>
+            <a:r>
+              <a:rPr lang="en-US" dirty="0" err="1"/>
+              <a:t>cursurilor</a:t>
+            </a:r>
+            <a:r>
+              <a:rPr lang="en-US" dirty="0"/>
+              <a:t>, </a:t>
+            </a:r>
+            <a:r>
+              <a:rPr lang="en-US" dirty="0" err="1"/>
+              <a:t>profesorilor</a:t>
+            </a:r>
+            <a:endParaRPr lang="en-US" dirty="0"/>
+          </a:p>
+          <a:p>
+            <a:r>
+              <a:rPr lang="en-US" dirty="0"/>
+              <a:t>Student Assistant </a:t>
+            </a:r>
+            <a:r>
+              <a:rPr lang="en-US" dirty="0" err="1"/>
+              <a:t>dore</a:t>
+            </a:r>
+            <a:r>
+              <a:rPr lang="ro-RO" dirty="0"/>
+              <a:t>ș</a:t>
+            </a:r>
+            <a:r>
+              <a:rPr lang="en-US" dirty="0" err="1"/>
+              <a:t>te</a:t>
+            </a:r>
+            <a:r>
+              <a:rPr lang="en-US" dirty="0"/>
+              <a:t> </a:t>
+            </a:r>
+            <a:r>
+              <a:rPr lang="en-US" dirty="0" err="1"/>
+              <a:t>sa</a:t>
+            </a:r>
+            <a:r>
+              <a:rPr lang="en-US" dirty="0"/>
+              <a:t> </a:t>
+            </a:r>
+            <a:r>
+              <a:rPr lang="en-US" dirty="0" err="1"/>
+              <a:t>completeze</a:t>
+            </a:r>
+            <a:r>
+              <a:rPr lang="en-US" dirty="0"/>
+              <a:t> </a:t>
+            </a:r>
+            <a:r>
+              <a:rPr lang="en-US" dirty="0" err="1"/>
+              <a:t>aceste</a:t>
+            </a:r>
+            <a:r>
+              <a:rPr lang="en-US" dirty="0"/>
+              <a:t> </a:t>
+            </a:r>
+            <a:r>
+              <a:rPr lang="en-US" dirty="0" err="1"/>
+              <a:t>aplica</a:t>
+            </a:r>
+            <a:r>
+              <a:rPr lang="ro-RO" dirty="0"/>
+              <a:t>ț</a:t>
+            </a:r>
+            <a:r>
+              <a:rPr lang="en-US" dirty="0"/>
+              <a:t>ii, </a:t>
+            </a:r>
+            <a:r>
+              <a:rPr lang="en-US" dirty="0" err="1"/>
+              <a:t>imbunata</a:t>
+            </a:r>
+            <a:r>
+              <a:rPr lang="ro-RO" dirty="0"/>
+              <a:t>ț</a:t>
+            </a:r>
+            <a:r>
+              <a:rPr lang="en-US" dirty="0" err="1"/>
+              <a:t>ind</a:t>
+            </a:r>
+            <a:r>
+              <a:rPr lang="en-US" dirty="0"/>
+              <a:t> </a:t>
+            </a:r>
+            <a:r>
+              <a:rPr lang="en-US" dirty="0" err="1"/>
+              <a:t>experien</a:t>
+            </a:r>
+            <a:r>
+              <a:rPr lang="ro-RO" dirty="0"/>
+              <a:t>ț</a:t>
+            </a:r>
+            <a:r>
+              <a:rPr lang="en-US" dirty="0"/>
+              <a:t>a </a:t>
+            </a:r>
+            <a:r>
+              <a:rPr lang="en-US" dirty="0" err="1"/>
+              <a:t>profesorilor</a:t>
+            </a:r>
+            <a:r>
+              <a:rPr lang="en-US" dirty="0"/>
+              <a:t> </a:t>
+            </a:r>
+            <a:r>
+              <a:rPr lang="ro-RO" dirty="0"/>
+              <a:t>ș</a:t>
+            </a:r>
+            <a:r>
+              <a:rPr lang="en-US" dirty="0" err="1"/>
+              <a:t>i</a:t>
+            </a:r>
+            <a:r>
+              <a:rPr lang="en-US" dirty="0"/>
+              <a:t> a </a:t>
+            </a:r>
+            <a:r>
+              <a:rPr lang="en-US" dirty="0" err="1"/>
+              <a:t>studentilor</a:t>
+            </a:r>
+            <a:r>
+              <a:rPr lang="en-US" dirty="0"/>
+              <a:t>.</a:t>
+            </a:r>
           </a:p>
         </p:txBody>
       </p:sp>
@@ -3703,6 +7286,14 @@
 <file path=ppt/slides/slide6.xml><?xml version="1.0" encoding="utf-8"?>
 <p:sld xmlns:a="http://schemas.openxmlformats.org/drawingml/2006/main" xmlns:r="http://schemas.openxmlformats.org/officeDocument/2006/relationships" xmlns:p="http://schemas.openxmlformats.org/presentationml/2006/main">
   <p:cSld>
+    <p:bg>
+      <p:bgPr>
+        <a:solidFill>
+          <a:schemeClr val="bg1"/>
+        </a:solidFill>
+        <a:effectLst/>
+      </p:bgPr>
+    </p:bg>
     <p:spTree>
       <p:nvGrpSpPr>
         <p:cNvPr id="1" name=""/>
@@ -3717,6 +7308,746 @@
           <a:chExt cx="0" cy="0"/>
         </a:xfrm>
       </p:grpSpPr>
+      <p:grpSp>
+        <p:nvGrpSpPr>
+          <p:cNvPr id="9" name="Group 8">
+            <a:extLst>
+              <a:ext uri="{FF2B5EF4-FFF2-40B4-BE49-F238E27FC236}">
+                <a16:creationId xmlns:a16="http://schemas.microsoft.com/office/drawing/2014/main" id="{B4DE830A-B531-4A3B-96F6-0ECE88B08555}"/>
+              </a:ext>
+              <a:ext uri="{C183D7F6-B498-43B3-948B-1728B52AA6E4}">
+                <adec:decorative xmlns:adec="http://schemas.microsoft.com/office/drawing/2017/decorative" val="1"/>
+              </a:ext>
+            </a:extLst>
+          </p:cNvPr>
+          <p:cNvGrpSpPr>
+            <a:grpSpLocks noGrp="1" noUngrp="1" noRot="1" noChangeAspect="1" noMove="1" noResize="1"/>
+          </p:cNvGrpSpPr>
+          <p:nvPr>
+            <p:extLst>
+              <p:ext uri="{386F3935-93C4-4BCD-93E2-E3B085C9AB24}">
+                <p16:designElem xmlns:p16="http://schemas.microsoft.com/office/powerpoint/2015/main" val="1"/>
+              </p:ext>
+            </p:extLst>
+          </p:nvPr>
+        </p:nvGrpSpPr>
+        <p:grpSpPr>
+          <a:xfrm>
+            <a:off x="0" y="-8467"/>
+            <a:ext cx="12192000" cy="6866467"/>
+            <a:chOff x="0" y="-8467"/>
+            <a:chExt cx="12192000" cy="6866467"/>
+          </a:xfrm>
+        </p:grpSpPr>
+        <p:cxnSp>
+          <p:nvCxnSpPr>
+            <p:cNvPr id="10" name="Straight Connector 9">
+              <a:extLst>
+                <a:ext uri="{FF2B5EF4-FFF2-40B4-BE49-F238E27FC236}">
+                  <a16:creationId xmlns:a16="http://schemas.microsoft.com/office/drawing/2014/main" id="{2813DF2C-461A-4A8F-9679-A172790D1F3A}"/>
+                </a:ext>
+                <a:ext uri="{C183D7F6-B498-43B3-948B-1728B52AA6E4}">
+                  <adec:decorative xmlns:adec="http://schemas.microsoft.com/office/drawing/2017/decorative" val="1"/>
+                </a:ext>
+              </a:extLst>
+            </p:cNvPr>
+            <p:cNvCxnSpPr/>
+            <p:nvPr>
+              <p:extLst>
+                <p:ext uri="{386F3935-93C4-4BCD-93E2-E3B085C9AB24}">
+                  <p16:designElem xmlns:p16="http://schemas.microsoft.com/office/powerpoint/2015/main" val="1"/>
+                </p:ext>
+              </p:extLst>
+            </p:nvPr>
+          </p:nvCxnSpPr>
+          <p:spPr>
+            <a:xfrm>
+              <a:off x="9371012" y="0"/>
+              <a:ext cx="1219200" cy="6858000"/>
+            </a:xfrm>
+            <a:prstGeom prst="line">
+              <a:avLst/>
+            </a:prstGeom>
+            <a:ln w="9525">
+              <a:solidFill>
+                <a:schemeClr val="bg1">
+                  <a:lumMod val="75000"/>
+                </a:schemeClr>
+              </a:solidFill>
+            </a:ln>
+          </p:spPr>
+          <p:style>
+            <a:lnRef idx="2">
+              <a:schemeClr val="accent1"/>
+            </a:lnRef>
+            <a:fillRef idx="0">
+              <a:schemeClr val="accent1"/>
+            </a:fillRef>
+            <a:effectRef idx="1">
+              <a:schemeClr val="accent1"/>
+            </a:effectRef>
+            <a:fontRef idx="minor">
+              <a:schemeClr val="tx1"/>
+            </a:fontRef>
+          </p:style>
+        </p:cxnSp>
+        <p:cxnSp>
+          <p:nvCxnSpPr>
+            <p:cNvPr id="11" name="Straight Connector 10">
+              <a:extLst>
+                <a:ext uri="{FF2B5EF4-FFF2-40B4-BE49-F238E27FC236}">
+                  <a16:creationId xmlns:a16="http://schemas.microsoft.com/office/drawing/2014/main" id="{54CD3A85-C039-4249-86E4-1EB9318B5495}"/>
+                </a:ext>
+                <a:ext uri="{C183D7F6-B498-43B3-948B-1728B52AA6E4}">
+                  <adec:decorative xmlns:adec="http://schemas.microsoft.com/office/drawing/2017/decorative" val="1"/>
+                </a:ext>
+              </a:extLst>
+            </p:cNvPr>
+            <p:cNvCxnSpPr/>
+            <p:nvPr>
+              <p:extLst>
+                <p:ext uri="{386F3935-93C4-4BCD-93E2-E3B085C9AB24}">
+                  <p16:designElem xmlns:p16="http://schemas.microsoft.com/office/powerpoint/2015/main" val="1"/>
+                </p:ext>
+              </p:extLst>
+            </p:nvPr>
+          </p:nvCxnSpPr>
+          <p:spPr>
+            <a:xfrm flipH="1">
+              <a:off x="7425267" y="3681413"/>
+              <a:ext cx="4763558" cy="3176587"/>
+            </a:xfrm>
+            <a:prstGeom prst="line">
+              <a:avLst/>
+            </a:prstGeom>
+            <a:ln w="9525">
+              <a:solidFill>
+                <a:schemeClr val="bg1">
+                  <a:lumMod val="85000"/>
+                </a:schemeClr>
+              </a:solidFill>
+            </a:ln>
+          </p:spPr>
+          <p:style>
+            <a:lnRef idx="2">
+              <a:schemeClr val="accent1"/>
+            </a:lnRef>
+            <a:fillRef idx="0">
+              <a:schemeClr val="accent1"/>
+            </a:fillRef>
+            <a:effectRef idx="1">
+              <a:schemeClr val="accent1"/>
+            </a:effectRef>
+            <a:fontRef idx="minor">
+              <a:schemeClr val="tx1"/>
+            </a:fontRef>
+          </p:style>
+        </p:cxnSp>
+        <p:sp>
+          <p:nvSpPr>
+            <p:cNvPr id="12" name="Rectangle 23">
+              <a:extLst>
+                <a:ext uri="{FF2B5EF4-FFF2-40B4-BE49-F238E27FC236}">
+                  <a16:creationId xmlns:a16="http://schemas.microsoft.com/office/drawing/2014/main" id="{887EA6D2-2883-42C2-993D-094CA6D65DA3}"/>
+                </a:ext>
+                <a:ext uri="{C183D7F6-B498-43B3-948B-1728B52AA6E4}">
+                  <adec:decorative xmlns:adec="http://schemas.microsoft.com/office/drawing/2017/decorative" val="1"/>
+                </a:ext>
+              </a:extLst>
+            </p:cNvPr>
+            <p:cNvSpPr/>
+            <p:nvPr>
+              <p:extLst>
+                <p:ext uri="{386F3935-93C4-4BCD-93E2-E3B085C9AB24}">
+                  <p16:designElem xmlns:p16="http://schemas.microsoft.com/office/powerpoint/2015/main" val="1"/>
+                </p:ext>
+              </p:extLst>
+            </p:nvPr>
+          </p:nvSpPr>
+          <p:spPr>
+            <a:xfrm>
+              <a:off x="9181476" y="-8467"/>
+              <a:ext cx="3007349" cy="6866467"/>
+            </a:xfrm>
+            <a:custGeom>
+              <a:avLst/>
+              <a:gdLst/>
+              <a:ahLst/>
+              <a:cxnLst/>
+              <a:rect l="l" t="t" r="r" b="b"/>
+              <a:pathLst>
+                <a:path w="3007349" h="6866467">
+                  <a:moveTo>
+                    <a:pt x="2045532" y="0"/>
+                  </a:moveTo>
+                  <a:lnTo>
+                    <a:pt x="3007349" y="0"/>
+                  </a:lnTo>
+                  <a:lnTo>
+                    <a:pt x="3007349" y="6866467"/>
+                  </a:lnTo>
+                  <a:lnTo>
+                    <a:pt x="0" y="6866467"/>
+                  </a:lnTo>
+                  <a:lnTo>
+                    <a:pt x="2045532" y="0"/>
+                  </a:lnTo>
+                  <a:close/>
+                </a:path>
+              </a:pathLst>
+            </a:custGeom>
+            <a:solidFill>
+              <a:schemeClr val="accent1">
+                <a:alpha val="30000"/>
+              </a:schemeClr>
+            </a:solidFill>
+            <a:ln>
+              <a:noFill/>
+            </a:ln>
+            <a:effectLst/>
+          </p:spPr>
+          <p:style>
+            <a:lnRef idx="1">
+              <a:schemeClr val="accent1"/>
+            </a:lnRef>
+            <a:fillRef idx="3">
+              <a:schemeClr val="accent1"/>
+            </a:fillRef>
+            <a:effectRef idx="2">
+              <a:schemeClr val="accent1"/>
+            </a:effectRef>
+            <a:fontRef idx="minor">
+              <a:schemeClr val="lt1"/>
+            </a:fontRef>
+          </p:style>
+        </p:sp>
+        <p:sp>
+          <p:nvSpPr>
+            <p:cNvPr id="13" name="Rectangle 25">
+              <a:extLst>
+                <a:ext uri="{FF2B5EF4-FFF2-40B4-BE49-F238E27FC236}">
+                  <a16:creationId xmlns:a16="http://schemas.microsoft.com/office/drawing/2014/main" id="{3B895046-636F-4D1B-ACA4-29AA0CB3329F}"/>
+                </a:ext>
+                <a:ext uri="{C183D7F6-B498-43B3-948B-1728B52AA6E4}">
+                  <adec:decorative xmlns:adec="http://schemas.microsoft.com/office/drawing/2017/decorative" val="1"/>
+                </a:ext>
+              </a:extLst>
+            </p:cNvPr>
+            <p:cNvSpPr/>
+            <p:nvPr>
+              <p:extLst>
+                <p:ext uri="{386F3935-93C4-4BCD-93E2-E3B085C9AB24}">
+                  <p16:designElem xmlns:p16="http://schemas.microsoft.com/office/powerpoint/2015/main" val="1"/>
+                </p:ext>
+              </p:extLst>
+            </p:nvPr>
+          </p:nvSpPr>
+          <p:spPr>
+            <a:xfrm>
+              <a:off x="9603442" y="-8467"/>
+              <a:ext cx="2588558" cy="6866467"/>
+            </a:xfrm>
+            <a:custGeom>
+              <a:avLst/>
+              <a:gdLst/>
+              <a:ahLst/>
+              <a:cxnLst/>
+              <a:rect l="l" t="t" r="r" b="b"/>
+              <a:pathLst>
+                <a:path w="2573311" h="6866467">
+                  <a:moveTo>
+                    <a:pt x="0" y="0"/>
+                  </a:moveTo>
+                  <a:lnTo>
+                    <a:pt x="2573311" y="0"/>
+                  </a:lnTo>
+                  <a:lnTo>
+                    <a:pt x="2573311" y="6866467"/>
+                  </a:lnTo>
+                  <a:lnTo>
+                    <a:pt x="1202336" y="6866467"/>
+                  </a:lnTo>
+                  <a:lnTo>
+                    <a:pt x="0" y="0"/>
+                  </a:lnTo>
+                  <a:close/>
+                </a:path>
+              </a:pathLst>
+            </a:custGeom>
+            <a:solidFill>
+              <a:schemeClr val="accent1">
+                <a:alpha val="20000"/>
+              </a:schemeClr>
+            </a:solidFill>
+            <a:ln>
+              <a:noFill/>
+            </a:ln>
+            <a:effectLst/>
+          </p:spPr>
+          <p:style>
+            <a:lnRef idx="1">
+              <a:schemeClr val="accent1"/>
+            </a:lnRef>
+            <a:fillRef idx="3">
+              <a:schemeClr val="accent1"/>
+            </a:fillRef>
+            <a:effectRef idx="2">
+              <a:schemeClr val="accent1"/>
+            </a:effectRef>
+            <a:fontRef idx="minor">
+              <a:schemeClr val="lt1"/>
+            </a:fontRef>
+          </p:style>
+        </p:sp>
+        <p:sp>
+          <p:nvSpPr>
+            <p:cNvPr id="14" name="Isosceles Triangle 13">
+              <a:extLst>
+                <a:ext uri="{FF2B5EF4-FFF2-40B4-BE49-F238E27FC236}">
+                  <a16:creationId xmlns:a16="http://schemas.microsoft.com/office/drawing/2014/main" id="{C6B0CDE3-E054-4EDD-A43B-F96843D8BF51}"/>
+                </a:ext>
+                <a:ext uri="{C183D7F6-B498-43B3-948B-1728B52AA6E4}">
+                  <adec:decorative xmlns:adec="http://schemas.microsoft.com/office/drawing/2017/decorative" val="1"/>
+                </a:ext>
+              </a:extLst>
+            </p:cNvPr>
+            <p:cNvSpPr/>
+            <p:nvPr>
+              <p:extLst>
+                <p:ext uri="{386F3935-93C4-4BCD-93E2-E3B085C9AB24}">
+                  <p16:designElem xmlns:p16="http://schemas.microsoft.com/office/powerpoint/2015/main" val="1"/>
+                </p:ext>
+              </p:extLst>
+            </p:nvPr>
+          </p:nvSpPr>
+          <p:spPr>
+            <a:xfrm>
+              <a:off x="8932333" y="3048000"/>
+              <a:ext cx="3259667" cy="3810000"/>
+            </a:xfrm>
+            <a:prstGeom prst="triangle">
+              <a:avLst>
+                <a:gd name="adj" fmla="val 100000"/>
+              </a:avLst>
+            </a:prstGeom>
+            <a:solidFill>
+              <a:schemeClr val="accent2">
+                <a:alpha val="72000"/>
+              </a:schemeClr>
+            </a:solidFill>
+            <a:ln>
+              <a:noFill/>
+            </a:ln>
+            <a:effectLst/>
+          </p:spPr>
+          <p:style>
+            <a:lnRef idx="1">
+              <a:schemeClr val="accent1"/>
+            </a:lnRef>
+            <a:fillRef idx="3">
+              <a:schemeClr val="accent1"/>
+            </a:fillRef>
+            <a:effectRef idx="2">
+              <a:schemeClr val="accent1"/>
+            </a:effectRef>
+            <a:fontRef idx="minor">
+              <a:schemeClr val="lt1"/>
+            </a:fontRef>
+          </p:style>
+        </p:sp>
+        <p:sp>
+          <p:nvSpPr>
+            <p:cNvPr id="15" name="Rectangle 27">
+              <a:extLst>
+                <a:ext uri="{FF2B5EF4-FFF2-40B4-BE49-F238E27FC236}">
+                  <a16:creationId xmlns:a16="http://schemas.microsoft.com/office/drawing/2014/main" id="{3B66B1A2-F145-4C9B-85CC-4BF30D58CBC5}"/>
+                </a:ext>
+                <a:ext uri="{C183D7F6-B498-43B3-948B-1728B52AA6E4}">
+                  <adec:decorative xmlns:adec="http://schemas.microsoft.com/office/drawing/2017/decorative" val="1"/>
+                </a:ext>
+              </a:extLst>
+            </p:cNvPr>
+            <p:cNvSpPr/>
+            <p:nvPr>
+              <p:extLst>
+                <p:ext uri="{386F3935-93C4-4BCD-93E2-E3B085C9AB24}">
+                  <p16:designElem xmlns:p16="http://schemas.microsoft.com/office/powerpoint/2015/main" val="1"/>
+                </p:ext>
+              </p:extLst>
+            </p:nvPr>
+          </p:nvSpPr>
+          <p:spPr>
+            <a:xfrm>
+              <a:off x="9334500" y="-8467"/>
+              <a:ext cx="2854326" cy="6866467"/>
+            </a:xfrm>
+            <a:custGeom>
+              <a:avLst/>
+              <a:gdLst/>
+              <a:ahLst/>
+              <a:cxnLst/>
+              <a:rect l="l" t="t" r="r" b="b"/>
+              <a:pathLst>
+                <a:path w="2858013" h="6866467">
+                  <a:moveTo>
+                    <a:pt x="0" y="0"/>
+                  </a:moveTo>
+                  <a:lnTo>
+                    <a:pt x="2858013" y="0"/>
+                  </a:lnTo>
+                  <a:lnTo>
+                    <a:pt x="2858013" y="6866467"/>
+                  </a:lnTo>
+                  <a:lnTo>
+                    <a:pt x="2473942" y="6866467"/>
+                  </a:lnTo>
+                  <a:lnTo>
+                    <a:pt x="0" y="0"/>
+                  </a:lnTo>
+                  <a:close/>
+                </a:path>
+              </a:pathLst>
+            </a:custGeom>
+            <a:solidFill>
+              <a:schemeClr val="accent2">
+                <a:lumMod val="75000"/>
+                <a:alpha val="70000"/>
+              </a:schemeClr>
+            </a:solidFill>
+            <a:ln>
+              <a:noFill/>
+            </a:ln>
+            <a:effectLst/>
+          </p:spPr>
+          <p:style>
+            <a:lnRef idx="1">
+              <a:schemeClr val="accent1"/>
+            </a:lnRef>
+            <a:fillRef idx="3">
+              <a:schemeClr val="accent1"/>
+            </a:fillRef>
+            <a:effectRef idx="2">
+              <a:schemeClr val="accent1"/>
+            </a:effectRef>
+            <a:fontRef idx="minor">
+              <a:schemeClr val="lt1"/>
+            </a:fontRef>
+          </p:style>
+        </p:sp>
+        <p:sp>
+          <p:nvSpPr>
+            <p:cNvPr id="16" name="Rectangle 28">
+              <a:extLst>
+                <a:ext uri="{FF2B5EF4-FFF2-40B4-BE49-F238E27FC236}">
+                  <a16:creationId xmlns:a16="http://schemas.microsoft.com/office/drawing/2014/main" id="{5D4FC972-94B3-4035-8D31-E668C132B411}"/>
+                </a:ext>
+                <a:ext uri="{C183D7F6-B498-43B3-948B-1728B52AA6E4}">
+                  <adec:decorative xmlns:adec="http://schemas.microsoft.com/office/drawing/2017/decorative" val="1"/>
+                </a:ext>
+              </a:extLst>
+            </p:cNvPr>
+            <p:cNvSpPr/>
+            <p:nvPr>
+              <p:extLst>
+                <p:ext uri="{386F3935-93C4-4BCD-93E2-E3B085C9AB24}">
+                  <p16:designElem xmlns:p16="http://schemas.microsoft.com/office/powerpoint/2015/main" val="1"/>
+                </p:ext>
+              </p:extLst>
+            </p:nvPr>
+          </p:nvSpPr>
+          <p:spPr>
+            <a:xfrm>
+              <a:off x="10898730" y="-8467"/>
+              <a:ext cx="1290094" cy="6866467"/>
+            </a:xfrm>
+            <a:custGeom>
+              <a:avLst/>
+              <a:gdLst/>
+              <a:ahLst/>
+              <a:cxnLst/>
+              <a:rect l="l" t="t" r="r" b="b"/>
+              <a:pathLst>
+                <a:path w="1290094" h="6858000">
+                  <a:moveTo>
+                    <a:pt x="1019735" y="0"/>
+                  </a:moveTo>
+                  <a:lnTo>
+                    <a:pt x="1290094" y="0"/>
+                  </a:lnTo>
+                  <a:lnTo>
+                    <a:pt x="1290094" y="6858000"/>
+                  </a:lnTo>
+                  <a:lnTo>
+                    <a:pt x="0" y="6858000"/>
+                  </a:lnTo>
+                  <a:lnTo>
+                    <a:pt x="1019735" y="0"/>
+                  </a:lnTo>
+                  <a:close/>
+                </a:path>
+              </a:pathLst>
+            </a:custGeom>
+            <a:solidFill>
+              <a:schemeClr val="accent1">
+                <a:lumMod val="60000"/>
+                <a:lumOff val="40000"/>
+                <a:alpha val="70000"/>
+              </a:schemeClr>
+            </a:solidFill>
+            <a:ln>
+              <a:noFill/>
+            </a:ln>
+            <a:effectLst/>
+          </p:spPr>
+          <p:style>
+            <a:lnRef idx="1">
+              <a:schemeClr val="accent1"/>
+            </a:lnRef>
+            <a:fillRef idx="3">
+              <a:schemeClr val="accent1"/>
+            </a:fillRef>
+            <a:effectRef idx="2">
+              <a:schemeClr val="accent1"/>
+            </a:effectRef>
+            <a:fontRef idx="minor">
+              <a:schemeClr val="lt1"/>
+            </a:fontRef>
+          </p:style>
+        </p:sp>
+        <p:sp>
+          <p:nvSpPr>
+            <p:cNvPr id="17" name="Rectangle 29">
+              <a:extLst>
+                <a:ext uri="{FF2B5EF4-FFF2-40B4-BE49-F238E27FC236}">
+                  <a16:creationId xmlns:a16="http://schemas.microsoft.com/office/drawing/2014/main" id="{374B9941-AFBE-4A77-A50E-B6EA04A746AE}"/>
+                </a:ext>
+                <a:ext uri="{C183D7F6-B498-43B3-948B-1728B52AA6E4}">
+                  <adec:decorative xmlns:adec="http://schemas.microsoft.com/office/drawing/2017/decorative" val="1"/>
+                </a:ext>
+              </a:extLst>
+            </p:cNvPr>
+            <p:cNvSpPr/>
+            <p:nvPr>
+              <p:extLst>
+                <p:ext uri="{386F3935-93C4-4BCD-93E2-E3B085C9AB24}">
+                  <p16:designElem xmlns:p16="http://schemas.microsoft.com/office/powerpoint/2015/main" val="1"/>
+                </p:ext>
+              </p:extLst>
+            </p:nvPr>
+          </p:nvSpPr>
+          <p:spPr>
+            <a:xfrm>
+              <a:off x="10938999" y="-8467"/>
+              <a:ext cx="1249825" cy="6866467"/>
+            </a:xfrm>
+            <a:custGeom>
+              <a:avLst/>
+              <a:gdLst/>
+              <a:ahLst/>
+              <a:cxnLst/>
+              <a:rect l="l" t="t" r="r" b="b"/>
+              <a:pathLst>
+                <a:path w="1249825" h="6858000">
+                  <a:moveTo>
+                    <a:pt x="0" y="0"/>
+                  </a:moveTo>
+                  <a:lnTo>
+                    <a:pt x="1249825" y="0"/>
+                  </a:lnTo>
+                  <a:lnTo>
+                    <a:pt x="1249825" y="6858000"/>
+                  </a:lnTo>
+                  <a:lnTo>
+                    <a:pt x="1109382" y="6858000"/>
+                  </a:lnTo>
+                  <a:lnTo>
+                    <a:pt x="0" y="0"/>
+                  </a:lnTo>
+                  <a:close/>
+                </a:path>
+              </a:pathLst>
+            </a:custGeom>
+            <a:solidFill>
+              <a:schemeClr val="accent1">
+                <a:alpha val="65000"/>
+              </a:schemeClr>
+            </a:solidFill>
+            <a:ln>
+              <a:noFill/>
+            </a:ln>
+            <a:effectLst/>
+          </p:spPr>
+          <p:style>
+            <a:lnRef idx="1">
+              <a:schemeClr val="accent1"/>
+            </a:lnRef>
+            <a:fillRef idx="3">
+              <a:schemeClr val="accent1"/>
+            </a:fillRef>
+            <a:effectRef idx="2">
+              <a:schemeClr val="accent1"/>
+            </a:effectRef>
+            <a:fontRef idx="minor">
+              <a:schemeClr val="lt1"/>
+            </a:fontRef>
+          </p:style>
+        </p:sp>
+        <p:sp>
+          <p:nvSpPr>
+            <p:cNvPr id="18" name="Isosceles Triangle 17">
+              <a:extLst>
+                <a:ext uri="{FF2B5EF4-FFF2-40B4-BE49-F238E27FC236}">
+                  <a16:creationId xmlns:a16="http://schemas.microsoft.com/office/drawing/2014/main" id="{27A982C5-2C38-4CE9-BC18-94697AD657FB}"/>
+                </a:ext>
+                <a:ext uri="{C183D7F6-B498-43B3-948B-1728B52AA6E4}">
+                  <adec:decorative xmlns:adec="http://schemas.microsoft.com/office/drawing/2017/decorative" val="1"/>
+                </a:ext>
+              </a:extLst>
+            </p:cNvPr>
+            <p:cNvSpPr/>
+            <p:nvPr>
+              <p:extLst>
+                <p:ext uri="{386F3935-93C4-4BCD-93E2-E3B085C9AB24}">
+                  <p16:designElem xmlns:p16="http://schemas.microsoft.com/office/powerpoint/2015/main" val="1"/>
+                </p:ext>
+              </p:extLst>
+            </p:nvPr>
+          </p:nvSpPr>
+          <p:spPr>
+            <a:xfrm>
+              <a:off x="10371666" y="3589867"/>
+              <a:ext cx="1817159" cy="3268133"/>
+            </a:xfrm>
+            <a:prstGeom prst="triangle">
+              <a:avLst>
+                <a:gd name="adj" fmla="val 100000"/>
+              </a:avLst>
+            </a:prstGeom>
+            <a:solidFill>
+              <a:schemeClr val="accent1">
+                <a:alpha val="80000"/>
+              </a:schemeClr>
+            </a:solidFill>
+            <a:ln>
+              <a:noFill/>
+            </a:ln>
+            <a:effectLst/>
+          </p:spPr>
+          <p:style>
+            <a:lnRef idx="1">
+              <a:schemeClr val="accent1"/>
+            </a:lnRef>
+            <a:fillRef idx="3">
+              <a:schemeClr val="accent1"/>
+            </a:fillRef>
+            <a:effectRef idx="2">
+              <a:schemeClr val="accent1"/>
+            </a:effectRef>
+            <a:fontRef idx="minor">
+              <a:schemeClr val="lt1"/>
+            </a:fontRef>
+          </p:style>
+        </p:sp>
+        <p:sp>
+          <p:nvSpPr>
+            <p:cNvPr id="19" name="Isosceles Triangle 18">
+              <a:extLst>
+                <a:ext uri="{FF2B5EF4-FFF2-40B4-BE49-F238E27FC236}">
+                  <a16:creationId xmlns:a16="http://schemas.microsoft.com/office/drawing/2014/main" id="{0060D8D1-7BB1-498F-AFBB-ADAC130A9E90}"/>
+                </a:ext>
+                <a:ext uri="{C183D7F6-B498-43B3-948B-1728B52AA6E4}">
+                  <adec:decorative xmlns:adec="http://schemas.microsoft.com/office/drawing/2017/decorative" val="1"/>
+                </a:ext>
+              </a:extLst>
+            </p:cNvPr>
+            <p:cNvSpPr/>
+            <p:nvPr>
+              <p:extLst>
+                <p:ext uri="{386F3935-93C4-4BCD-93E2-E3B085C9AB24}">
+                  <p16:designElem xmlns:p16="http://schemas.microsoft.com/office/powerpoint/2015/main" val="1"/>
+                </p:ext>
+              </p:extLst>
+            </p:nvPr>
+          </p:nvSpPr>
+          <p:spPr>
+            <a:xfrm rot="10800000">
+              <a:off x="0" y="0"/>
+              <a:ext cx="842596" cy="5666154"/>
+            </a:xfrm>
+            <a:prstGeom prst="triangle">
+              <a:avLst>
+                <a:gd name="adj" fmla="val 100000"/>
+              </a:avLst>
+            </a:prstGeom>
+            <a:solidFill>
+              <a:schemeClr val="accent1">
+                <a:alpha val="85000"/>
+              </a:schemeClr>
+            </a:solidFill>
+            <a:ln>
+              <a:noFill/>
+            </a:ln>
+            <a:effectLst/>
+          </p:spPr>
+          <p:style>
+            <a:lnRef idx="1">
+              <a:schemeClr val="accent1"/>
+            </a:lnRef>
+            <a:fillRef idx="3">
+              <a:schemeClr val="accent1"/>
+            </a:fillRef>
+            <a:effectRef idx="2">
+              <a:schemeClr val="accent1"/>
+            </a:effectRef>
+            <a:fontRef idx="minor">
+              <a:schemeClr val="lt1"/>
+            </a:fontRef>
+          </p:style>
+        </p:sp>
+      </p:grpSp>
+      <p:pic>
+        <p:nvPicPr>
+          <p:cNvPr id="4" name="Content Placeholder 3">
+            <a:extLst>
+              <a:ext uri="{FF2B5EF4-FFF2-40B4-BE49-F238E27FC236}">
+                <a16:creationId xmlns:a16="http://schemas.microsoft.com/office/drawing/2014/main" id="{CD861264-1707-4014-A406-04C7F77F88C5}"/>
+              </a:ext>
+            </a:extLst>
+          </p:cNvPr>
+          <p:cNvPicPr>
+            <a:picLocks noGrp="1"/>
+          </p:cNvPicPr>
+          <p:nvPr>
+            <p:ph idx="1"/>
+          </p:nvPr>
+        </p:nvPicPr>
+        <p:blipFill rotWithShape="1">
+          <a:blip r:embed="rId2" cstate="print">
+            <a:extLst>
+              <a:ext uri="{28A0092B-C50C-407E-A947-70E740481C1C}">
+                <a14:useLocalDpi xmlns:a14="http://schemas.microsoft.com/office/drawing/2010/main" val="0"/>
+              </a:ext>
+            </a:extLst>
+          </a:blip>
+          <a:srcRect t="4311" r="36144" b="4191"/>
+          <a:stretch/>
+        </p:blipFill>
+        <p:spPr bwMode="auto">
+          <a:xfrm>
+            <a:off x="842597" y="0"/>
+            <a:ext cx="7214720" cy="6858000"/>
+          </a:xfrm>
+          <a:prstGeom prst="rect">
+            <a:avLst/>
+          </a:prstGeom>
+          <a:noFill/>
+          <a:extLst>
+            <a:ext uri="{53640926-AAD7-44D8-BBD7-CCE9431645EC}">
+              <a14:shadowObscured xmlns:a14="http://schemas.microsoft.com/office/drawing/2010/main"/>
+            </a:ext>
+          </a:extLst>
+        </p:spPr>
+      </p:pic>
       <p:sp>
         <p:nvSpPr>
           <p:cNvPr id="2" name="Title 1">
@@ -3733,41 +8064,38 @@
             <p:ph type="title"/>
           </p:nvPr>
         </p:nvSpPr>
-        <p:spPr/>
-        <p:txBody>
-          <a:bodyPr/>
+        <p:spPr>
+          <a:xfrm>
+            <a:off x="1929375" y="5508894"/>
+            <a:ext cx="8288032" cy="1096316"/>
+          </a:xfrm>
+        </p:spPr>
+        <p:txBody>
+          <a:bodyPr vert="horz" lIns="91440" tIns="45720" rIns="91440" bIns="45720" rtlCol="0" anchor="b">
+            <a:normAutofit/>
+          </a:bodyPr>
           <a:lstStyle/>
           <a:p>
-            <a:r>
-              <a:rPr lang="en-US" dirty="0" err="1"/>
+            <a:pPr algn="ctr"/>
+            <a:r>
+              <a:rPr lang="en-US" sz="4800" kern="1200" dirty="0" err="1">
+                <a:solidFill>
+                  <a:schemeClr val="accent1"/>
+                </a:solidFill>
+                <a:latin typeface="+mj-lt"/>
+                <a:ea typeface="+mj-ea"/>
+                <a:cs typeface="+mj-cs"/>
+              </a:rPr>
               <a:t>Arhitectura</a:t>
             </a:r>
-            <a:endParaRPr lang="en-US" dirty="0"/>
-          </a:p>
-        </p:txBody>
-      </p:sp>
-      <p:sp>
-        <p:nvSpPr>
-          <p:cNvPr id="3" name="Content Placeholder 2">
-            <a:extLst>
-              <a:ext uri="{FF2B5EF4-FFF2-40B4-BE49-F238E27FC236}">
-                <a16:creationId xmlns:a16="http://schemas.microsoft.com/office/drawing/2014/main" id="{AC67F458-3205-4006-9497-AF158665637C}"/>
-              </a:ext>
-            </a:extLst>
-          </p:cNvPr>
-          <p:cNvSpPr>
-            <a:spLocks noGrp="1"/>
-          </p:cNvSpPr>
-          <p:nvPr>
-            <p:ph idx="1"/>
-          </p:nvPr>
-        </p:nvSpPr>
-        <p:spPr/>
-        <p:txBody>
-          <a:bodyPr/>
-          <a:lstStyle/>
-          <a:p>
-            <a:endParaRPr lang="en-US"/>
+            <a:endParaRPr lang="en-US" sz="4800" kern="1200" dirty="0">
+              <a:solidFill>
+                <a:schemeClr val="accent1"/>
+              </a:solidFill>
+              <a:latin typeface="+mj-lt"/>
+              <a:ea typeface="+mj-ea"/>
+              <a:cs typeface="+mj-cs"/>
+            </a:endParaRPr>
           </a:p>
         </p:txBody>
       </p:sp>
@@ -3803,6 +8131,1483 @@
       </p:grpSpPr>
       <p:sp>
         <p:nvSpPr>
+          <p:cNvPr id="4" name="Title 1">
+            <a:extLst>
+              <a:ext uri="{FF2B5EF4-FFF2-40B4-BE49-F238E27FC236}">
+                <a16:creationId xmlns:a16="http://schemas.microsoft.com/office/drawing/2014/main" id="{8F4B777B-31B3-4B6B-9A43-99B8DF301F47}"/>
+              </a:ext>
+            </a:extLst>
+          </p:cNvPr>
+          <p:cNvSpPr txBox="1">
+            <a:spLocks/>
+          </p:cNvSpPr>
+          <p:nvPr/>
+        </p:nvSpPr>
+        <p:spPr>
+          <a:xfrm>
+            <a:off x="1507067" y="1397000"/>
+            <a:ext cx="7766936" cy="2653836"/>
+          </a:xfrm>
+          <a:prstGeom prst="rect">
+            <a:avLst/>
+          </a:prstGeom>
+        </p:spPr>
+        <p:txBody>
+          <a:bodyPr vert="horz" lIns="91440" tIns="45720" rIns="91440" bIns="45720" rtlCol="0" anchor="b">
+            <a:normAutofit/>
+          </a:bodyPr>
+          <a:lstStyle>
+            <a:lvl1pPr algn="l" defTabSz="457200" rtl="0" eaLnBrk="1" latinLnBrk="0" hangingPunct="1">
+              <a:spcBef>
+                <a:spcPct val="0"/>
+              </a:spcBef>
+              <a:buNone/>
+              <a:defRPr sz="3600" kern="1200">
+                <a:solidFill>
+                  <a:schemeClr val="accent1"/>
+                </a:solidFill>
+                <a:latin typeface="+mj-lt"/>
+                <a:ea typeface="+mj-ea"/>
+                <a:cs typeface="+mj-cs"/>
+              </a:defRPr>
+            </a:lvl1pPr>
+            <a:lvl2pPr eaLnBrk="1" hangingPunct="1">
+              <a:defRPr>
+                <a:solidFill>
+                  <a:schemeClr val="tx2"/>
+                </a:solidFill>
+              </a:defRPr>
+            </a:lvl2pPr>
+            <a:lvl3pPr eaLnBrk="1" hangingPunct="1">
+              <a:defRPr>
+                <a:solidFill>
+                  <a:schemeClr val="tx2"/>
+                </a:solidFill>
+              </a:defRPr>
+            </a:lvl3pPr>
+            <a:lvl4pPr eaLnBrk="1" hangingPunct="1">
+              <a:defRPr>
+                <a:solidFill>
+                  <a:schemeClr val="tx2"/>
+                </a:solidFill>
+              </a:defRPr>
+            </a:lvl4pPr>
+            <a:lvl5pPr eaLnBrk="1" hangingPunct="1">
+              <a:defRPr>
+                <a:solidFill>
+                  <a:schemeClr val="tx2"/>
+                </a:solidFill>
+              </a:defRPr>
+            </a:lvl5pPr>
+            <a:lvl6pPr eaLnBrk="1" hangingPunct="1">
+              <a:defRPr>
+                <a:solidFill>
+                  <a:schemeClr val="tx2"/>
+                </a:solidFill>
+              </a:defRPr>
+            </a:lvl6pPr>
+            <a:lvl7pPr eaLnBrk="1" hangingPunct="1">
+              <a:defRPr>
+                <a:solidFill>
+                  <a:schemeClr val="tx2"/>
+                </a:solidFill>
+              </a:defRPr>
+            </a:lvl7pPr>
+            <a:lvl8pPr eaLnBrk="1" hangingPunct="1">
+              <a:defRPr>
+                <a:solidFill>
+                  <a:schemeClr val="tx2"/>
+                </a:solidFill>
+              </a:defRPr>
+            </a:lvl8pPr>
+            <a:lvl9pPr eaLnBrk="1" hangingPunct="1">
+              <a:defRPr>
+                <a:solidFill>
+                  <a:schemeClr val="tx2"/>
+                </a:solidFill>
+              </a:defRPr>
+            </a:lvl9pPr>
+          </a:lstStyle>
+          <a:p>
+            <a:pPr algn="r"/>
+            <a:r>
+              <a:rPr lang="en-US" sz="5400" dirty="0"/>
+              <a:t>Demo</a:t>
+            </a:r>
+          </a:p>
+        </p:txBody>
+      </p:sp>
+    </p:spTree>
+    <p:extLst>
+      <p:ext uri="{BB962C8B-B14F-4D97-AF65-F5344CB8AC3E}">
+        <p14:creationId xmlns:p14="http://schemas.microsoft.com/office/powerpoint/2010/main" val="4212038090"/>
+      </p:ext>
+    </p:extLst>
+  </p:cSld>
+  <p:clrMapOvr>
+    <a:masterClrMapping/>
+  </p:clrMapOvr>
+</p:sld>
+</file>
+
+<file path=ppt/slides/slide8.xml><?xml version="1.0" encoding="utf-8"?>
+<p:sld xmlns:a="http://schemas.openxmlformats.org/drawingml/2006/main" xmlns:r="http://schemas.openxmlformats.org/officeDocument/2006/relationships" xmlns:p="http://schemas.openxmlformats.org/presentationml/2006/main">
+  <p:cSld>
+    <p:spTree>
+      <p:nvGrpSpPr>
+        <p:cNvPr id="1" name=""/>
+        <p:cNvGrpSpPr/>
+        <p:nvPr/>
+      </p:nvGrpSpPr>
+      <p:grpSpPr>
+        <a:xfrm>
+          <a:off x="0" y="0"/>
+          <a:ext cx="0" cy="0"/>
+          <a:chOff x="0" y="0"/>
+          <a:chExt cx="0" cy="0"/>
+        </a:xfrm>
+      </p:grpSpPr>
+      <p:sp>
+        <p:nvSpPr>
+          <p:cNvPr id="2" name="Title 1">
+            <a:extLst>
+              <a:ext uri="{FF2B5EF4-FFF2-40B4-BE49-F238E27FC236}">
+                <a16:creationId xmlns:a16="http://schemas.microsoft.com/office/drawing/2014/main" id="{DE18AC21-D451-4C6A-A4CC-F9086B924B0C}"/>
+              </a:ext>
+            </a:extLst>
+          </p:cNvPr>
+          <p:cNvSpPr>
+            <a:spLocks noGrp="1"/>
+          </p:cNvSpPr>
+          <p:nvPr>
+            <p:ph type="title"/>
+          </p:nvPr>
+        </p:nvSpPr>
+        <p:spPr/>
+        <p:txBody>
+          <a:bodyPr/>
+          <a:lstStyle/>
+          <a:p>
+            <a:r>
+              <a:rPr lang="en-US" dirty="0" err="1"/>
+              <a:t>Concluzii</a:t>
+            </a:r>
+            <a:endParaRPr lang="en-US" dirty="0"/>
+          </a:p>
+        </p:txBody>
+      </p:sp>
+      <p:sp>
+        <p:nvSpPr>
+          <p:cNvPr id="3" name="Content Placeholder 2">
+            <a:extLst>
+              <a:ext uri="{FF2B5EF4-FFF2-40B4-BE49-F238E27FC236}">
+                <a16:creationId xmlns:a16="http://schemas.microsoft.com/office/drawing/2014/main" id="{A23431DE-BC69-481A-AE69-48F9AF01D1DB}"/>
+              </a:ext>
+            </a:extLst>
+          </p:cNvPr>
+          <p:cNvSpPr>
+            <a:spLocks noGrp="1"/>
+          </p:cNvSpPr>
+          <p:nvPr>
+            <p:ph idx="1"/>
+          </p:nvPr>
+        </p:nvSpPr>
+        <p:spPr/>
+        <p:txBody>
+          <a:bodyPr/>
+          <a:lstStyle/>
+          <a:p>
+            <a:r>
+              <a:rPr lang="ro-RO" dirty="0"/>
+              <a:t>Lucrarea a atins în mare parte toate punctele dorite. În acest moment aplicația oferă soluții pentru</a:t>
+            </a:r>
+            <a:r>
+              <a:rPr lang="en-US" dirty="0"/>
+              <a:t>:</a:t>
+            </a:r>
+          </a:p>
+          <a:p>
+            <a:pPr lvl="1"/>
+            <a:r>
+              <a:rPr lang="en-US" dirty="0" err="1"/>
+              <a:t>Centralizarea</a:t>
+            </a:r>
+            <a:r>
+              <a:rPr lang="en-US" dirty="0"/>
+              <a:t> </a:t>
+            </a:r>
+            <a:r>
+              <a:rPr lang="en-US" dirty="0" err="1"/>
+              <a:t>datelor</a:t>
+            </a:r>
+            <a:r>
+              <a:rPr lang="en-US" dirty="0"/>
+              <a:t> </a:t>
+            </a:r>
+            <a:r>
+              <a:rPr lang="en-US" dirty="0" err="1"/>
+              <a:t>profesorilor</a:t>
+            </a:r>
+            <a:r>
+              <a:rPr lang="en-US" dirty="0"/>
+              <a:t> </a:t>
+            </a:r>
+            <a:r>
+              <a:rPr lang="en-US" dirty="0" err="1"/>
+              <a:t>si</a:t>
+            </a:r>
+            <a:r>
+              <a:rPr lang="en-US" dirty="0"/>
+              <a:t> ale </a:t>
+            </a:r>
+            <a:r>
+              <a:rPr lang="en-US" dirty="0" err="1"/>
+              <a:t>administratorilor</a:t>
+            </a:r>
+            <a:endParaRPr lang="en-US" dirty="0"/>
+          </a:p>
+          <a:p>
+            <a:pPr lvl="1"/>
+            <a:r>
+              <a:rPr lang="en-US" dirty="0" err="1"/>
+              <a:t>Transmiterea</a:t>
+            </a:r>
+            <a:r>
+              <a:rPr lang="en-US" dirty="0"/>
+              <a:t> </a:t>
+            </a:r>
+            <a:r>
+              <a:rPr lang="en-US" dirty="0" err="1"/>
+              <a:t>rapida</a:t>
+            </a:r>
+            <a:r>
+              <a:rPr lang="en-US" dirty="0"/>
+              <a:t>, in </a:t>
+            </a:r>
+            <a:r>
+              <a:rPr lang="en-US" dirty="0" err="1"/>
+              <a:t>timp</a:t>
+            </a:r>
+            <a:r>
+              <a:rPr lang="en-US" dirty="0"/>
+              <a:t> real a </a:t>
+            </a:r>
+            <a:r>
+              <a:rPr lang="en-US" dirty="0" err="1"/>
+              <a:t>informatiilor</a:t>
+            </a:r>
+            <a:r>
+              <a:rPr lang="en-US" dirty="0"/>
+              <a:t> </a:t>
+            </a:r>
+            <a:r>
+              <a:rPr lang="en-US" dirty="0" err="1"/>
+              <a:t>catre</a:t>
+            </a:r>
+            <a:r>
+              <a:rPr lang="en-US" dirty="0"/>
+              <a:t> student</a:t>
+            </a:r>
+          </a:p>
+          <a:p>
+            <a:pPr lvl="1"/>
+            <a:r>
+              <a:rPr lang="en-US" dirty="0" err="1"/>
+              <a:t>Notificarea</a:t>
+            </a:r>
+            <a:r>
+              <a:rPr lang="en-US" dirty="0"/>
+              <a:t> in </a:t>
+            </a:r>
+            <a:r>
+              <a:rPr lang="en-US" dirty="0" err="1"/>
+              <a:t>timp</a:t>
+            </a:r>
+            <a:r>
+              <a:rPr lang="en-US" dirty="0"/>
+              <a:t> real a </a:t>
+            </a:r>
+            <a:r>
+              <a:rPr lang="en-US" dirty="0" err="1"/>
+              <a:t>participantilor</a:t>
+            </a:r>
+            <a:r>
+              <a:rPr lang="en-US" dirty="0"/>
+              <a:t>, </a:t>
+            </a:r>
+            <a:r>
+              <a:rPr lang="en-US" dirty="0" err="1"/>
+              <a:t>eliminand</a:t>
+            </a:r>
+            <a:r>
+              <a:rPr lang="en-US" dirty="0"/>
+              <a:t> </a:t>
+            </a:r>
+            <a:r>
+              <a:rPr lang="en-US" dirty="0" err="1"/>
+              <a:t>astfel</a:t>
+            </a:r>
+            <a:r>
+              <a:rPr lang="en-US" dirty="0"/>
+              <a:t> </a:t>
+            </a:r>
+            <a:r>
+              <a:rPr lang="en-US" dirty="0" err="1"/>
+              <a:t>posibilitatea</a:t>
+            </a:r>
+            <a:r>
+              <a:rPr lang="en-US" dirty="0"/>
+              <a:t> ca </a:t>
+            </a:r>
+            <a:r>
+              <a:rPr lang="en-US" dirty="0" err="1"/>
+              <a:t>acestia</a:t>
+            </a:r>
+            <a:r>
+              <a:rPr lang="en-US" dirty="0"/>
+              <a:t> </a:t>
+            </a:r>
+            <a:r>
+              <a:rPr lang="en-US" dirty="0" err="1"/>
+              <a:t>sa</a:t>
+            </a:r>
+            <a:r>
+              <a:rPr lang="en-US" dirty="0"/>
+              <a:t> nu </a:t>
+            </a:r>
+            <a:r>
+              <a:rPr lang="en-US" dirty="0" err="1"/>
+              <a:t>primeasca</a:t>
+            </a:r>
+            <a:r>
+              <a:rPr lang="en-US" dirty="0"/>
+              <a:t> </a:t>
+            </a:r>
+            <a:r>
+              <a:rPr lang="en-US" dirty="0" err="1"/>
+              <a:t>informatiile</a:t>
+            </a:r>
+            <a:r>
+              <a:rPr lang="en-US" dirty="0"/>
+              <a:t> in </a:t>
+            </a:r>
+            <a:r>
+              <a:rPr lang="en-US" dirty="0" err="1"/>
+              <a:t>timp</a:t>
+            </a:r>
+            <a:r>
+              <a:rPr lang="en-US" dirty="0"/>
+              <a:t> </a:t>
+            </a:r>
+            <a:r>
+              <a:rPr lang="en-US" dirty="0" err="1"/>
+              <a:t>util</a:t>
+            </a:r>
+            <a:endParaRPr lang="en-US" dirty="0"/>
+          </a:p>
+          <a:p>
+            <a:r>
+              <a:rPr lang="ro-RO" dirty="0"/>
+              <a:t>Consider că, aplicația Student Assistant poate fi cu adevărat folositoare atât pentru studenții cât și pentru profesorii care o folosesc, aceștia având un mijloc de centralizarea a datelor relevante lor, găsind toate informațiile pe care le caută într-un singur loc, actualizate în timp real.</a:t>
+            </a:r>
+            <a:endParaRPr lang="en-US" dirty="0"/>
+          </a:p>
+        </p:txBody>
+      </p:sp>
+    </p:spTree>
+    <p:extLst>
+      <p:ext uri="{BB962C8B-B14F-4D97-AF65-F5344CB8AC3E}">
+        <p14:creationId xmlns:p14="http://schemas.microsoft.com/office/powerpoint/2010/main" val="3611969383"/>
+      </p:ext>
+    </p:extLst>
+  </p:cSld>
+  <p:clrMapOvr>
+    <a:masterClrMapping/>
+  </p:clrMapOvr>
+</p:sld>
+</file>
+
+<file path=ppt/slides/slide9.xml><?xml version="1.0" encoding="utf-8"?>
+<p:sld xmlns:a="http://schemas.openxmlformats.org/drawingml/2006/main" xmlns:r="http://schemas.openxmlformats.org/officeDocument/2006/relationships" xmlns:p="http://schemas.openxmlformats.org/presentationml/2006/main">
+  <p:cSld>
+    <p:bg>
+      <p:bgPr>
+        <a:solidFill>
+          <a:schemeClr val="bg1"/>
+        </a:solidFill>
+        <a:effectLst/>
+      </p:bgPr>
+    </p:bg>
+    <p:spTree>
+      <p:nvGrpSpPr>
+        <p:cNvPr id="1" name=""/>
+        <p:cNvGrpSpPr/>
+        <p:nvPr/>
+      </p:nvGrpSpPr>
+      <p:grpSpPr>
+        <a:xfrm>
+          <a:off x="0" y="0"/>
+          <a:ext cx="0" cy="0"/>
+          <a:chOff x="0" y="0"/>
+          <a:chExt cx="0" cy="0"/>
+        </a:xfrm>
+      </p:grpSpPr>
+      <p:grpSp>
+        <p:nvGrpSpPr>
+          <p:cNvPr id="7" name="Group 6">
+            <a:extLst>
+              <a:ext uri="{FF2B5EF4-FFF2-40B4-BE49-F238E27FC236}">
+                <a16:creationId xmlns:a16="http://schemas.microsoft.com/office/drawing/2014/main" id="{28460BD8-AE3F-4AC9-9D0B-717052AA5D3A}"/>
+              </a:ext>
+              <a:ext uri="{C183D7F6-B498-43B3-948B-1728B52AA6E4}">
+                <adec:decorative xmlns:adec="http://schemas.microsoft.com/office/drawing/2017/decorative" val="1"/>
+              </a:ext>
+            </a:extLst>
+          </p:cNvPr>
+          <p:cNvGrpSpPr>
+            <a:grpSpLocks noGrp="1" noUngrp="1" noRot="1" noChangeAspect="1" noMove="1" noResize="1"/>
+          </p:cNvGrpSpPr>
+          <p:nvPr>
+            <p:extLst>
+              <p:ext uri="{386F3935-93C4-4BCD-93E2-E3B085C9AB24}">
+                <p16:designElem xmlns:p16="http://schemas.microsoft.com/office/powerpoint/2015/main" val="1"/>
+              </p:ext>
+            </p:extLst>
+          </p:nvPr>
+        </p:nvGrpSpPr>
+        <p:grpSpPr>
+          <a:xfrm>
+            <a:off x="0" y="-8467"/>
+            <a:ext cx="12192000" cy="6866467"/>
+            <a:chOff x="0" y="-8467"/>
+            <a:chExt cx="12192000" cy="6866467"/>
+          </a:xfrm>
+        </p:grpSpPr>
+        <p:cxnSp>
+          <p:nvCxnSpPr>
+            <p:cNvPr id="8" name="Straight Connector 7">
+              <a:extLst>
+                <a:ext uri="{FF2B5EF4-FFF2-40B4-BE49-F238E27FC236}">
+                  <a16:creationId xmlns:a16="http://schemas.microsoft.com/office/drawing/2014/main" id="{54420CFE-F482-466E-9E1E-C78513C0B85D}"/>
+                </a:ext>
+                <a:ext uri="{C183D7F6-B498-43B3-948B-1728B52AA6E4}">
+                  <adec:decorative xmlns:adec="http://schemas.microsoft.com/office/drawing/2017/decorative" val="1"/>
+                </a:ext>
+              </a:extLst>
+            </p:cNvPr>
+            <p:cNvCxnSpPr/>
+            <p:nvPr>
+              <p:extLst>
+                <p:ext uri="{386F3935-93C4-4BCD-93E2-E3B085C9AB24}">
+                  <p16:designElem xmlns:p16="http://schemas.microsoft.com/office/powerpoint/2015/main" val="1"/>
+                </p:ext>
+              </p:extLst>
+            </p:nvPr>
+          </p:nvCxnSpPr>
+          <p:spPr>
+            <a:xfrm>
+              <a:off x="9371012" y="0"/>
+              <a:ext cx="1219200" cy="6858000"/>
+            </a:xfrm>
+            <a:prstGeom prst="line">
+              <a:avLst/>
+            </a:prstGeom>
+            <a:ln w="9525">
+              <a:solidFill>
+                <a:schemeClr val="bg1">
+                  <a:lumMod val="75000"/>
+                </a:schemeClr>
+              </a:solidFill>
+            </a:ln>
+          </p:spPr>
+          <p:style>
+            <a:lnRef idx="2">
+              <a:schemeClr val="accent1"/>
+            </a:lnRef>
+            <a:fillRef idx="0">
+              <a:schemeClr val="accent1"/>
+            </a:fillRef>
+            <a:effectRef idx="1">
+              <a:schemeClr val="accent1"/>
+            </a:effectRef>
+            <a:fontRef idx="minor">
+              <a:schemeClr val="tx1"/>
+            </a:fontRef>
+          </p:style>
+        </p:cxnSp>
+        <p:cxnSp>
+          <p:nvCxnSpPr>
+            <p:cNvPr id="9" name="Straight Connector 8">
+              <a:extLst>
+                <a:ext uri="{FF2B5EF4-FFF2-40B4-BE49-F238E27FC236}">
+                  <a16:creationId xmlns:a16="http://schemas.microsoft.com/office/drawing/2014/main" id="{5331032B-BD21-4BDA-920C-12E358052567}"/>
+                </a:ext>
+                <a:ext uri="{C183D7F6-B498-43B3-948B-1728B52AA6E4}">
+                  <adec:decorative xmlns:adec="http://schemas.microsoft.com/office/drawing/2017/decorative" val="1"/>
+                </a:ext>
+              </a:extLst>
+            </p:cNvPr>
+            <p:cNvCxnSpPr/>
+            <p:nvPr>
+              <p:extLst>
+                <p:ext uri="{386F3935-93C4-4BCD-93E2-E3B085C9AB24}">
+                  <p16:designElem xmlns:p16="http://schemas.microsoft.com/office/powerpoint/2015/main" val="1"/>
+                </p:ext>
+              </p:extLst>
+            </p:nvPr>
+          </p:nvCxnSpPr>
+          <p:spPr>
+            <a:xfrm flipH="1">
+              <a:off x="7425267" y="3681413"/>
+              <a:ext cx="4763558" cy="3176587"/>
+            </a:xfrm>
+            <a:prstGeom prst="line">
+              <a:avLst/>
+            </a:prstGeom>
+            <a:ln w="9525">
+              <a:solidFill>
+                <a:schemeClr val="bg1">
+                  <a:lumMod val="85000"/>
+                </a:schemeClr>
+              </a:solidFill>
+            </a:ln>
+          </p:spPr>
+          <p:style>
+            <a:lnRef idx="2">
+              <a:schemeClr val="accent1"/>
+            </a:lnRef>
+            <a:fillRef idx="0">
+              <a:schemeClr val="accent1"/>
+            </a:fillRef>
+            <a:effectRef idx="1">
+              <a:schemeClr val="accent1"/>
+            </a:effectRef>
+            <a:fontRef idx="minor">
+              <a:schemeClr val="tx1"/>
+            </a:fontRef>
+          </p:style>
+        </p:cxnSp>
+        <p:sp>
+          <p:nvSpPr>
+            <p:cNvPr id="10" name="Rectangle 23">
+              <a:extLst>
+                <a:ext uri="{FF2B5EF4-FFF2-40B4-BE49-F238E27FC236}">
+                  <a16:creationId xmlns:a16="http://schemas.microsoft.com/office/drawing/2014/main" id="{E7514DA3-59E7-409E-8A3B-AD097F6E5644}"/>
+                </a:ext>
+                <a:ext uri="{C183D7F6-B498-43B3-948B-1728B52AA6E4}">
+                  <adec:decorative xmlns:adec="http://schemas.microsoft.com/office/drawing/2017/decorative" val="1"/>
+                </a:ext>
+              </a:extLst>
+            </p:cNvPr>
+            <p:cNvSpPr/>
+            <p:nvPr>
+              <p:extLst>
+                <p:ext uri="{386F3935-93C4-4BCD-93E2-E3B085C9AB24}">
+                  <p16:designElem xmlns:p16="http://schemas.microsoft.com/office/powerpoint/2015/main" val="1"/>
+                </p:ext>
+              </p:extLst>
+            </p:nvPr>
+          </p:nvSpPr>
+          <p:spPr>
+            <a:xfrm>
+              <a:off x="9181476" y="-8467"/>
+              <a:ext cx="3007349" cy="6866467"/>
+            </a:xfrm>
+            <a:custGeom>
+              <a:avLst/>
+              <a:gdLst/>
+              <a:ahLst/>
+              <a:cxnLst/>
+              <a:rect l="l" t="t" r="r" b="b"/>
+              <a:pathLst>
+                <a:path w="3007349" h="6866467">
+                  <a:moveTo>
+                    <a:pt x="2045532" y="0"/>
+                  </a:moveTo>
+                  <a:lnTo>
+                    <a:pt x="3007349" y="0"/>
+                  </a:lnTo>
+                  <a:lnTo>
+                    <a:pt x="3007349" y="6866467"/>
+                  </a:lnTo>
+                  <a:lnTo>
+                    <a:pt x="0" y="6866467"/>
+                  </a:lnTo>
+                  <a:lnTo>
+                    <a:pt x="2045532" y="0"/>
+                  </a:lnTo>
+                  <a:close/>
+                </a:path>
+              </a:pathLst>
+            </a:custGeom>
+            <a:solidFill>
+              <a:schemeClr val="accent1">
+                <a:alpha val="30000"/>
+              </a:schemeClr>
+            </a:solidFill>
+            <a:ln>
+              <a:noFill/>
+            </a:ln>
+            <a:effectLst/>
+          </p:spPr>
+          <p:style>
+            <a:lnRef idx="1">
+              <a:schemeClr val="accent1"/>
+            </a:lnRef>
+            <a:fillRef idx="3">
+              <a:schemeClr val="accent1"/>
+            </a:fillRef>
+            <a:effectRef idx="2">
+              <a:schemeClr val="accent1"/>
+            </a:effectRef>
+            <a:fontRef idx="minor">
+              <a:schemeClr val="lt1"/>
+            </a:fontRef>
+          </p:style>
+        </p:sp>
+        <p:sp>
+          <p:nvSpPr>
+            <p:cNvPr id="11" name="Rectangle 25">
+              <a:extLst>
+                <a:ext uri="{FF2B5EF4-FFF2-40B4-BE49-F238E27FC236}">
+                  <a16:creationId xmlns:a16="http://schemas.microsoft.com/office/drawing/2014/main" id="{57B9A2A6-3BE4-4599-9364-F71C5BFD61F8}"/>
+                </a:ext>
+                <a:ext uri="{C183D7F6-B498-43B3-948B-1728B52AA6E4}">
+                  <adec:decorative xmlns:adec="http://schemas.microsoft.com/office/drawing/2017/decorative" val="1"/>
+                </a:ext>
+              </a:extLst>
+            </p:cNvPr>
+            <p:cNvSpPr/>
+            <p:nvPr>
+              <p:extLst>
+                <p:ext uri="{386F3935-93C4-4BCD-93E2-E3B085C9AB24}">
+                  <p16:designElem xmlns:p16="http://schemas.microsoft.com/office/powerpoint/2015/main" val="1"/>
+                </p:ext>
+              </p:extLst>
+            </p:nvPr>
+          </p:nvSpPr>
+          <p:spPr>
+            <a:xfrm>
+              <a:off x="9603442" y="-8467"/>
+              <a:ext cx="2588558" cy="6866467"/>
+            </a:xfrm>
+            <a:custGeom>
+              <a:avLst/>
+              <a:gdLst/>
+              <a:ahLst/>
+              <a:cxnLst/>
+              <a:rect l="l" t="t" r="r" b="b"/>
+              <a:pathLst>
+                <a:path w="2573311" h="6866467">
+                  <a:moveTo>
+                    <a:pt x="0" y="0"/>
+                  </a:moveTo>
+                  <a:lnTo>
+                    <a:pt x="2573311" y="0"/>
+                  </a:lnTo>
+                  <a:lnTo>
+                    <a:pt x="2573311" y="6866467"/>
+                  </a:lnTo>
+                  <a:lnTo>
+                    <a:pt x="1202336" y="6866467"/>
+                  </a:lnTo>
+                  <a:lnTo>
+                    <a:pt x="0" y="0"/>
+                  </a:lnTo>
+                  <a:close/>
+                </a:path>
+              </a:pathLst>
+            </a:custGeom>
+            <a:solidFill>
+              <a:schemeClr val="accent1">
+                <a:alpha val="20000"/>
+              </a:schemeClr>
+            </a:solidFill>
+            <a:ln>
+              <a:noFill/>
+            </a:ln>
+            <a:effectLst/>
+          </p:spPr>
+          <p:style>
+            <a:lnRef idx="1">
+              <a:schemeClr val="accent1"/>
+            </a:lnRef>
+            <a:fillRef idx="3">
+              <a:schemeClr val="accent1"/>
+            </a:fillRef>
+            <a:effectRef idx="2">
+              <a:schemeClr val="accent1"/>
+            </a:effectRef>
+            <a:fontRef idx="minor">
+              <a:schemeClr val="lt1"/>
+            </a:fontRef>
+          </p:style>
+        </p:sp>
+        <p:sp>
+          <p:nvSpPr>
+            <p:cNvPr id="12" name="Isosceles Triangle 11">
+              <a:extLst>
+                <a:ext uri="{FF2B5EF4-FFF2-40B4-BE49-F238E27FC236}">
+                  <a16:creationId xmlns:a16="http://schemas.microsoft.com/office/drawing/2014/main" id="{4FD744C6-4ED8-4BC9-BF68-6BDF701C5DB4}"/>
+                </a:ext>
+                <a:ext uri="{C183D7F6-B498-43B3-948B-1728B52AA6E4}">
+                  <adec:decorative xmlns:adec="http://schemas.microsoft.com/office/drawing/2017/decorative" val="1"/>
+                </a:ext>
+              </a:extLst>
+            </p:cNvPr>
+            <p:cNvSpPr/>
+            <p:nvPr>
+              <p:extLst>
+                <p:ext uri="{386F3935-93C4-4BCD-93E2-E3B085C9AB24}">
+                  <p16:designElem xmlns:p16="http://schemas.microsoft.com/office/powerpoint/2015/main" val="1"/>
+                </p:ext>
+              </p:extLst>
+            </p:nvPr>
+          </p:nvSpPr>
+          <p:spPr>
+            <a:xfrm>
+              <a:off x="8932333" y="3048000"/>
+              <a:ext cx="3259667" cy="3810000"/>
+            </a:xfrm>
+            <a:prstGeom prst="triangle">
+              <a:avLst>
+                <a:gd name="adj" fmla="val 100000"/>
+              </a:avLst>
+            </a:prstGeom>
+            <a:solidFill>
+              <a:schemeClr val="accent2">
+                <a:alpha val="72000"/>
+              </a:schemeClr>
+            </a:solidFill>
+            <a:ln>
+              <a:noFill/>
+            </a:ln>
+            <a:effectLst/>
+          </p:spPr>
+          <p:style>
+            <a:lnRef idx="1">
+              <a:schemeClr val="accent1"/>
+            </a:lnRef>
+            <a:fillRef idx="3">
+              <a:schemeClr val="accent1"/>
+            </a:fillRef>
+            <a:effectRef idx="2">
+              <a:schemeClr val="accent1"/>
+            </a:effectRef>
+            <a:fontRef idx="minor">
+              <a:schemeClr val="lt1"/>
+            </a:fontRef>
+          </p:style>
+        </p:sp>
+        <p:sp>
+          <p:nvSpPr>
+            <p:cNvPr id="13" name="Rectangle 27">
+              <a:extLst>
+                <a:ext uri="{FF2B5EF4-FFF2-40B4-BE49-F238E27FC236}">
+                  <a16:creationId xmlns:a16="http://schemas.microsoft.com/office/drawing/2014/main" id="{092C5BAD-C911-4F8F-A1C5-470268BE668B}"/>
+                </a:ext>
+                <a:ext uri="{C183D7F6-B498-43B3-948B-1728B52AA6E4}">
+                  <adec:decorative xmlns:adec="http://schemas.microsoft.com/office/drawing/2017/decorative" val="1"/>
+                </a:ext>
+              </a:extLst>
+            </p:cNvPr>
+            <p:cNvSpPr/>
+            <p:nvPr>
+              <p:extLst>
+                <p:ext uri="{386F3935-93C4-4BCD-93E2-E3B085C9AB24}">
+                  <p16:designElem xmlns:p16="http://schemas.microsoft.com/office/powerpoint/2015/main" val="1"/>
+                </p:ext>
+              </p:extLst>
+            </p:nvPr>
+          </p:nvSpPr>
+          <p:spPr>
+            <a:xfrm>
+              <a:off x="9334500" y="-8467"/>
+              <a:ext cx="2854326" cy="6866467"/>
+            </a:xfrm>
+            <a:custGeom>
+              <a:avLst/>
+              <a:gdLst/>
+              <a:ahLst/>
+              <a:cxnLst/>
+              <a:rect l="l" t="t" r="r" b="b"/>
+              <a:pathLst>
+                <a:path w="2858013" h="6866467">
+                  <a:moveTo>
+                    <a:pt x="0" y="0"/>
+                  </a:moveTo>
+                  <a:lnTo>
+                    <a:pt x="2858013" y="0"/>
+                  </a:lnTo>
+                  <a:lnTo>
+                    <a:pt x="2858013" y="6866467"/>
+                  </a:lnTo>
+                  <a:lnTo>
+                    <a:pt x="2473942" y="6866467"/>
+                  </a:lnTo>
+                  <a:lnTo>
+                    <a:pt x="0" y="0"/>
+                  </a:lnTo>
+                  <a:close/>
+                </a:path>
+              </a:pathLst>
+            </a:custGeom>
+            <a:solidFill>
+              <a:schemeClr val="accent2">
+                <a:lumMod val="75000"/>
+                <a:alpha val="70000"/>
+              </a:schemeClr>
+            </a:solidFill>
+            <a:ln>
+              <a:noFill/>
+            </a:ln>
+            <a:effectLst/>
+          </p:spPr>
+          <p:style>
+            <a:lnRef idx="1">
+              <a:schemeClr val="accent1"/>
+            </a:lnRef>
+            <a:fillRef idx="3">
+              <a:schemeClr val="accent1"/>
+            </a:fillRef>
+            <a:effectRef idx="2">
+              <a:schemeClr val="accent1"/>
+            </a:effectRef>
+            <a:fontRef idx="minor">
+              <a:schemeClr val="lt1"/>
+            </a:fontRef>
+          </p:style>
+        </p:sp>
+        <p:sp>
+          <p:nvSpPr>
+            <p:cNvPr id="14" name="Rectangle 28">
+              <a:extLst>
+                <a:ext uri="{FF2B5EF4-FFF2-40B4-BE49-F238E27FC236}">
+                  <a16:creationId xmlns:a16="http://schemas.microsoft.com/office/drawing/2014/main" id="{B133D0C8-4EC4-424F-8E70-0482D5B1B653}"/>
+                </a:ext>
+                <a:ext uri="{C183D7F6-B498-43B3-948B-1728B52AA6E4}">
+                  <adec:decorative xmlns:adec="http://schemas.microsoft.com/office/drawing/2017/decorative" val="1"/>
+                </a:ext>
+              </a:extLst>
+            </p:cNvPr>
+            <p:cNvSpPr/>
+            <p:nvPr>
+              <p:extLst>
+                <p:ext uri="{386F3935-93C4-4BCD-93E2-E3B085C9AB24}">
+                  <p16:designElem xmlns:p16="http://schemas.microsoft.com/office/powerpoint/2015/main" val="1"/>
+                </p:ext>
+              </p:extLst>
+            </p:nvPr>
+          </p:nvSpPr>
+          <p:spPr>
+            <a:xfrm>
+              <a:off x="10898730" y="-8467"/>
+              <a:ext cx="1290094" cy="6866467"/>
+            </a:xfrm>
+            <a:custGeom>
+              <a:avLst/>
+              <a:gdLst/>
+              <a:ahLst/>
+              <a:cxnLst/>
+              <a:rect l="l" t="t" r="r" b="b"/>
+              <a:pathLst>
+                <a:path w="1290094" h="6858000">
+                  <a:moveTo>
+                    <a:pt x="1019735" y="0"/>
+                  </a:moveTo>
+                  <a:lnTo>
+                    <a:pt x="1290094" y="0"/>
+                  </a:lnTo>
+                  <a:lnTo>
+                    <a:pt x="1290094" y="6858000"/>
+                  </a:lnTo>
+                  <a:lnTo>
+                    <a:pt x="0" y="6858000"/>
+                  </a:lnTo>
+                  <a:lnTo>
+                    <a:pt x="1019735" y="0"/>
+                  </a:lnTo>
+                  <a:close/>
+                </a:path>
+              </a:pathLst>
+            </a:custGeom>
+            <a:solidFill>
+              <a:schemeClr val="accent1">
+                <a:lumMod val="60000"/>
+                <a:lumOff val="40000"/>
+                <a:alpha val="70000"/>
+              </a:schemeClr>
+            </a:solidFill>
+            <a:ln>
+              <a:noFill/>
+            </a:ln>
+            <a:effectLst/>
+          </p:spPr>
+          <p:style>
+            <a:lnRef idx="1">
+              <a:schemeClr val="accent1"/>
+            </a:lnRef>
+            <a:fillRef idx="3">
+              <a:schemeClr val="accent1"/>
+            </a:fillRef>
+            <a:effectRef idx="2">
+              <a:schemeClr val="accent1"/>
+            </a:effectRef>
+            <a:fontRef idx="minor">
+              <a:schemeClr val="lt1"/>
+            </a:fontRef>
+          </p:style>
+        </p:sp>
+        <p:sp>
+          <p:nvSpPr>
+            <p:cNvPr id="15" name="Rectangle 29">
+              <a:extLst>
+                <a:ext uri="{FF2B5EF4-FFF2-40B4-BE49-F238E27FC236}">
+                  <a16:creationId xmlns:a16="http://schemas.microsoft.com/office/drawing/2014/main" id="{7B1532A0-F4B3-4DE8-B18F-740CAAD25AC4}"/>
+                </a:ext>
+                <a:ext uri="{C183D7F6-B498-43B3-948B-1728B52AA6E4}">
+                  <adec:decorative xmlns:adec="http://schemas.microsoft.com/office/drawing/2017/decorative" val="1"/>
+                </a:ext>
+              </a:extLst>
+            </p:cNvPr>
+            <p:cNvSpPr/>
+            <p:nvPr>
+              <p:extLst>
+                <p:ext uri="{386F3935-93C4-4BCD-93E2-E3B085C9AB24}">
+                  <p16:designElem xmlns:p16="http://schemas.microsoft.com/office/powerpoint/2015/main" val="1"/>
+                </p:ext>
+              </p:extLst>
+            </p:nvPr>
+          </p:nvSpPr>
+          <p:spPr>
+            <a:xfrm>
+              <a:off x="10938999" y="-8467"/>
+              <a:ext cx="1249825" cy="6866467"/>
+            </a:xfrm>
+            <a:custGeom>
+              <a:avLst/>
+              <a:gdLst/>
+              <a:ahLst/>
+              <a:cxnLst/>
+              <a:rect l="l" t="t" r="r" b="b"/>
+              <a:pathLst>
+                <a:path w="1249825" h="6858000">
+                  <a:moveTo>
+                    <a:pt x="0" y="0"/>
+                  </a:moveTo>
+                  <a:lnTo>
+                    <a:pt x="1249825" y="0"/>
+                  </a:lnTo>
+                  <a:lnTo>
+                    <a:pt x="1249825" y="6858000"/>
+                  </a:lnTo>
+                  <a:lnTo>
+                    <a:pt x="1109382" y="6858000"/>
+                  </a:lnTo>
+                  <a:lnTo>
+                    <a:pt x="0" y="0"/>
+                  </a:lnTo>
+                  <a:close/>
+                </a:path>
+              </a:pathLst>
+            </a:custGeom>
+            <a:solidFill>
+              <a:schemeClr val="accent1">
+                <a:alpha val="65000"/>
+              </a:schemeClr>
+            </a:solidFill>
+            <a:ln>
+              <a:noFill/>
+            </a:ln>
+            <a:effectLst/>
+          </p:spPr>
+          <p:style>
+            <a:lnRef idx="1">
+              <a:schemeClr val="accent1"/>
+            </a:lnRef>
+            <a:fillRef idx="3">
+              <a:schemeClr val="accent1"/>
+            </a:fillRef>
+            <a:effectRef idx="2">
+              <a:schemeClr val="accent1"/>
+            </a:effectRef>
+            <a:fontRef idx="minor">
+              <a:schemeClr val="lt1"/>
+            </a:fontRef>
+          </p:style>
+        </p:sp>
+        <p:sp>
+          <p:nvSpPr>
+            <p:cNvPr id="16" name="Isosceles Triangle 15">
+              <a:extLst>
+                <a:ext uri="{FF2B5EF4-FFF2-40B4-BE49-F238E27FC236}">
+                  <a16:creationId xmlns:a16="http://schemas.microsoft.com/office/drawing/2014/main" id="{8EFDD162-BBBA-4062-8BBF-53DBA1091374}"/>
+                </a:ext>
+                <a:ext uri="{C183D7F6-B498-43B3-948B-1728B52AA6E4}">
+                  <adec:decorative xmlns:adec="http://schemas.microsoft.com/office/drawing/2017/decorative" val="1"/>
+                </a:ext>
+              </a:extLst>
+            </p:cNvPr>
+            <p:cNvSpPr/>
+            <p:nvPr>
+              <p:extLst>
+                <p:ext uri="{386F3935-93C4-4BCD-93E2-E3B085C9AB24}">
+                  <p16:designElem xmlns:p16="http://schemas.microsoft.com/office/powerpoint/2015/main" val="1"/>
+                </p:ext>
+              </p:extLst>
+            </p:nvPr>
+          </p:nvSpPr>
+          <p:spPr>
+            <a:xfrm>
+              <a:off x="10371666" y="3589867"/>
+              <a:ext cx="1817159" cy="3268133"/>
+            </a:xfrm>
+            <a:prstGeom prst="triangle">
+              <a:avLst>
+                <a:gd name="adj" fmla="val 100000"/>
+              </a:avLst>
+            </a:prstGeom>
+            <a:solidFill>
+              <a:schemeClr val="accent1">
+                <a:alpha val="80000"/>
+              </a:schemeClr>
+            </a:solidFill>
+            <a:ln>
+              <a:noFill/>
+            </a:ln>
+            <a:effectLst/>
+          </p:spPr>
+          <p:style>
+            <a:lnRef idx="1">
+              <a:schemeClr val="accent1"/>
+            </a:lnRef>
+            <a:fillRef idx="3">
+              <a:schemeClr val="accent1"/>
+            </a:fillRef>
+            <a:effectRef idx="2">
+              <a:schemeClr val="accent1"/>
+            </a:effectRef>
+            <a:fontRef idx="minor">
+              <a:schemeClr val="lt1"/>
+            </a:fontRef>
+          </p:style>
+        </p:sp>
+        <p:sp>
+          <p:nvSpPr>
+            <p:cNvPr id="17" name="Isosceles Triangle 16">
+              <a:extLst>
+                <a:ext uri="{FF2B5EF4-FFF2-40B4-BE49-F238E27FC236}">
+                  <a16:creationId xmlns:a16="http://schemas.microsoft.com/office/drawing/2014/main" id="{DCFC9E65-3E19-4483-B952-25D29683CA56}"/>
+                </a:ext>
+                <a:ext uri="{C183D7F6-B498-43B3-948B-1728B52AA6E4}">
+                  <adec:decorative xmlns:adec="http://schemas.microsoft.com/office/drawing/2017/decorative" val="1"/>
+                </a:ext>
+              </a:extLst>
+            </p:cNvPr>
+            <p:cNvSpPr/>
+            <p:nvPr>
+              <p:extLst>
+                <p:ext uri="{386F3935-93C4-4BCD-93E2-E3B085C9AB24}">
+                  <p16:designElem xmlns:p16="http://schemas.microsoft.com/office/powerpoint/2015/main" val="1"/>
+                </p:ext>
+              </p:extLst>
+            </p:nvPr>
+          </p:nvSpPr>
+          <p:spPr>
+            <a:xfrm rot="10800000">
+              <a:off x="0" y="0"/>
+              <a:ext cx="842596" cy="5666154"/>
+            </a:xfrm>
+            <a:prstGeom prst="triangle">
+              <a:avLst>
+                <a:gd name="adj" fmla="val 100000"/>
+              </a:avLst>
+            </a:prstGeom>
+            <a:solidFill>
+              <a:schemeClr val="accent1">
+                <a:alpha val="85000"/>
+              </a:schemeClr>
+            </a:solidFill>
+            <a:ln>
+              <a:noFill/>
+            </a:ln>
+            <a:effectLst/>
+          </p:spPr>
+          <p:style>
+            <a:lnRef idx="1">
+              <a:schemeClr val="accent1"/>
+            </a:lnRef>
+            <a:fillRef idx="3">
+              <a:schemeClr val="accent1"/>
+            </a:fillRef>
+            <a:effectRef idx="2">
+              <a:schemeClr val="accent1"/>
+            </a:effectRef>
+            <a:fontRef idx="minor">
+              <a:schemeClr val="lt1"/>
+            </a:fontRef>
+          </p:style>
+        </p:sp>
+      </p:grpSp>
+      <p:sp useBgFill="1">
+        <p:nvSpPr>
+          <p:cNvPr id="19" name="Rectangle 18">
+            <a:extLst>
+              <a:ext uri="{FF2B5EF4-FFF2-40B4-BE49-F238E27FC236}">
+                <a16:creationId xmlns:a16="http://schemas.microsoft.com/office/drawing/2014/main" id="{2783C067-F8BF-4755-B516-8A0CD74CF60C}"/>
+              </a:ext>
+              <a:ext uri="{C183D7F6-B498-43B3-948B-1728B52AA6E4}">
+                <adec:decorative xmlns:adec="http://schemas.microsoft.com/office/drawing/2017/decorative" val="1"/>
+              </a:ext>
+            </a:extLst>
+          </p:cNvPr>
+          <p:cNvSpPr>
+            <a:spLocks noGrp="1" noRot="1" noChangeAspect="1" noMove="1" noResize="1" noEditPoints="1" noAdjustHandles="1" noChangeArrowheads="1" noChangeShapeType="1" noTextEdit="1"/>
+          </p:cNvSpPr>
+          <p:nvPr>
+            <p:extLst>
+              <p:ext uri="{386F3935-93C4-4BCD-93E2-E3B085C9AB24}">
+                <p16:designElem xmlns:p16="http://schemas.microsoft.com/office/powerpoint/2015/main" val="1"/>
+              </p:ext>
+            </p:extLst>
+          </p:nvPr>
+        </p:nvSpPr>
+        <p:spPr>
+          <a:xfrm>
+            <a:off x="0" y="0"/>
+            <a:ext cx="12192000" cy="6866467"/>
+          </a:xfrm>
+          <a:prstGeom prst="rect">
+            <a:avLst/>
+          </a:prstGeom>
+          <a:ln>
+            <a:noFill/>
+          </a:ln>
+        </p:spPr>
+        <p:style>
+          <a:lnRef idx="2">
+            <a:schemeClr val="accent1">
+              <a:shade val="50000"/>
+            </a:schemeClr>
+          </a:lnRef>
+          <a:fillRef idx="1">
+            <a:schemeClr val="accent1"/>
+          </a:fillRef>
+          <a:effectRef idx="0">
+            <a:schemeClr val="accent1"/>
+          </a:effectRef>
+          <a:fontRef idx="minor">
+            <a:schemeClr val="lt1"/>
+          </a:fontRef>
+        </p:style>
+        <p:txBody>
+          <a:bodyPr rtlCol="0" anchor="ctr"/>
+          <a:lstStyle/>
+          <a:p>
+            <a:pPr algn="ctr"/>
+            <a:endParaRPr lang="en-US"/>
+          </a:p>
+        </p:txBody>
+      </p:sp>
+      <p:sp>
+        <p:nvSpPr>
+          <p:cNvPr id="21" name="Isosceles Triangle 20">
+            <a:extLst>
+              <a:ext uri="{FF2B5EF4-FFF2-40B4-BE49-F238E27FC236}">
+                <a16:creationId xmlns:a16="http://schemas.microsoft.com/office/drawing/2014/main" id="{2ED796EC-E7FF-46DB-B912-FB08BF12AA6E}"/>
+              </a:ext>
+              <a:ext uri="{C183D7F6-B498-43B3-948B-1728B52AA6E4}">
+                <adec:decorative xmlns:adec="http://schemas.microsoft.com/office/drawing/2017/decorative" val="1"/>
+              </a:ext>
+            </a:extLst>
+          </p:cNvPr>
+          <p:cNvSpPr>
+            <a:spLocks noGrp="1" noRot="1" noChangeAspect="1" noMove="1" noResize="1" noEditPoints="1" noAdjustHandles="1" noChangeArrowheads="1" noChangeShapeType="1" noTextEdit="1"/>
+          </p:cNvSpPr>
+          <p:nvPr>
+            <p:extLst>
+              <p:ext uri="{386F3935-93C4-4BCD-93E2-E3B085C9AB24}">
+                <p16:designElem xmlns:p16="http://schemas.microsoft.com/office/powerpoint/2015/main" val="1"/>
+              </p:ext>
+            </p:extLst>
+          </p:nvPr>
+        </p:nvSpPr>
+        <p:spPr>
+          <a:xfrm rot="10800000">
+            <a:off x="0" y="0"/>
+            <a:ext cx="842596" cy="5666154"/>
+          </a:xfrm>
+          <a:prstGeom prst="triangle">
+            <a:avLst>
+              <a:gd name="adj" fmla="val 100000"/>
+            </a:avLst>
+          </a:prstGeom>
+          <a:solidFill>
+            <a:schemeClr val="accent1"/>
+          </a:solidFill>
+          <a:ln>
+            <a:noFill/>
+          </a:ln>
+          <a:effectLst/>
+        </p:spPr>
+        <p:style>
+          <a:lnRef idx="1">
+            <a:schemeClr val="accent1"/>
+          </a:lnRef>
+          <a:fillRef idx="3">
+            <a:schemeClr val="accent1"/>
+          </a:fillRef>
+          <a:effectRef idx="2">
+            <a:schemeClr val="accent1"/>
+          </a:effectRef>
+          <a:fontRef idx="minor">
+            <a:schemeClr val="lt1"/>
+          </a:fontRef>
+        </p:style>
+      </p:sp>
+      <p:sp>
+        <p:nvSpPr>
+          <p:cNvPr id="23" name="Isosceles Triangle 22">
+            <a:extLst>
+              <a:ext uri="{FF2B5EF4-FFF2-40B4-BE49-F238E27FC236}">
+                <a16:creationId xmlns:a16="http://schemas.microsoft.com/office/drawing/2014/main" id="{549A2DAB-B431-487D-95AD-BB0FECB49E57}"/>
+              </a:ext>
+              <a:ext uri="{C183D7F6-B498-43B3-948B-1728B52AA6E4}">
+                <adec:decorative xmlns:adec="http://schemas.microsoft.com/office/drawing/2017/decorative" val="1"/>
+              </a:ext>
+            </a:extLst>
+          </p:cNvPr>
+          <p:cNvSpPr>
+            <a:spLocks noGrp="1" noRot="1" noChangeAspect="1" noMove="1" noResize="1" noEditPoints="1" noAdjustHandles="1" noChangeArrowheads="1" noChangeShapeType="1" noTextEdit="1"/>
+          </p:cNvSpPr>
+          <p:nvPr>
+            <p:extLst>
+              <p:ext uri="{386F3935-93C4-4BCD-93E2-E3B085C9AB24}">
+                <p16:designElem xmlns:p16="http://schemas.microsoft.com/office/powerpoint/2015/main" val="1"/>
+              </p:ext>
+            </p:extLst>
+          </p:nvPr>
+        </p:nvSpPr>
+        <p:spPr>
+          <a:xfrm>
+            <a:off x="7738534" y="3818467"/>
+            <a:ext cx="4450292" cy="3039533"/>
+          </a:xfrm>
+          <a:prstGeom prst="triangle">
+            <a:avLst>
+              <a:gd name="adj" fmla="val 100000"/>
+            </a:avLst>
+          </a:prstGeom>
+          <a:solidFill>
+            <a:schemeClr val="accent1">
+              <a:alpha val="88000"/>
+            </a:schemeClr>
+          </a:solidFill>
+          <a:ln>
+            <a:noFill/>
+          </a:ln>
+          <a:effectLst/>
+        </p:spPr>
+        <p:style>
+          <a:lnRef idx="1">
+            <a:schemeClr val="accent1"/>
+          </a:lnRef>
+          <a:fillRef idx="3">
+            <a:schemeClr val="accent1"/>
+          </a:fillRef>
+          <a:effectRef idx="2">
+            <a:schemeClr val="accent1"/>
+          </a:effectRef>
+          <a:fontRef idx="minor">
+            <a:schemeClr val="lt1"/>
+          </a:fontRef>
+        </p:style>
+      </p:sp>
+      <p:sp>
+        <p:nvSpPr>
+          <p:cNvPr id="25" name="Rectangle 27">
+            <a:extLst>
+              <a:ext uri="{FF2B5EF4-FFF2-40B4-BE49-F238E27FC236}">
+                <a16:creationId xmlns:a16="http://schemas.microsoft.com/office/drawing/2014/main" id="{0819F787-32B4-46A8-BC57-C6571BCEE243}"/>
+              </a:ext>
+              <a:ext uri="{C183D7F6-B498-43B3-948B-1728B52AA6E4}">
+                <adec:decorative xmlns:adec="http://schemas.microsoft.com/office/drawing/2017/decorative" val="1"/>
+              </a:ext>
+            </a:extLst>
+          </p:cNvPr>
+          <p:cNvSpPr>
+            <a:spLocks noGrp="1" noRot="1" noChangeAspect="1" noMove="1" noResize="1" noEditPoints="1" noAdjustHandles="1" noChangeArrowheads="1" noChangeShapeType="1" noTextEdit="1"/>
+          </p:cNvSpPr>
+          <p:nvPr>
+            <p:extLst>
+              <p:ext uri="{386F3935-93C4-4BCD-93E2-E3B085C9AB24}">
+                <p16:designElem xmlns:p16="http://schemas.microsoft.com/office/powerpoint/2015/main" val="1"/>
+              </p:ext>
+            </p:extLst>
+          </p:nvPr>
+        </p:nvSpPr>
+        <p:spPr>
+          <a:xfrm>
+            <a:off x="10425641" y="0"/>
+            <a:ext cx="1766359" cy="6858000"/>
+          </a:xfrm>
+          <a:custGeom>
+            <a:avLst/>
+            <a:gdLst/>
+            <a:ahLst/>
+            <a:cxnLst/>
+            <a:rect l="l" t="t" r="r" b="b"/>
+            <a:pathLst>
+              <a:path w="2858013" h="6866467">
+                <a:moveTo>
+                  <a:pt x="0" y="0"/>
+                </a:moveTo>
+                <a:lnTo>
+                  <a:pt x="2858013" y="0"/>
+                </a:lnTo>
+                <a:lnTo>
+                  <a:pt x="2858013" y="6866467"/>
+                </a:lnTo>
+                <a:lnTo>
+                  <a:pt x="2473942" y="6866467"/>
+                </a:lnTo>
+                <a:lnTo>
+                  <a:pt x="0" y="0"/>
+                </a:lnTo>
+                <a:close/>
+              </a:path>
+            </a:pathLst>
+          </a:custGeom>
+          <a:solidFill>
+            <a:schemeClr val="accent2"/>
+          </a:solidFill>
+          <a:ln>
+            <a:noFill/>
+          </a:ln>
+          <a:effectLst/>
+        </p:spPr>
+        <p:style>
+          <a:lnRef idx="1">
+            <a:schemeClr val="accent1"/>
+          </a:lnRef>
+          <a:fillRef idx="3">
+            <a:schemeClr val="accent1"/>
+          </a:fillRef>
+          <a:effectRef idx="2">
+            <a:schemeClr val="accent1"/>
+          </a:effectRef>
+          <a:fontRef idx="minor">
+            <a:schemeClr val="lt1"/>
+          </a:fontRef>
+        </p:style>
+      </p:sp>
+      <p:cxnSp>
+        <p:nvCxnSpPr>
+          <p:cNvPr id="27" name="Straight Connector 26">
+            <a:extLst>
+              <a:ext uri="{FF2B5EF4-FFF2-40B4-BE49-F238E27FC236}">
+                <a16:creationId xmlns:a16="http://schemas.microsoft.com/office/drawing/2014/main" id="{C5ECDEE1-7093-418F-9CF5-24EEB115C1C1}"/>
+              </a:ext>
+              <a:ext uri="{C183D7F6-B498-43B3-948B-1728B52AA6E4}">
+                <adec:decorative xmlns:adec="http://schemas.microsoft.com/office/drawing/2017/decorative" val="1"/>
+              </a:ext>
+            </a:extLst>
+          </p:cNvPr>
+          <p:cNvCxnSpPr>
+            <a:cxnSpLocks noGrp="1" noRot="1" noChangeAspect="1" noMove="1" noResize="1" noEditPoints="1" noAdjustHandles="1" noChangeArrowheads="1" noChangeShapeType="1"/>
+          </p:cNvCxnSpPr>
+          <p:nvPr>
+            <p:extLst>
+              <p:ext uri="{386F3935-93C4-4BCD-93E2-E3B085C9AB24}">
+                <p16:designElem xmlns:p16="http://schemas.microsoft.com/office/powerpoint/2015/main" val="1"/>
+              </p:ext>
+            </p:extLst>
+          </p:nvPr>
+        </p:nvCxnSpPr>
+        <p:spPr>
+          <a:xfrm>
+            <a:off x="10134600" y="0"/>
+            <a:ext cx="1727200" cy="6858000"/>
+          </a:xfrm>
+          <a:prstGeom prst="line">
+            <a:avLst/>
+          </a:prstGeom>
+          <a:ln w="15875" cap="sq">
+            <a:solidFill>
+              <a:schemeClr val="accent2"/>
+            </a:solidFill>
+            <a:bevel/>
+          </a:ln>
+        </p:spPr>
+        <p:style>
+          <a:lnRef idx="2">
+            <a:schemeClr val="accent1"/>
+          </a:lnRef>
+          <a:fillRef idx="0">
+            <a:schemeClr val="accent1"/>
+          </a:fillRef>
+          <a:effectRef idx="1">
+            <a:schemeClr val="accent1"/>
+          </a:effectRef>
+          <a:fontRef idx="minor">
+            <a:schemeClr val="tx1"/>
+          </a:fontRef>
+        </p:style>
+      </p:cxnSp>
+      <p:cxnSp>
+        <p:nvCxnSpPr>
+          <p:cNvPr id="29" name="Straight Connector 28">
+            <a:extLst>
+              <a:ext uri="{FF2B5EF4-FFF2-40B4-BE49-F238E27FC236}">
+                <a16:creationId xmlns:a16="http://schemas.microsoft.com/office/drawing/2014/main" id="{045062AF-EB11-4651-BC4A-4DA21768DE8E}"/>
+              </a:ext>
+              <a:ext uri="{C183D7F6-B498-43B3-948B-1728B52AA6E4}">
+                <adec:decorative xmlns:adec="http://schemas.microsoft.com/office/drawing/2017/decorative" val="1"/>
+              </a:ext>
+            </a:extLst>
+          </p:cNvPr>
+          <p:cNvCxnSpPr>
+            <a:cxnSpLocks noGrp="1" noRot="1" noChangeAspect="1" noMove="1" noResize="1" noEditPoints="1" noAdjustHandles="1" noChangeArrowheads="1" noChangeShapeType="1"/>
+          </p:cNvCxnSpPr>
+          <p:nvPr>
+            <p:extLst>
+              <p:ext uri="{386F3935-93C4-4BCD-93E2-E3B085C9AB24}">
+                <p16:designElem xmlns:p16="http://schemas.microsoft.com/office/powerpoint/2015/main" val="1"/>
+              </p:ext>
+            </p:extLst>
+          </p:nvPr>
+        </p:nvCxnSpPr>
+        <p:spPr>
+          <a:xfrm flipH="1">
+            <a:off x="7425267" y="3681413"/>
+            <a:ext cx="4763558" cy="3176587"/>
+          </a:xfrm>
+          <a:prstGeom prst="line">
+            <a:avLst/>
+          </a:prstGeom>
+          <a:ln w="15875">
+            <a:solidFill>
+              <a:schemeClr val="accent1"/>
+            </a:solidFill>
+          </a:ln>
+        </p:spPr>
+        <p:style>
+          <a:lnRef idx="2">
+            <a:schemeClr val="accent1"/>
+          </a:lnRef>
+          <a:fillRef idx="0">
+            <a:schemeClr val="accent1"/>
+          </a:fillRef>
+          <a:effectRef idx="1">
+            <a:schemeClr val="accent1"/>
+          </a:effectRef>
+          <a:fontRef idx="minor">
+            <a:schemeClr val="tx1"/>
+          </a:fontRef>
+        </p:style>
+      </p:cxnSp>
+      <p:sp>
+        <p:nvSpPr>
           <p:cNvPr id="2" name="Title 1">
             <a:extLst>
               <a:ext uri="{FF2B5EF4-FFF2-40B4-BE49-F238E27FC236}">
@@ -3817,15 +9622,24 @@
             <p:ph type="title"/>
           </p:nvPr>
         </p:nvSpPr>
-        <p:spPr/>
-        <p:txBody>
-          <a:bodyPr/>
+        <p:spPr>
+          <a:xfrm>
+            <a:off x="1507067" y="1397000"/>
+            <a:ext cx="7766936" cy="2653836"/>
+          </a:xfrm>
+        </p:spPr>
+        <p:txBody>
+          <a:bodyPr vert="horz" lIns="91440" tIns="45720" rIns="91440" bIns="45720" rtlCol="0" anchor="b">
+            <a:normAutofit/>
+          </a:bodyPr>
           <a:lstStyle/>
           <a:p>
-            <a:r>
-              <a:rPr lang="en-US" dirty="0"/>
-              <a:t>Questions</a:t>
-            </a:r>
+            <a:pPr algn="r"/>
+            <a:r>
+              <a:rPr lang="en-US" sz="5400" dirty="0" err="1"/>
+              <a:t>Intrebari</a:t>
+            </a:r>
+            <a:endParaRPr lang="en-US" sz="5400" dirty="0"/>
           </a:p>
         </p:txBody>
       </p:sp>
@@ -3843,58 +9657,56 @@
 </file>
 
 <file path=ppt/theme/theme1.xml><?xml version="1.0" encoding="utf-8"?>
-<a:theme xmlns:a="http://schemas.openxmlformats.org/drawingml/2006/main" name="Parcel">
+<a:theme xmlns:a="http://schemas.openxmlformats.org/drawingml/2006/main" name="Facet">
   <a:themeElements>
-    <a:clrScheme name="Parcel">
+    <a:clrScheme name="Facet">
       <a:dk1>
-        <a:srgbClr val="000000"/>
+        <a:sysClr val="windowText" lastClr="000000"/>
       </a:dk1>
       <a:lt1>
-        <a:srgbClr val="FFFFFF"/>
+        <a:sysClr val="window" lastClr="FFFFFF"/>
       </a:lt1>
       <a:dk2>
-        <a:srgbClr val="4A5356"/>
+        <a:srgbClr val="2C3C43"/>
       </a:dk2>
       <a:lt2>
-        <a:srgbClr val="E8E3CE"/>
+        <a:srgbClr val="EBEBEB"/>
       </a:lt2>
       <a:accent1>
-        <a:srgbClr val="F6A21D"/>
+        <a:srgbClr val="90C226"/>
       </a:accent1>
       <a:accent2>
-        <a:srgbClr val="9BAFB5"/>
+        <a:srgbClr val="54A021"/>
       </a:accent2>
       <a:accent3>
-        <a:srgbClr val="C96731"/>
+        <a:srgbClr val="E6B91E"/>
       </a:accent3>
       <a:accent4>
-        <a:srgbClr val="9CA383"/>
+        <a:srgbClr val="E76618"/>
       </a:accent4>
       <a:accent5>
-        <a:srgbClr val="87795D"/>
+        <a:srgbClr val="C42F1A"/>
       </a:accent5>
       <a:accent6>
-        <a:srgbClr val="A0988C"/>
+        <a:srgbClr val="918655"/>
       </a:accent6>
       <a:hlink>
-        <a:srgbClr val="00B0F0"/>
+        <a:srgbClr val="99CA3C"/>
       </a:hlink>
       <a:folHlink>
-        <a:srgbClr val="738F97"/>
+        <a:srgbClr val="B9D181"/>
       </a:folHlink>
     </a:clrScheme>
-    <a:fontScheme name="Parcel">
+    <a:fontScheme name="Facet">
       <a:majorFont>
-        <a:latin typeface="Gill Sans MT" panose="020B0502020104020203"/>
+        <a:latin typeface="Trebuchet MS" panose="020B0603020202020204"/>
         <a:ea typeface=""/>
         <a:cs typeface=""/>
-        <a:font script="Grek" typeface="Corbel"/>
-        <a:font script="Cyrl" typeface="Corbel"/>
-        <a:font script="Jpan" typeface="HGｺﾞｼｯｸE"/>
-        <a:font script="Hang" typeface="휴먼매직체"/>
-        <a:font script="Hans" typeface="华文中宋"/>
+        <a:font script="Jpan" typeface="メイリオ"/>
+        <a:font script="Hang" typeface="맑은 고딕"/>
+        <a:font script="Hans" typeface="方正姚体"/>
         <a:font script="Hant" typeface="微軟正黑體"/>
-        <a:font script="Arab" typeface="Majalla UI"/>
+        <a:font script="Arab" typeface="Tahoma"/>
         <a:font script="Hebr" typeface="Arial"/>
         <a:font script="Thai" typeface="Cordia New"/>
         <a:font script="Ethi" typeface="Nyala"/>
@@ -3922,18 +9734,16 @@
         <a:font script="Geor" typeface="Sylfaen"/>
       </a:majorFont>
       <a:minorFont>
-        <a:latin typeface="Gill Sans MT" panose="020B0502020104020203"/>
+        <a:latin typeface="Trebuchet MS" panose="020B0603020202020204"/>
         <a:ea typeface=""/>
         <a:cs typeface=""/>
-        <a:font script="Grek" typeface="Corbel"/>
-        <a:font script="Cyrl" typeface="Corbel"/>
-        <a:font script="Jpan" typeface="HGｺﾞｼｯｸE"/>
-        <a:font script="Hang" typeface="휴먼매직체"/>
-        <a:font script="Hans" typeface="华文中宋"/>
+        <a:font script="Jpan" typeface="メイリオ"/>
+        <a:font script="Hang" typeface="HY그래픽M"/>
+        <a:font script="Hans" typeface="华文新魏"/>
         <a:font script="Hant" typeface="微軟正黑體"/>
-        <a:font script="Arab" typeface="Majalla UI"/>
-        <a:font script="Hebr" typeface="Arial"/>
-        <a:font script="Thai" typeface="Cordia New"/>
+        <a:font script="Arab" typeface="Tahoma"/>
+        <a:font script="Hebr" typeface="Gisha"/>
+        <a:font script="Thai" typeface="IrisUPC"/>
         <a:font script="Ethi" typeface="Nyala"/>
         <a:font script="Beng" typeface="Vrinda"/>
         <a:font script="Gujr" typeface="Shruti"/>
@@ -3954,12 +9764,12 @@
         <a:font script="Laoo" typeface="DokChampa"/>
         <a:font script="Sinh" typeface="Iskoola Pota"/>
         <a:font script="Mong" typeface="Mongolian Baiti"/>
-        <a:font script="Viet" typeface="Tahoma"/>
+        <a:font script="Viet" typeface="Arial"/>
         <a:font script="Uigh" typeface="Microsoft Uighur"/>
         <a:font script="Geor" typeface="Sylfaen"/>
       </a:minorFont>
     </a:fontScheme>
-    <a:fmtScheme name="Parcel">
+    <a:fmtScheme name="Facet">
       <a:fillStyleLst>
         <a:solidFill>
           <a:schemeClr val="phClr"/>
@@ -3968,16 +9778,13 @@
           <a:gsLst>
             <a:gs pos="0">
               <a:schemeClr val="phClr">
-                <a:tint val="80000"/>
-                <a:satMod val="107000"/>
-                <a:lumMod val="103000"/>
+                <a:tint val="65000"/>
+                <a:lumMod val="110000"/>
               </a:schemeClr>
             </a:gs>
-            <a:gs pos="100000">
+            <a:gs pos="88000">
               <a:schemeClr val="phClr">
-                <a:tint val="82000"/>
-                <a:satMod val="109000"/>
-                <a:lumMod val="103000"/>
+                <a:tint val="90000"/>
               </a:schemeClr>
             </a:gs>
           </a:gsLst>
@@ -3987,23 +9794,14 @@
           <a:gsLst>
             <a:gs pos="0">
               <a:schemeClr val="phClr">
-                <a:tint val="97000"/>
-                <a:satMod val="100000"/>
-                <a:lumMod val="102000"/>
-              </a:schemeClr>
-            </a:gs>
-            <a:gs pos="50000">
-              <a:schemeClr val="phClr">
-                <a:shade val="100000"/>
-                <a:satMod val="103000"/>
+                <a:tint val="96000"/>
                 <a:lumMod val="100000"/>
               </a:schemeClr>
             </a:gs>
-            <a:gs pos="100000">
+            <a:gs pos="78000">
               <a:schemeClr val="phClr">
-                <a:shade val="93000"/>
-                <a:satMod val="110000"/>
-                <a:lumMod val="99000"/>
+                <a:shade val="94000"/>
+                <a:lumMod val="94000"/>
               </a:schemeClr>
             </a:gs>
           </a:gsLst>
@@ -4011,19 +9809,19 @@
         </a:gradFill>
       </a:fillStyleLst>
       <a:lnStyleLst>
-        <a:ln w="6350" cap="flat" cmpd="sng" algn="ctr">
+        <a:ln w="12700" cap="rnd" cmpd="sng" algn="ctr">
           <a:solidFill>
             <a:schemeClr val="phClr"/>
           </a:solidFill>
           <a:prstDash val="solid"/>
         </a:ln>
-        <a:ln w="12700" cap="flat" cmpd="sng" algn="ctr">
+        <a:ln w="19050" cap="rnd" cmpd="sng" algn="ctr">
           <a:solidFill>
             <a:schemeClr val="phClr"/>
           </a:solidFill>
           <a:prstDash val="solid"/>
         </a:ln>
-        <a:ln w="31750" cap="flat" cmpd="sng" algn="ctr">
+        <a:ln w="25400" cap="rnd" cmpd="sng" algn="ctr">
           <a:solidFill>
             <a:schemeClr val="phClr"/>
           </a:solidFill>
@@ -4035,13 +9833,19 @@
           <a:effectLst/>
         </a:effectStyle>
         <a:effectStyle>
-          <a:effectLst/>
+          <a:effectLst>
+            <a:outerShdw blurRad="38100" dist="25400" dir="5400000" rotWithShape="0">
+              <a:srgbClr val="000000">
+                <a:alpha val="35000"/>
+              </a:srgbClr>
+            </a:outerShdw>
+          </a:effectLst>
         </a:effectStyle>
         <a:effectStyle>
           <a:effectLst>
-            <a:outerShdw blurRad="55880" dist="15240" dir="5400000" algn="ctr" rotWithShape="0">
+            <a:outerShdw blurRad="50800" dist="38100" dir="5400000" rotWithShape="0">
               <a:srgbClr val="000000">
-                <a:alpha val="45000"/>
+                <a:alpha val="35000"/>
               </a:srgbClr>
             </a:outerShdw>
           </a:effectLst>
@@ -4049,9 +9853,9 @@
             <a:camera prst="orthographicFront">
               <a:rot lat="0" lon="0" rev="0"/>
             </a:camera>
-            <a:lightRig rig="brightRoom" dir="tl"/>
+            <a:lightRig rig="threePt" dir="tl"/>
           </a:scene3d>
-          <a:sp3d prstMaterial="dkEdge">
+          <a:sp3d prstMaterial="plastic">
             <a:bevelT w="0" h="0"/>
           </a:sp3d>
         </a:effectStyle>
@@ -4060,33 +9864,40 @@
         <a:solidFill>
           <a:schemeClr val="phClr"/>
         </a:solidFill>
-        <a:solidFill>
-          <a:schemeClr val="phClr">
-            <a:tint val="95000"/>
-            <a:satMod val="170000"/>
-          </a:schemeClr>
-        </a:solidFill>
         <a:gradFill rotWithShape="1">
           <a:gsLst>
             <a:gs pos="0">
               <a:schemeClr val="phClr">
-                <a:tint val="97000"/>
-                <a:shade val="100000"/>
-                <a:satMod val="185000"/>
-                <a:lumMod val="120000"/>
+                <a:tint val="90000"/>
+                <a:lumMod val="104000"/>
+              </a:schemeClr>
+            </a:gs>
+            <a:gs pos="94000">
+              <a:schemeClr val="phClr">
+                <a:shade val="96000"/>
+                <a:lumMod val="82000"/>
+              </a:schemeClr>
+            </a:gs>
+          </a:gsLst>
+          <a:lin ang="5400000" scaled="0"/>
+        </a:gradFill>
+        <a:gradFill rotWithShape="1">
+          <a:gsLst>
+            <a:gs pos="0">
+              <a:schemeClr val="phClr">
+                <a:tint val="90000"/>
+                <a:lumMod val="110000"/>
               </a:schemeClr>
             </a:gs>
             <a:gs pos="100000">
               <a:schemeClr val="phClr">
-                <a:tint val="96000"/>
-                <a:shade val="95000"/>
-                <a:satMod val="215000"/>
-                <a:lumMod val="80000"/>
+                <a:shade val="94000"/>
+                <a:lumMod val="96000"/>
               </a:schemeClr>
             </a:gs>
           </a:gsLst>
           <a:path path="circle">
-            <a:fillToRect l="50000" t="55000" r="125000" b="100000"/>
+            <a:fillToRect l="50000" t="50000" r="100000" b="100000"/>
           </a:path>
         </a:gradFill>
       </a:bgFillStyleLst>
@@ -4096,7 +9907,7 @@
   <a:extraClrSchemeLst/>
   <a:extLst>
     <a:ext uri="{05A4C25C-085E-4340-85A3-A5531E510DB2}">
-      <thm15:themeFamily xmlns:thm15="http://schemas.microsoft.com/office/thememl/2012/main" name="Parcel" id="{8BEC4385-4EB9-4D53-BFB5-0EA123736B6D}" vid="{4DB32801-28C0-48B0-8C1D-A9A58613615A}"/>
+      <thm15:themeFamily xmlns:thm15="http://schemas.microsoft.com/office/thememl/2012/main" name="Facet" id="{C0C680CD-088A-49FC-A102-D699147F32B2}" vid="{CFBC31BA-B70F-4F30-BCAA-4F3011E16C4D}"/>
     </a:ext>
   </a:extLst>
 </a:theme>
